--- a/计算机课程/关键阶段一/一年级/U1 - 计算系统和网络 – 我们身边的科技/L1 - 我们教室里的科技/A1 讲义 - 这是科技吗.pptx
+++ b/计算机课程/关键阶段一/一年级/U1 - 计算系统和网络 – 我们身边的科技/L1 - 我们教室里的科技/A1 讲义 - 这是科技吗.pptx
@@ -1,32 +1,39 @@
 
 <file path=ppt/presentation.xml><?xml version="1.0" encoding="utf-8"?>
-<p:presentation xmlns:a="http://schemas.openxmlformats.org/drawingml/2006/main" xmlns:r="http://schemas.openxmlformats.org/officeDocument/2006/relationships" xmlns:mc="http://schemas.openxmlformats.org/markup-compatibility/2006" xmlns:mv="urn:schemas-microsoft-com:mac:vml" xmlns:p="http://schemas.openxmlformats.org/presentationml/2006/main" xmlns:c="http://schemas.openxmlformats.org/drawingml/2006/chart" xmlns:dgm="http://schemas.openxmlformats.org/drawingml/2006/diagram" xmlns:o="urn:schemas-microsoft-com:office:office" xmlns:v="urn:schemas-microsoft-com:vml" xmlns:pvml="urn:schemas-microsoft-com:office:powerpoint" xmlns:com="http://schemas.openxmlformats.org/drawingml/2006/compatibility" xmlns:p14="http://schemas.microsoft.com/office/powerpoint/2010/main" xmlns:p15="http://schemas.microsoft.com/office/powerpoint/2012/main" xmlns:ahyp="http://schemas.microsoft.com/office/drawing/2018/hyperlinkcolor" autoCompressPictures="0" embedTrueTypeFonts="1" strictFirstAndLastChars="0" saveSubsetFonts="1">
+<p:presentation xmlns:a="http://schemas.openxmlformats.org/drawingml/2006/main" xmlns:r="http://schemas.openxmlformats.org/officeDocument/2006/relationships" xmlns:p="http://schemas.openxmlformats.org/presentationml/2006/main" strictFirstAndLastChars="0" embedTrueTypeFonts="1" saveSubsetFonts="1" autoCompressPictures="0">
   <p:sldMasterIdLst>
-    <p:sldMasterId id="2147483659" r:id="rId4"/>
+    <p:sldMasterId id="2147483659" r:id="rId1"/>
   </p:sldMasterIdLst>
   <p:notesMasterIdLst>
-    <p:notesMasterId r:id="rId5"/>
+    <p:notesMasterId r:id="rId4"/>
   </p:notesMasterIdLst>
   <p:sldIdLst>
-    <p:sldId id="256" r:id="rId6"/>
-    <p:sldId id="257" r:id="rId7"/>
+    <p:sldId id="256" r:id="rId2"/>
+    <p:sldId id="257" r:id="rId3"/>
   </p:sldIdLst>
-  <p:sldSz cy="7560000" cx="10692000"/>
-  <p:notesSz cx="7560000" cy="10692000"/>
+  <p:sldSz cx="10691813" cy="7559675"/>
+  <p:notesSz cx="7559675" cy="10691813"/>
   <p:embeddedFontLst>
     <p:embeddedFont>
-      <p:font typeface="Quicksand"/>
-      <p:regular r:id="rId8"/>
-      <p:bold r:id="rId9"/>
+      <p:font typeface="Quicksand" panose="02010600030101010101" charset="0"/>
+      <p:regular r:id="rId5"/>
+      <p:bold r:id="rId6"/>
     </p:embeddedFont>
     <p:embeddedFont>
-      <p:font typeface="Quicksand Medium"/>
-      <p:regular r:id="rId10"/>
-      <p:bold r:id="rId11"/>
+      <p:font typeface="Quicksand Medium" panose="02010600030101010101" charset="0"/>
+      <p:regular r:id="rId7"/>
+      <p:bold r:id="rId8"/>
+    </p:embeddedFont>
+    <p:embeddedFont>
+      <p:font typeface="Segoe UI" panose="020B0502040204020203" pitchFamily="34" charset="0"/>
+      <p:regular r:id="rId9"/>
+      <p:bold r:id="rId10"/>
+      <p:italic r:id="rId11"/>
+      <p:boldItalic r:id="rId12"/>
     </p:embeddedFont>
   </p:embeddedFontLst>
   <p:defaultTextStyle>
-    <a:defPPr lvl="0" marR="0" rtl="0" algn="l">
+    <a:defPPr marR="0" lvl="0" algn="l" rtl="0">
       <a:lnSpc>
         <a:spcPct val="100000"/>
       </a:lnSpc>
@@ -37,7 +44,7 @@
         <a:spcPts val="0"/>
       </a:spcAft>
     </a:defPPr>
-    <a:lvl1pPr lvl="0" marR="0" rtl="0" algn="l">
+    <a:lvl1pPr marR="0" lvl="0" algn="l" rtl="0">
       <a:lnSpc>
         <a:spcPct val="100000"/>
       </a:lnSpc>
@@ -51,7 +58,7 @@
         <a:srgbClr val="000000"/>
       </a:buClr>
       <a:buFont typeface="Arial"/>
-      <a:defRPr b="0" i="0" sz="1400" u="none" cap="none" strike="noStrike">
+      <a:defRPr sz="1400" b="0" i="0" u="none" strike="noStrike" cap="none">
         <a:solidFill>
           <a:srgbClr val="000000"/>
         </a:solidFill>
@@ -61,7 +68,7 @@
         <a:sym typeface="Arial"/>
       </a:defRPr>
     </a:lvl1pPr>
-    <a:lvl2pPr lvl="1" marR="0" rtl="0" algn="l">
+    <a:lvl2pPr marR="0" lvl="1" algn="l" rtl="0">
       <a:lnSpc>
         <a:spcPct val="100000"/>
       </a:lnSpc>
@@ -75,7 +82,7 @@
         <a:srgbClr val="000000"/>
       </a:buClr>
       <a:buFont typeface="Arial"/>
-      <a:defRPr b="0" i="0" sz="1400" u="none" cap="none" strike="noStrike">
+      <a:defRPr sz="1400" b="0" i="0" u="none" strike="noStrike" cap="none">
         <a:solidFill>
           <a:srgbClr val="000000"/>
         </a:solidFill>
@@ -85,7 +92,7 @@
         <a:sym typeface="Arial"/>
       </a:defRPr>
     </a:lvl2pPr>
-    <a:lvl3pPr lvl="2" marR="0" rtl="0" algn="l">
+    <a:lvl3pPr marR="0" lvl="2" algn="l" rtl="0">
       <a:lnSpc>
         <a:spcPct val="100000"/>
       </a:lnSpc>
@@ -99,7 +106,7 @@
         <a:srgbClr val="000000"/>
       </a:buClr>
       <a:buFont typeface="Arial"/>
-      <a:defRPr b="0" i="0" sz="1400" u="none" cap="none" strike="noStrike">
+      <a:defRPr sz="1400" b="0" i="0" u="none" strike="noStrike" cap="none">
         <a:solidFill>
           <a:srgbClr val="000000"/>
         </a:solidFill>
@@ -109,7 +116,7 @@
         <a:sym typeface="Arial"/>
       </a:defRPr>
     </a:lvl3pPr>
-    <a:lvl4pPr lvl="3" marR="0" rtl="0" algn="l">
+    <a:lvl4pPr marR="0" lvl="3" algn="l" rtl="0">
       <a:lnSpc>
         <a:spcPct val="100000"/>
       </a:lnSpc>
@@ -123,7 +130,7 @@
         <a:srgbClr val="000000"/>
       </a:buClr>
       <a:buFont typeface="Arial"/>
-      <a:defRPr b="0" i="0" sz="1400" u="none" cap="none" strike="noStrike">
+      <a:defRPr sz="1400" b="0" i="0" u="none" strike="noStrike" cap="none">
         <a:solidFill>
           <a:srgbClr val="000000"/>
         </a:solidFill>
@@ -133,7 +140,7 @@
         <a:sym typeface="Arial"/>
       </a:defRPr>
     </a:lvl4pPr>
-    <a:lvl5pPr lvl="4" marR="0" rtl="0" algn="l">
+    <a:lvl5pPr marR="0" lvl="4" algn="l" rtl="0">
       <a:lnSpc>
         <a:spcPct val="100000"/>
       </a:lnSpc>
@@ -147,7 +154,7 @@
         <a:srgbClr val="000000"/>
       </a:buClr>
       <a:buFont typeface="Arial"/>
-      <a:defRPr b="0" i="0" sz="1400" u="none" cap="none" strike="noStrike">
+      <a:defRPr sz="1400" b="0" i="0" u="none" strike="noStrike" cap="none">
         <a:solidFill>
           <a:srgbClr val="000000"/>
         </a:solidFill>
@@ -157,7 +164,7 @@
         <a:sym typeface="Arial"/>
       </a:defRPr>
     </a:lvl5pPr>
-    <a:lvl6pPr lvl="5" marR="0" rtl="0" algn="l">
+    <a:lvl6pPr marR="0" lvl="5" algn="l" rtl="0">
       <a:lnSpc>
         <a:spcPct val="100000"/>
       </a:lnSpc>
@@ -171,7 +178,7 @@
         <a:srgbClr val="000000"/>
       </a:buClr>
       <a:buFont typeface="Arial"/>
-      <a:defRPr b="0" i="0" sz="1400" u="none" cap="none" strike="noStrike">
+      <a:defRPr sz="1400" b="0" i="0" u="none" strike="noStrike" cap="none">
         <a:solidFill>
           <a:srgbClr val="000000"/>
         </a:solidFill>
@@ -181,7 +188,7 @@
         <a:sym typeface="Arial"/>
       </a:defRPr>
     </a:lvl6pPr>
-    <a:lvl7pPr lvl="6" marR="0" rtl="0" algn="l">
+    <a:lvl7pPr marR="0" lvl="6" algn="l" rtl="0">
       <a:lnSpc>
         <a:spcPct val="100000"/>
       </a:lnSpc>
@@ -195,7 +202,7 @@
         <a:srgbClr val="000000"/>
       </a:buClr>
       <a:buFont typeface="Arial"/>
-      <a:defRPr b="0" i="0" sz="1400" u="none" cap="none" strike="noStrike">
+      <a:defRPr sz="1400" b="0" i="0" u="none" strike="noStrike" cap="none">
         <a:solidFill>
           <a:srgbClr val="000000"/>
         </a:solidFill>
@@ -205,7 +212,7 @@
         <a:sym typeface="Arial"/>
       </a:defRPr>
     </a:lvl7pPr>
-    <a:lvl8pPr lvl="7" marR="0" rtl="0" algn="l">
+    <a:lvl8pPr marR="0" lvl="7" algn="l" rtl="0">
       <a:lnSpc>
         <a:spcPct val="100000"/>
       </a:lnSpc>
@@ -219,7 +226,7 @@
         <a:srgbClr val="000000"/>
       </a:buClr>
       <a:buFont typeface="Arial"/>
-      <a:defRPr b="0" i="0" sz="1400" u="none" cap="none" strike="noStrike">
+      <a:defRPr sz="1400" b="0" i="0" u="none" strike="noStrike" cap="none">
         <a:solidFill>
           <a:srgbClr val="000000"/>
         </a:solidFill>
@@ -229,7 +236,7 @@
         <a:sym typeface="Arial"/>
       </a:defRPr>
     </a:lvl8pPr>
-    <a:lvl9pPr lvl="8" marR="0" rtl="0" algn="l">
+    <a:lvl9pPr marR="0" lvl="8" algn="l" rtl="0">
       <a:lnSpc>
         <a:spcPct val="100000"/>
       </a:lnSpc>
@@ -243,7 +250,7 @@
         <a:srgbClr val="000000"/>
       </a:buClr>
       <a:buFont typeface="Arial"/>
-      <a:defRPr b="0" i="0" sz="1400" u="none" cap="none" strike="noStrike">
+      <a:defRPr sz="1400" b="0" i="0" u="none" strike="noStrike" cap="none">
         <a:solidFill>
           <a:srgbClr val="000000"/>
         </a:solidFill>
@@ -256,7 +263,7 @@
   </p:defaultTextStyle>
   <p:extLst>
     <p:ext uri="{EFAFB233-063F-42B5-8137-9DF3F51BA10A}">
-      <p15:sldGuideLst>
+      <p15:sldGuideLst xmlns:p15="http://schemas.microsoft.com/office/powerpoint/2012/main">
         <p15:guide id="1" orient="horz" pos="2381">
           <p15:clr>
             <a:srgbClr val="A4A3A4"/>
@@ -279,11 +286,16 @@
 </file>
 
 <file path=ppt/notesMasters/notesMaster1.xml><?xml version="1.0" encoding="utf-8"?>
-<p:notesMaster xmlns:a="http://schemas.openxmlformats.org/drawingml/2006/main" xmlns:r="http://schemas.openxmlformats.org/officeDocument/2006/relationships" xmlns:mc="http://schemas.openxmlformats.org/markup-compatibility/2006" xmlns:mv="urn:schemas-microsoft-com:mac:vml" xmlns:p="http://schemas.openxmlformats.org/presentationml/2006/main" xmlns:c="http://schemas.openxmlformats.org/drawingml/2006/chart" xmlns:dgm="http://schemas.openxmlformats.org/drawingml/2006/diagram" xmlns:o="urn:schemas-microsoft-com:office:office" xmlns:v="urn:schemas-microsoft-com:vml" xmlns:pvml="urn:schemas-microsoft-com:office:powerpoint" xmlns:com="http://schemas.openxmlformats.org/drawingml/2006/compatibility" xmlns:p14="http://schemas.microsoft.com/office/powerpoint/2010/main" xmlns:p15="http://schemas.microsoft.com/office/powerpoint/2012/main" xmlns:ahyp="http://schemas.microsoft.com/office/drawing/2018/hyperlinkcolor">
+<p:notesMaster xmlns:a="http://schemas.openxmlformats.org/drawingml/2006/main" xmlns:r="http://schemas.openxmlformats.org/officeDocument/2006/relationships" xmlns:p="http://schemas.openxmlformats.org/presentationml/2006/main">
   <p:cSld>
+    <p:bg>
+      <p:bgRef idx="1001">
+        <a:schemeClr val="bg1"/>
+      </p:bgRef>
+    </p:bg>
     <p:spTree>
       <p:nvGrpSpPr>
-        <p:cNvPr id="2" name="Shape 2"/>
+        <p:cNvPr id="1" name="Shape 2"/>
         <p:cNvGrpSpPr/>
         <p:nvPr/>
       </p:nvGrpSpPr>
@@ -298,9 +310,11 @@
       <p:sp>
         <p:nvSpPr>
           <p:cNvPr id="3" name="Google Shape;3;n"/>
-          <p:cNvSpPr/>
+          <p:cNvSpPr>
+            <a:spLocks noGrp="1" noRot="1" noChangeAspect="1"/>
+          </p:cNvSpPr>
           <p:nvPr>
-            <p:ph idx="2" type="sldImg"/>
+            <p:ph type="sldImg" idx="2"/>
           </p:nvPr>
         </p:nvSpPr>
         <p:spPr>
@@ -309,9 +323,13 @@
             <a:ext cx="4849500" cy="3429000"/>
           </a:xfrm>
           <a:custGeom>
-            <a:rect b="b" l="l" r="r" t="t"/>
+            <a:avLst/>
+            <a:gdLst/>
+            <a:ahLst/>
+            <a:cxnLst/>
+            <a:rect l="l" t="t" r="r" b="b"/>
             <a:pathLst>
-              <a:path extrusionOk="0" h="120000" w="120000">
+              <a:path w="120000" h="120000" extrusionOk="0">
                 <a:moveTo>
                   <a:pt x="0" y="0"/>
                 </a:moveTo>
@@ -329,23 +347,25 @@
             </a:pathLst>
           </a:custGeom>
           <a:noFill/>
-          <a:ln cap="flat" cmpd="sng" w="9525">
+          <a:ln w="9525" cap="flat" cmpd="sng">
             <a:solidFill>
               <a:srgbClr val="000000"/>
             </a:solidFill>
             <a:prstDash val="solid"/>
             <a:round/>
-            <a:headEnd len="sm" w="sm" type="none"/>
-            <a:tailEnd len="sm" w="sm" type="none"/>
+            <a:headEnd type="none" w="sm" len="sm"/>
+            <a:tailEnd type="none" w="sm" len="sm"/>
           </a:ln>
         </p:spPr>
       </p:sp>
       <p:sp>
         <p:nvSpPr>
           <p:cNvPr id="4" name="Google Shape;4;n"/>
-          <p:cNvSpPr txBox="1"/>
+          <p:cNvSpPr txBox="1">
+            <a:spLocks noGrp="1"/>
+          </p:cNvSpPr>
           <p:nvPr>
-            <p:ph idx="1" type="body"/>
+            <p:ph type="body" idx="1"/>
           </p:nvPr>
         </p:nvSpPr>
         <p:spPr>
@@ -362,11 +382,11 @@
           </a:ln>
         </p:spPr>
         <p:txBody>
-          <a:bodyPr anchorCtr="0" anchor="t" bIns="91425" lIns="91425" spcFirstLastPara="1" rIns="91425" wrap="square" tIns="91425">
+          <a:bodyPr spcFirstLastPara="1" wrap="square" lIns="91425" tIns="91425" rIns="91425" bIns="91425" anchor="t" anchorCtr="0">
             <a:noAutofit/>
           </a:bodyPr>
           <a:lstStyle>
-            <a:lvl1pPr indent="-298450" lvl="0" marL="457200">
+            <a:lvl1pPr marL="457200" lvl="0" indent="-298450">
               <a:spcBef>
                 <a:spcPts val="0"/>
               </a:spcBef>
@@ -377,7 +397,7 @@
               <a:buChar char="●"/>
               <a:defRPr sz="1100"/>
             </a:lvl1pPr>
-            <a:lvl2pPr indent="-298450" lvl="1" marL="914400">
+            <a:lvl2pPr marL="914400" lvl="1" indent="-298450">
               <a:spcBef>
                 <a:spcPts val="0"/>
               </a:spcBef>
@@ -388,7 +408,7 @@
               <a:buChar char="○"/>
               <a:defRPr sz="1100"/>
             </a:lvl2pPr>
-            <a:lvl3pPr indent="-298450" lvl="2" marL="1371600">
+            <a:lvl3pPr marL="1371600" lvl="2" indent="-298450">
               <a:spcBef>
                 <a:spcPts val="0"/>
               </a:spcBef>
@@ -399,7 +419,7 @@
               <a:buChar char="■"/>
               <a:defRPr sz="1100"/>
             </a:lvl3pPr>
-            <a:lvl4pPr indent="-298450" lvl="3" marL="1828800">
+            <a:lvl4pPr marL="1828800" lvl="3" indent="-298450">
               <a:spcBef>
                 <a:spcPts val="0"/>
               </a:spcBef>
@@ -410,7 +430,7 @@
               <a:buChar char="●"/>
               <a:defRPr sz="1100"/>
             </a:lvl4pPr>
-            <a:lvl5pPr indent="-298450" lvl="4" marL="2286000">
+            <a:lvl5pPr marL="2286000" lvl="4" indent="-298450">
               <a:spcBef>
                 <a:spcPts val="0"/>
               </a:spcBef>
@@ -421,7 +441,7 @@
               <a:buChar char="○"/>
               <a:defRPr sz="1100"/>
             </a:lvl5pPr>
-            <a:lvl6pPr indent="-298450" lvl="5" marL="2743200">
+            <a:lvl6pPr marL="2743200" lvl="5" indent="-298450">
               <a:spcBef>
                 <a:spcPts val="0"/>
               </a:spcBef>
@@ -432,7 +452,7 @@
               <a:buChar char="■"/>
               <a:defRPr sz="1100"/>
             </a:lvl6pPr>
-            <a:lvl7pPr indent="-298450" lvl="6" marL="3200400">
+            <a:lvl7pPr marL="3200400" lvl="6" indent="-298450">
               <a:spcBef>
                 <a:spcPts val="0"/>
               </a:spcBef>
@@ -443,7 +463,7 @@
               <a:buChar char="●"/>
               <a:defRPr sz="1100"/>
             </a:lvl7pPr>
-            <a:lvl8pPr indent="-298450" lvl="7" marL="3657600">
+            <a:lvl8pPr marL="3657600" lvl="7" indent="-298450">
               <a:spcBef>
                 <a:spcPts val="0"/>
               </a:spcBef>
@@ -454,7 +474,7 @@
               <a:buChar char="○"/>
               <a:defRPr sz="1100"/>
             </a:lvl8pPr>
-            <a:lvl9pPr indent="-298450" lvl="8" marL="4114800">
+            <a:lvl9pPr marL="4114800" lvl="8" indent="-298450">
               <a:spcBef>
                 <a:spcPts val="0"/>
               </a:spcBef>
@@ -466,14 +486,16 @@
               <a:defRPr sz="1100"/>
             </a:lvl9pPr>
           </a:lstStyle>
-          <a:p/>
+          <a:p>
+            <a:endParaRPr/>
+          </a:p>
         </p:txBody>
       </p:sp>
     </p:spTree>
   </p:cSld>
-  <p:clrMap accent1="accent1" accent2="accent2" accent3="accent3" accent4="accent4" accent5="accent5" accent6="accent6" bg1="lt1" bg2="dk2" tx1="dk1" tx2="lt2" folHlink="folHlink" hlink="hlink"/>
+  <p:clrMap bg1="lt1" tx1="dk1" bg2="dk2" tx2="lt2" accent1="accent1" accent2="accent2" accent3="accent3" accent4="accent4" accent5="accent5" accent6="accent6" hlink="hlink" folHlink="folHlink"/>
   <p:notesStyle>
-    <a:defPPr lvl="0" marR="0" rtl="0" algn="l">
+    <a:defPPr marR="0" lvl="0" algn="l" rtl="0">
       <a:lnSpc>
         <a:spcPct val="100000"/>
       </a:lnSpc>
@@ -484,7 +506,7 @@
         <a:spcPts val="0"/>
       </a:spcAft>
     </a:defPPr>
-    <a:lvl1pPr lvl="0" marR="0" rtl="0" algn="l">
+    <a:lvl1pPr marR="0" lvl="0" algn="l" rtl="0">
       <a:lnSpc>
         <a:spcPct val="100000"/>
       </a:lnSpc>
@@ -498,7 +520,7 @@
         <a:srgbClr val="000000"/>
       </a:buClr>
       <a:buFont typeface="Arial"/>
-      <a:defRPr b="0" i="0" sz="1400" u="none" cap="none" strike="noStrike">
+      <a:defRPr sz="1400" b="0" i="0" u="none" strike="noStrike" cap="none">
         <a:solidFill>
           <a:srgbClr val="000000"/>
         </a:solidFill>
@@ -508,7 +530,7 @@
         <a:sym typeface="Arial"/>
       </a:defRPr>
     </a:lvl1pPr>
-    <a:lvl2pPr lvl="1" marR="0" rtl="0" algn="l">
+    <a:lvl2pPr marR="0" lvl="1" algn="l" rtl="0">
       <a:lnSpc>
         <a:spcPct val="100000"/>
       </a:lnSpc>
@@ -522,7 +544,7 @@
         <a:srgbClr val="000000"/>
       </a:buClr>
       <a:buFont typeface="Arial"/>
-      <a:defRPr b="0" i="0" sz="1400" u="none" cap="none" strike="noStrike">
+      <a:defRPr sz="1400" b="0" i="0" u="none" strike="noStrike" cap="none">
         <a:solidFill>
           <a:srgbClr val="000000"/>
         </a:solidFill>
@@ -532,7 +554,7 @@
         <a:sym typeface="Arial"/>
       </a:defRPr>
     </a:lvl2pPr>
-    <a:lvl3pPr lvl="2" marR="0" rtl="0" algn="l">
+    <a:lvl3pPr marR="0" lvl="2" algn="l" rtl="0">
       <a:lnSpc>
         <a:spcPct val="100000"/>
       </a:lnSpc>
@@ -546,7 +568,7 @@
         <a:srgbClr val="000000"/>
       </a:buClr>
       <a:buFont typeface="Arial"/>
-      <a:defRPr b="0" i="0" sz="1400" u="none" cap="none" strike="noStrike">
+      <a:defRPr sz="1400" b="0" i="0" u="none" strike="noStrike" cap="none">
         <a:solidFill>
           <a:srgbClr val="000000"/>
         </a:solidFill>
@@ -556,7 +578,7 @@
         <a:sym typeface="Arial"/>
       </a:defRPr>
     </a:lvl3pPr>
-    <a:lvl4pPr lvl="3" marR="0" rtl="0" algn="l">
+    <a:lvl4pPr marR="0" lvl="3" algn="l" rtl="0">
       <a:lnSpc>
         <a:spcPct val="100000"/>
       </a:lnSpc>
@@ -570,7 +592,7 @@
         <a:srgbClr val="000000"/>
       </a:buClr>
       <a:buFont typeface="Arial"/>
-      <a:defRPr b="0" i="0" sz="1400" u="none" cap="none" strike="noStrike">
+      <a:defRPr sz="1400" b="0" i="0" u="none" strike="noStrike" cap="none">
         <a:solidFill>
           <a:srgbClr val="000000"/>
         </a:solidFill>
@@ -580,7 +602,7 @@
         <a:sym typeface="Arial"/>
       </a:defRPr>
     </a:lvl4pPr>
-    <a:lvl5pPr lvl="4" marR="0" rtl="0" algn="l">
+    <a:lvl5pPr marR="0" lvl="4" algn="l" rtl="0">
       <a:lnSpc>
         <a:spcPct val="100000"/>
       </a:lnSpc>
@@ -594,7 +616,7 @@
         <a:srgbClr val="000000"/>
       </a:buClr>
       <a:buFont typeface="Arial"/>
-      <a:defRPr b="0" i="0" sz="1400" u="none" cap="none" strike="noStrike">
+      <a:defRPr sz="1400" b="0" i="0" u="none" strike="noStrike" cap="none">
         <a:solidFill>
           <a:srgbClr val="000000"/>
         </a:solidFill>
@@ -604,7 +626,7 @@
         <a:sym typeface="Arial"/>
       </a:defRPr>
     </a:lvl5pPr>
-    <a:lvl6pPr lvl="5" marR="0" rtl="0" algn="l">
+    <a:lvl6pPr marR="0" lvl="5" algn="l" rtl="0">
       <a:lnSpc>
         <a:spcPct val="100000"/>
       </a:lnSpc>
@@ -618,7 +640,7 @@
         <a:srgbClr val="000000"/>
       </a:buClr>
       <a:buFont typeface="Arial"/>
-      <a:defRPr b="0" i="0" sz="1400" u="none" cap="none" strike="noStrike">
+      <a:defRPr sz="1400" b="0" i="0" u="none" strike="noStrike" cap="none">
         <a:solidFill>
           <a:srgbClr val="000000"/>
         </a:solidFill>
@@ -628,7 +650,7 @@
         <a:sym typeface="Arial"/>
       </a:defRPr>
     </a:lvl6pPr>
-    <a:lvl7pPr lvl="6" marR="0" rtl="0" algn="l">
+    <a:lvl7pPr marR="0" lvl="6" algn="l" rtl="0">
       <a:lnSpc>
         <a:spcPct val="100000"/>
       </a:lnSpc>
@@ -642,7 +664,7 @@
         <a:srgbClr val="000000"/>
       </a:buClr>
       <a:buFont typeface="Arial"/>
-      <a:defRPr b="0" i="0" sz="1400" u="none" cap="none" strike="noStrike">
+      <a:defRPr sz="1400" b="0" i="0" u="none" strike="noStrike" cap="none">
         <a:solidFill>
           <a:srgbClr val="000000"/>
         </a:solidFill>
@@ -652,7 +674,7 @@
         <a:sym typeface="Arial"/>
       </a:defRPr>
     </a:lvl7pPr>
-    <a:lvl8pPr lvl="7" marR="0" rtl="0" algn="l">
+    <a:lvl8pPr marR="0" lvl="7" algn="l" rtl="0">
       <a:lnSpc>
         <a:spcPct val="100000"/>
       </a:lnSpc>
@@ -666,7 +688,7 @@
         <a:srgbClr val="000000"/>
       </a:buClr>
       <a:buFont typeface="Arial"/>
-      <a:defRPr b="0" i="0" sz="1400" u="none" cap="none" strike="noStrike">
+      <a:defRPr sz="1400" b="0" i="0" u="none" strike="noStrike" cap="none">
         <a:solidFill>
           <a:srgbClr val="000000"/>
         </a:solidFill>
@@ -676,7 +698,7 @@
         <a:sym typeface="Arial"/>
       </a:defRPr>
     </a:lvl8pPr>
-    <a:lvl9pPr lvl="8" marR="0" rtl="0" algn="l">
+    <a:lvl9pPr marR="0" lvl="8" algn="l" rtl="0">
       <a:lnSpc>
         <a:spcPct val="100000"/>
       </a:lnSpc>
@@ -690,7 +712,7 @@
         <a:srgbClr val="000000"/>
       </a:buClr>
       <a:buFont typeface="Arial"/>
-      <a:defRPr b="0" i="0" sz="1400" u="none" cap="none" strike="noStrike">
+      <a:defRPr sz="1400" b="0" i="0" u="none" strike="noStrike" cap="none">
         <a:solidFill>
           <a:srgbClr val="000000"/>
         </a:solidFill>
@@ -705,11 +727,11 @@
 </file>
 
 <file path=ppt/notesSlides/notesSlide1.xml><?xml version="1.0" encoding="utf-8"?>
-<p:notes xmlns:a="http://schemas.openxmlformats.org/drawingml/2006/main" xmlns:r="http://schemas.openxmlformats.org/officeDocument/2006/relationships" xmlns:mc="http://schemas.openxmlformats.org/markup-compatibility/2006" xmlns:mv="urn:schemas-microsoft-com:mac:vml" xmlns:p="http://schemas.openxmlformats.org/presentationml/2006/main" xmlns:c="http://schemas.openxmlformats.org/drawingml/2006/chart" xmlns:dgm="http://schemas.openxmlformats.org/drawingml/2006/diagram" xmlns:o="urn:schemas-microsoft-com:office:office" xmlns:v="urn:schemas-microsoft-com:vml" xmlns:pvml="urn:schemas-microsoft-com:office:powerpoint" xmlns:com="http://schemas.openxmlformats.org/drawingml/2006/compatibility" xmlns:p14="http://schemas.microsoft.com/office/powerpoint/2010/main" xmlns:p15="http://schemas.microsoft.com/office/powerpoint/2012/main" xmlns:ahyp="http://schemas.microsoft.com/office/drawing/2018/hyperlinkcolor" showMasterPhAnim="0" showMasterSp="0">
+<p:notes xmlns:a="http://schemas.openxmlformats.org/drawingml/2006/main" xmlns:r="http://schemas.openxmlformats.org/officeDocument/2006/relationships" xmlns:p="http://schemas.openxmlformats.org/presentationml/2006/main" showMasterSp="0" showMasterPhAnim="0">
   <p:cSld>
     <p:spTree>
       <p:nvGrpSpPr>
-        <p:cNvPr id="66" name="Shape 66"/>
+        <p:cNvPr id="1" name="Shape 66"/>
         <p:cNvGrpSpPr/>
         <p:nvPr/>
       </p:nvGrpSpPr>
@@ -724,20 +746,26 @@
       <p:sp>
         <p:nvSpPr>
           <p:cNvPr id="67" name="Google Shape;67;g5f43764c14_0_0:notes"/>
-          <p:cNvSpPr/>
+          <p:cNvSpPr>
+            <a:spLocks noGrp="1" noRot="1" noChangeAspect="1"/>
+          </p:cNvSpPr>
           <p:nvPr>
-            <p:ph idx="2" type="sldImg"/>
+            <p:ph type="sldImg" idx="2"/>
           </p:nvPr>
         </p:nvSpPr>
         <p:spPr>
           <a:xfrm>
-            <a:off x="911230" y="586509"/>
-            <a:ext cx="4399500" cy="2932500"/>
+            <a:off x="1036638" y="585788"/>
+            <a:ext cx="4148137" cy="2933700"/>
           </a:xfrm>
           <a:custGeom>
-            <a:rect b="b" l="l" r="r" t="t"/>
+            <a:avLst/>
+            <a:gdLst/>
+            <a:ahLst/>
+            <a:cxnLst/>
+            <a:rect l="l" t="t" r="r" b="b"/>
             <a:pathLst>
-              <a:path extrusionOk="0" h="120000" w="120000">
+              <a:path w="120000" h="120000" extrusionOk="0">
                 <a:moveTo>
                   <a:pt x="0" y="0"/>
                 </a:moveTo>
@@ -759,9 +787,11 @@
       <p:sp>
         <p:nvSpPr>
           <p:cNvPr id="68" name="Google Shape;68;g5f43764c14_0_0:notes"/>
-          <p:cNvSpPr txBox="1"/>
+          <p:cNvSpPr txBox="1">
+            <a:spLocks noGrp="1"/>
+          </p:cNvSpPr>
           <p:nvPr>
-            <p:ph idx="1" type="body"/>
+            <p:ph type="body" idx="1"/>
           </p:nvPr>
         </p:nvSpPr>
         <p:spPr>
@@ -774,12 +804,12 @@
           </a:prstGeom>
         </p:spPr>
         <p:txBody>
-          <a:bodyPr anchorCtr="0" anchor="t" bIns="91425" lIns="91425" spcFirstLastPara="1" rIns="91425" wrap="square" tIns="91425">
+          <a:bodyPr spcFirstLastPara="1" wrap="square" lIns="91425" tIns="91425" rIns="91425" bIns="91425" anchor="t" anchorCtr="0">
             <a:noAutofit/>
           </a:bodyPr>
           <a:lstStyle/>
           <a:p>
-            <a:pPr indent="0" lvl="0" marL="0" rtl="0" algn="l">
+            <a:pPr marL="0" lvl="0" indent="0" algn="l" rtl="0">
               <a:spcBef>
                 <a:spcPts val="0"/>
               </a:spcBef>
@@ -795,7 +825,7 @@
             <a:endParaRPr/>
           </a:p>
           <a:p>
-            <a:pPr indent="0" lvl="0" marL="0" rtl="0" algn="l">
+            <a:pPr marL="0" lvl="0" indent="0" algn="l" rtl="0">
               <a:spcBef>
                 <a:spcPts val="0"/>
               </a:spcBef>
@@ -804,13 +834,10 @@
               </a:spcAft>
               <a:buNone/>
             </a:pPr>
-            <a:r>
-              <a:t/>
-            </a:r>
             <a:endParaRPr/>
           </a:p>
           <a:p>
-            <a:pPr indent="0" lvl="0" marL="0" rtl="0" algn="l">
+            <a:pPr marL="0" lvl="0" indent="0" algn="l" rtl="0">
               <a:spcBef>
                 <a:spcPts val="0"/>
               </a:spcBef>
@@ -819,9 +846,6 @@
               </a:spcAft>
               <a:buNone/>
             </a:pPr>
-            <a:r>
-              <a:t/>
-            </a:r>
             <a:endParaRPr/>
           </a:p>
         </p:txBody>
@@ -835,11 +859,11 @@
 </file>
 
 <file path=ppt/notesSlides/notesSlide2.xml><?xml version="1.0" encoding="utf-8"?>
-<p:notes xmlns:a="http://schemas.openxmlformats.org/drawingml/2006/main" xmlns:r="http://schemas.openxmlformats.org/officeDocument/2006/relationships" xmlns:mc="http://schemas.openxmlformats.org/markup-compatibility/2006" xmlns:mv="urn:schemas-microsoft-com:mac:vml" xmlns:p="http://schemas.openxmlformats.org/presentationml/2006/main" xmlns:c="http://schemas.openxmlformats.org/drawingml/2006/chart" xmlns:dgm="http://schemas.openxmlformats.org/drawingml/2006/diagram" xmlns:o="urn:schemas-microsoft-com:office:office" xmlns:v="urn:schemas-microsoft-com:vml" xmlns:pvml="urn:schemas-microsoft-com:office:powerpoint" xmlns:com="http://schemas.openxmlformats.org/drawingml/2006/compatibility" xmlns:p14="http://schemas.microsoft.com/office/powerpoint/2010/main" xmlns:p15="http://schemas.microsoft.com/office/powerpoint/2012/main" xmlns:ahyp="http://schemas.microsoft.com/office/drawing/2018/hyperlinkcolor" showMasterPhAnim="0" showMasterSp="0">
+<p:notes xmlns:a="http://schemas.openxmlformats.org/drawingml/2006/main" xmlns:r="http://schemas.openxmlformats.org/officeDocument/2006/relationships" xmlns:p="http://schemas.openxmlformats.org/presentationml/2006/main" showMasterSp="0" showMasterPhAnim="0">
   <p:cSld>
     <p:spTree>
       <p:nvGrpSpPr>
-        <p:cNvPr id="79" name="Shape 79"/>
+        <p:cNvPr id="1" name="Shape 79"/>
         <p:cNvGrpSpPr/>
         <p:nvPr/>
       </p:nvGrpSpPr>
@@ -854,9 +878,11 @@
       <p:sp>
         <p:nvSpPr>
           <p:cNvPr id="80" name="Google Shape;80;g5868a5dee2_0_0:notes"/>
-          <p:cNvSpPr/>
+          <p:cNvSpPr>
+            <a:spLocks noGrp="1" noRot="1" noChangeAspect="1"/>
+          </p:cNvSpPr>
           <p:nvPr>
-            <p:ph idx="2" type="sldImg"/>
+            <p:ph type="sldImg" idx="2"/>
           </p:nvPr>
         </p:nvSpPr>
         <p:spPr>
@@ -865,9 +891,13 @@
             <a:ext cx="4849500" cy="3429000"/>
           </a:xfrm>
           <a:custGeom>
-            <a:rect b="b" l="l" r="r" t="t"/>
+            <a:avLst/>
+            <a:gdLst/>
+            <a:ahLst/>
+            <a:cxnLst/>
+            <a:rect l="l" t="t" r="r" b="b"/>
             <a:pathLst>
-              <a:path extrusionOk="0" h="120000" w="120000">
+              <a:path w="120000" h="120000" extrusionOk="0">
                 <a:moveTo>
                   <a:pt x="0" y="0"/>
                 </a:moveTo>
@@ -889,9 +919,11 @@
       <p:sp>
         <p:nvSpPr>
           <p:cNvPr id="81" name="Google Shape;81;g5868a5dee2_0_0:notes"/>
-          <p:cNvSpPr txBox="1"/>
+          <p:cNvSpPr txBox="1">
+            <a:spLocks noGrp="1"/>
+          </p:cNvSpPr>
           <p:nvPr>
-            <p:ph idx="1" type="body"/>
+            <p:ph type="body" idx="1"/>
           </p:nvPr>
         </p:nvSpPr>
         <p:spPr>
@@ -904,12 +936,12 @@
           </a:prstGeom>
         </p:spPr>
         <p:txBody>
-          <a:bodyPr anchorCtr="0" anchor="t" bIns="91425" lIns="91425" spcFirstLastPara="1" rIns="91425" wrap="square" tIns="91425">
+          <a:bodyPr spcFirstLastPara="1" wrap="square" lIns="91425" tIns="91425" rIns="91425" bIns="91425" anchor="t" anchorCtr="0">
             <a:noAutofit/>
           </a:bodyPr>
           <a:lstStyle/>
           <a:p>
-            <a:pPr indent="0" lvl="0" marL="0" rtl="0" algn="l">
+            <a:pPr marL="0" lvl="0" indent="0" algn="l" rtl="0">
               <a:spcBef>
                 <a:spcPts val="0"/>
               </a:spcBef>
@@ -936,7 +968,7 @@
                 <a:ea typeface="Quicksand"/>
                 <a:cs typeface="Quicksand"/>
                 <a:sym typeface="Quicksand"/>
-                <a:hlinkClick r:id="rId2"/>
+                <a:hlinkClick r:id="rId3"/>
               </a:rPr>
               <a:t>https://pixabay.com/vectors/tree-forest-trunk-nature-leaves-576847/</a:t>
             </a:r>
@@ -948,7 +980,7 @@
             </a:endParaRPr>
           </a:p>
           <a:p>
-            <a:pPr indent="0" lvl="0" marL="0" rtl="0" algn="l">
+            <a:pPr marL="0" lvl="0" indent="0" algn="l" rtl="0">
               <a:spcBef>
                 <a:spcPts val="0"/>
               </a:spcBef>
@@ -975,7 +1007,7 @@
                 <a:ea typeface="Quicksand"/>
                 <a:cs typeface="Quicksand"/>
                 <a:sym typeface="Quicksand"/>
-                <a:hlinkClick r:id="rId3"/>
+                <a:hlinkClick r:id="rId4"/>
               </a:rPr>
               <a:t>https://pixabay.com/vectors/laptop-notebook-mobile-computer-154091/</a:t>
             </a:r>
@@ -987,7 +1019,7 @@
             </a:endParaRPr>
           </a:p>
           <a:p>
-            <a:pPr indent="0" lvl="0" marL="0" rtl="0" algn="l">
+            <a:pPr marL="0" lvl="0" indent="0" algn="l" rtl="0">
               <a:spcBef>
                 <a:spcPts val="0"/>
               </a:spcBef>
@@ -1014,7 +1046,7 @@
                 <a:ea typeface="Quicksand"/>
                 <a:cs typeface="Quicksand"/>
                 <a:sym typeface="Quicksand"/>
-                <a:hlinkClick r:id="rId4"/>
+                <a:hlinkClick r:id="rId5"/>
               </a:rPr>
               <a:t>https://pixabay.com/illustrations/kids-silhouette-party-children-3297107/</a:t>
             </a:r>
@@ -1026,7 +1058,7 @@
             </a:endParaRPr>
           </a:p>
           <a:p>
-            <a:pPr indent="0" lvl="0" marL="0" rtl="0" algn="l">
+            <a:pPr marL="0" lvl="0" indent="0" algn="l" rtl="0">
               <a:spcBef>
                 <a:spcPts val="0"/>
               </a:spcBef>
@@ -1053,7 +1085,7 @@
                 <a:ea typeface="Quicksand"/>
                 <a:cs typeface="Quicksand"/>
                 <a:sym typeface="Quicksand"/>
-                <a:hlinkClick r:id="rId5"/>
+                <a:hlinkClick r:id="rId6"/>
               </a:rPr>
               <a:t>https://pixabay.com/illustrations/dog-hound-mammal-animal-pet-puppy-2404286/</a:t>
             </a:r>
@@ -1065,7 +1097,7 @@
             </a:endParaRPr>
           </a:p>
           <a:p>
-            <a:pPr indent="0" lvl="0" marL="0" rtl="0" algn="l">
+            <a:pPr marL="0" lvl="0" indent="0" algn="l" rtl="0">
               <a:spcBef>
                 <a:spcPts val="0"/>
               </a:spcBef>
@@ -1092,7 +1124,7 @@
                 <a:ea typeface="Quicksand"/>
                 <a:cs typeface="Quicksand"/>
                 <a:sym typeface="Quicksand"/>
-                <a:hlinkClick r:id="rId6"/>
+                <a:hlinkClick r:id="rId7"/>
               </a:rPr>
               <a:t>https://pixabay.com/vectors/computer-desktop-pc-workstation-1295529/</a:t>
             </a:r>
@@ -1104,7 +1136,7 @@
             </a:endParaRPr>
           </a:p>
           <a:p>
-            <a:pPr indent="0" lvl="0" marL="0" rtl="0" algn="l">
+            <a:pPr marL="0" lvl="0" indent="0" algn="l" rtl="0">
               <a:spcBef>
                 <a:spcPts val="0"/>
               </a:spcBef>
@@ -1131,7 +1163,7 @@
                 <a:ea typeface="Quicksand"/>
                 <a:cs typeface="Quicksand"/>
                 <a:sym typeface="Quicksand"/>
-                <a:hlinkClick r:id="rId7"/>
+                <a:hlinkClick r:id="rId8"/>
               </a:rPr>
               <a:t>https://pixabay.com/vectors/cloud-weather-forecast-weather-sky-346710/</a:t>
             </a:r>
@@ -1143,7 +1175,7 @@
             </a:endParaRPr>
           </a:p>
           <a:p>
-            <a:pPr indent="0" lvl="0" marL="0" rtl="0" algn="l">
+            <a:pPr marL="0" lvl="0" indent="0" algn="l" rtl="0">
               <a:spcBef>
                 <a:spcPts val="0"/>
               </a:spcBef>
@@ -1170,7 +1202,7 @@
                 <a:ea typeface="Quicksand"/>
                 <a:cs typeface="Quicksand"/>
                 <a:sym typeface="Quicksand"/>
-                <a:hlinkClick r:id="rId8"/>
+                <a:hlinkClick r:id="rId9"/>
               </a:rPr>
               <a:t>https://pixabay.com/illustrations/glue-pool-adhesive-fixed-1135242/</a:t>
             </a:r>
@@ -1182,7 +1214,7 @@
             </a:endParaRPr>
           </a:p>
           <a:p>
-            <a:pPr indent="0" lvl="0" marL="0" rtl="0" algn="l">
+            <a:pPr marL="0" lvl="0" indent="0" algn="l" rtl="0">
               <a:spcBef>
                 <a:spcPts val="0"/>
               </a:spcBef>
@@ -1209,7 +1241,7 @@
                 <a:ea typeface="Quicksand"/>
                 <a:cs typeface="Quicksand"/>
                 <a:sym typeface="Quicksand"/>
-                <a:hlinkClick r:id="rId9"/>
+                <a:hlinkClick r:id="rId10"/>
               </a:rPr>
               <a:t>https://pixabay.com/vectors/flower-water-lily-lily-lotus-159951/</a:t>
             </a:r>
@@ -1240,11 +1272,11 @@
 </file>
 
 <file path=ppt/slideLayouts/slideLayout1.xml><?xml version="1.0" encoding="utf-8"?>
-<p:sldLayout xmlns:a="http://schemas.openxmlformats.org/drawingml/2006/main" xmlns:r="http://schemas.openxmlformats.org/officeDocument/2006/relationships" xmlns:mc="http://schemas.openxmlformats.org/markup-compatibility/2006" xmlns:mv="urn:schemas-microsoft-com:mac:vml" xmlns:p="http://schemas.openxmlformats.org/presentationml/2006/main" xmlns:c="http://schemas.openxmlformats.org/drawingml/2006/chart" xmlns:dgm="http://schemas.openxmlformats.org/drawingml/2006/diagram" xmlns:o="urn:schemas-microsoft-com:office:office" xmlns:v="urn:schemas-microsoft-com:vml" xmlns:pvml="urn:schemas-microsoft-com:office:powerpoint" xmlns:com="http://schemas.openxmlformats.org/drawingml/2006/compatibility" xmlns:p14="http://schemas.microsoft.com/office/powerpoint/2010/main" xmlns:p15="http://schemas.microsoft.com/office/powerpoint/2012/main" xmlns:ahyp="http://schemas.microsoft.com/office/drawing/2018/hyperlinkcolor" matchingName="Title Slide">
+<p:sldLayout xmlns:a="http://schemas.openxmlformats.org/drawingml/2006/main" xmlns:r="http://schemas.openxmlformats.org/officeDocument/2006/relationships" xmlns:p="http://schemas.openxmlformats.org/presentationml/2006/main" matchingName="Title Slide">
   <p:cSld name="TITLE_3">
     <p:spTree>
       <p:nvGrpSpPr>
-        <p:cNvPr id="9" name="Shape 9"/>
+        <p:cNvPr id="1" name="Shape 9"/>
         <p:cNvGrpSpPr/>
         <p:nvPr/>
       </p:nvGrpSpPr>
@@ -1259,9 +1291,11 @@
       <p:sp>
         <p:nvSpPr>
           <p:cNvPr id="10" name="Google Shape;10;p2"/>
-          <p:cNvSpPr txBox="1"/>
+          <p:cNvSpPr txBox="1">
+            <a:spLocks noGrp="1"/>
+          </p:cNvSpPr>
           <p:nvPr>
-            <p:ph idx="1" type="subTitle"/>
+            <p:ph type="subTitle" idx="1"/>
           </p:nvPr>
         </p:nvSpPr>
         <p:spPr>
@@ -1274,11 +1308,11 @@
           </a:prstGeom>
         </p:spPr>
         <p:txBody>
-          <a:bodyPr anchorCtr="0" anchor="ctr" bIns="116050" lIns="116050" spcFirstLastPara="1" rIns="0" wrap="square" tIns="116050">
+          <a:bodyPr spcFirstLastPara="1" wrap="square" lIns="116050" tIns="116050" rIns="0" bIns="116050" anchor="ctr" anchorCtr="0">
             <a:noAutofit/>
           </a:bodyPr>
           <a:lstStyle>
-            <a:lvl1pPr lvl="0" rtl="0" algn="r">
+            <a:lvl1pPr lvl="0" algn="r" rtl="0">
               <a:lnSpc>
                 <a:spcPct val="100000"/>
               </a:lnSpc>
@@ -1299,7 +1333,7 @@
                 <a:sym typeface="Quicksand Medium"/>
               </a:defRPr>
             </a:lvl1pPr>
-            <a:lvl2pPr lvl="1" rtl="0" algn="r">
+            <a:lvl2pPr lvl="1" algn="r" rtl="0">
               <a:spcBef>
                 <a:spcPts val="0"/>
               </a:spcBef>
@@ -1309,7 +1343,7 @@
               <a:buNone/>
               <a:defRPr/>
             </a:lvl2pPr>
-            <a:lvl3pPr lvl="2" rtl="0" algn="r">
+            <a:lvl3pPr lvl="2" algn="r" rtl="0">
               <a:spcBef>
                 <a:spcPts val="2000"/>
               </a:spcBef>
@@ -1319,7 +1353,7 @@
               <a:buNone/>
               <a:defRPr/>
             </a:lvl3pPr>
-            <a:lvl4pPr lvl="3" rtl="0" algn="r">
+            <a:lvl4pPr lvl="3" algn="r" rtl="0">
               <a:spcBef>
                 <a:spcPts val="2000"/>
               </a:spcBef>
@@ -1329,7 +1363,7 @@
               <a:buNone/>
               <a:defRPr/>
             </a:lvl4pPr>
-            <a:lvl5pPr lvl="4" rtl="0" algn="r">
+            <a:lvl5pPr lvl="4" algn="r" rtl="0">
               <a:spcBef>
                 <a:spcPts val="2000"/>
               </a:spcBef>
@@ -1339,7 +1373,7 @@
               <a:buNone/>
               <a:defRPr/>
             </a:lvl5pPr>
-            <a:lvl6pPr lvl="5" rtl="0" algn="r">
+            <a:lvl6pPr lvl="5" algn="r" rtl="0">
               <a:spcBef>
                 <a:spcPts val="2000"/>
               </a:spcBef>
@@ -1349,7 +1383,7 @@
               <a:buNone/>
               <a:defRPr/>
             </a:lvl6pPr>
-            <a:lvl7pPr lvl="6" rtl="0" algn="r">
+            <a:lvl7pPr lvl="6" algn="r" rtl="0">
               <a:spcBef>
                 <a:spcPts val="2000"/>
               </a:spcBef>
@@ -1359,7 +1393,7 @@
               <a:buNone/>
               <a:defRPr/>
             </a:lvl7pPr>
-            <a:lvl8pPr lvl="7" rtl="0" algn="r">
+            <a:lvl8pPr lvl="7" algn="r" rtl="0">
               <a:spcBef>
                 <a:spcPts val="2000"/>
               </a:spcBef>
@@ -1369,7 +1403,7 @@
               <a:buNone/>
               <a:defRPr/>
             </a:lvl8pPr>
-            <a:lvl9pPr lvl="8" rtl="0" algn="r">
+            <a:lvl9pPr lvl="8" algn="r" rtl="0">
               <a:spcBef>
                 <a:spcPts val="2000"/>
               </a:spcBef>
@@ -1380,13 +1414,17 @@
               <a:defRPr/>
             </a:lvl9pPr>
           </a:lstStyle>
-          <a:p/>
+          <a:p>
+            <a:endParaRPr/>
+          </a:p>
         </p:txBody>
       </p:sp>
       <p:sp>
         <p:nvSpPr>
           <p:cNvPr id="11" name="Google Shape;11;p2"/>
-          <p:cNvSpPr txBox="1"/>
+          <p:cNvSpPr txBox="1">
+            <a:spLocks noGrp="1"/>
+          </p:cNvSpPr>
           <p:nvPr>
             <p:ph type="title"/>
           </p:nvPr>
@@ -1401,7 +1439,7 @@
           </a:prstGeom>
         </p:spPr>
         <p:txBody>
-          <a:bodyPr anchorCtr="0" anchor="t" bIns="116050" lIns="116050" spcFirstLastPara="1" rIns="116050" wrap="square" tIns="116050">
+          <a:bodyPr spcFirstLastPara="1" wrap="square" lIns="116050" tIns="116050" rIns="116050" bIns="116050" anchor="t" anchorCtr="0">
             <a:noAutofit/>
           </a:bodyPr>
           <a:lstStyle>
@@ -1496,15 +1534,19 @@
               <a:defRPr/>
             </a:lvl9pPr>
           </a:lstStyle>
-          <a:p/>
+          <a:p>
+            <a:endParaRPr/>
+          </a:p>
         </p:txBody>
       </p:sp>
       <p:sp>
         <p:nvSpPr>
           <p:cNvPr id="12" name="Google Shape;12;p2"/>
-          <p:cNvSpPr txBox="1"/>
+          <p:cNvSpPr txBox="1">
+            <a:spLocks noGrp="1"/>
+          </p:cNvSpPr>
           <p:nvPr>
-            <p:ph idx="2" type="subTitle"/>
+            <p:ph type="subTitle" idx="2"/>
           </p:nvPr>
         </p:nvSpPr>
         <p:spPr>
@@ -1517,7 +1559,7 @@
           </a:prstGeom>
         </p:spPr>
         <p:txBody>
-          <a:bodyPr anchorCtr="0" anchor="t" bIns="116050" lIns="116050" spcFirstLastPara="1" rIns="116050" wrap="square" tIns="116050">
+          <a:bodyPr spcFirstLastPara="1" wrap="square" lIns="116050" tIns="116050" rIns="116050" bIns="116050" anchor="t" anchorCtr="0">
             <a:noAutofit/>
           </a:bodyPr>
           <a:lstStyle>
@@ -1616,7 +1658,9 @@
               <a:defRPr/>
             </a:lvl9pPr>
           </a:lstStyle>
-          <a:p/>
+          <a:p>
+            <a:endParaRPr/>
+          </a:p>
         </p:txBody>
       </p:sp>
       <p:pic>
@@ -1656,11 +1700,11 @@
 </file>
 
 <file path=ppt/slideLayouts/slideLayout10.xml><?xml version="1.0" encoding="utf-8"?>
-<p:sldLayout xmlns:a="http://schemas.openxmlformats.org/drawingml/2006/main" xmlns:r="http://schemas.openxmlformats.org/officeDocument/2006/relationships" xmlns:mc="http://schemas.openxmlformats.org/markup-compatibility/2006" xmlns:mv="urn:schemas-microsoft-com:mac:vml" xmlns:p="http://schemas.openxmlformats.org/presentationml/2006/main" xmlns:c="http://schemas.openxmlformats.org/drawingml/2006/chart" xmlns:dgm="http://schemas.openxmlformats.org/drawingml/2006/diagram" xmlns:o="urn:schemas-microsoft-com:office:office" xmlns:v="urn:schemas-microsoft-com:vml" xmlns:pvml="urn:schemas-microsoft-com:office:powerpoint" xmlns:com="http://schemas.openxmlformats.org/drawingml/2006/compatibility" xmlns:p14="http://schemas.microsoft.com/office/powerpoint/2010/main" xmlns:p15="http://schemas.microsoft.com/office/powerpoint/2012/main" xmlns:ahyp="http://schemas.microsoft.com/office/drawing/2018/hyperlinkcolor" matchingName="Large text">
+<p:sldLayout xmlns:a="http://schemas.openxmlformats.org/drawingml/2006/main" xmlns:r="http://schemas.openxmlformats.org/officeDocument/2006/relationships" xmlns:p="http://schemas.openxmlformats.org/presentationml/2006/main" matchingName="Large text">
   <p:cSld name="TITLE_4_1_1_1_1_1_1">
     <p:spTree>
       <p:nvGrpSpPr>
-        <p:cNvPr id="60" name="Shape 60"/>
+        <p:cNvPr id="1" name="Shape 60"/>
         <p:cNvGrpSpPr/>
         <p:nvPr/>
       </p:nvGrpSpPr>
@@ -1675,7 +1719,9 @@
       <p:sp>
         <p:nvSpPr>
           <p:cNvPr id="61" name="Google Shape;61;p11"/>
-          <p:cNvSpPr txBox="1"/>
+          <p:cNvSpPr txBox="1">
+            <a:spLocks noGrp="1"/>
+          </p:cNvSpPr>
           <p:nvPr>
             <p:ph type="title"/>
           </p:nvPr>
@@ -1690,7 +1736,7 @@
           </a:prstGeom>
         </p:spPr>
         <p:txBody>
-          <a:bodyPr anchorCtr="0" anchor="t" bIns="116050" lIns="116050" spcFirstLastPara="1" rIns="116050" wrap="square" tIns="116050">
+          <a:bodyPr spcFirstLastPara="1" wrap="square" lIns="116050" tIns="116050" rIns="116050" bIns="116050" anchor="t" anchorCtr="0">
             <a:noAutofit/>
           </a:bodyPr>
           <a:lstStyle>
@@ -1702,7 +1748,7 @@
                 <a:spcPts val="0"/>
               </a:spcAft>
               <a:buNone/>
-              <a:defRPr b="0" sz="4600">
+              <a:defRPr sz="4600" b="0">
                 <a:latin typeface="Quicksand Medium"/>
                 <a:ea typeface="Quicksand Medium"/>
                 <a:cs typeface="Quicksand Medium"/>
@@ -1790,15 +1836,19 @@
               <a:defRPr/>
             </a:lvl9pPr>
           </a:lstStyle>
-          <a:p/>
+          <a:p>
+            <a:endParaRPr/>
+          </a:p>
         </p:txBody>
       </p:sp>
       <p:sp>
         <p:nvSpPr>
           <p:cNvPr id="62" name="Google Shape;62;p11"/>
-          <p:cNvSpPr txBox="1"/>
+          <p:cNvSpPr txBox="1">
+            <a:spLocks noGrp="1"/>
+          </p:cNvSpPr>
           <p:nvPr>
-            <p:ph idx="12" type="sldNum"/>
+            <p:ph type="sldNum" idx="12"/>
           </p:nvPr>
         </p:nvSpPr>
         <p:spPr>
@@ -1811,7 +1861,7 @@
           </a:prstGeom>
         </p:spPr>
         <p:txBody>
-          <a:bodyPr anchorCtr="0" anchor="t" bIns="116050" lIns="116050" spcFirstLastPara="1" rIns="116050" wrap="square" tIns="116050">
+          <a:bodyPr spcFirstLastPara="1" wrap="square" lIns="116050" tIns="116050" rIns="116050" bIns="116050" anchor="t" anchorCtr="0">
             <a:noAutofit/>
           </a:bodyPr>
           <a:lstStyle>
@@ -1925,7 +1975,7 @@
             </a:lvl9pPr>
           </a:lstStyle>
           <a:p>
-            <a:pPr indent="0" lvl="0" marL="0" rtl="0" algn="ctr">
+            <a:pPr marL="0" lvl="0" indent="0" algn="ctr" rtl="0">
               <a:spcBef>
                 <a:spcPts val="0"/>
               </a:spcBef>
@@ -1945,9 +1995,11 @@
       <p:sp>
         <p:nvSpPr>
           <p:cNvPr id="63" name="Google Shape;63;p11"/>
-          <p:cNvSpPr txBox="1"/>
+          <p:cNvSpPr txBox="1">
+            <a:spLocks noGrp="1"/>
+          </p:cNvSpPr>
           <p:nvPr>
-            <p:ph idx="1" type="subTitle"/>
+            <p:ph type="subTitle" idx="1"/>
           </p:nvPr>
         </p:nvSpPr>
         <p:spPr>
@@ -1960,11 +2012,11 @@
           </a:prstGeom>
         </p:spPr>
         <p:txBody>
-          <a:bodyPr anchorCtr="0" anchor="ctr" bIns="116050" lIns="116050" spcFirstLastPara="1" rIns="0" wrap="square" tIns="116050">
+          <a:bodyPr spcFirstLastPara="1" wrap="square" lIns="116050" tIns="116050" rIns="0" bIns="116050" anchor="ctr" anchorCtr="0">
             <a:noAutofit/>
           </a:bodyPr>
           <a:lstStyle>
-            <a:lvl1pPr lvl="0" rtl="0" algn="r">
+            <a:lvl1pPr lvl="0" algn="r" rtl="0">
               <a:lnSpc>
                 <a:spcPct val="100000"/>
               </a:lnSpc>
@@ -2066,7 +2118,9 @@
               <a:defRPr/>
             </a:lvl9pPr>
           </a:lstStyle>
-          <a:p/>
+          <a:p>
+            <a:endParaRPr/>
+          </a:p>
         </p:txBody>
       </p:sp>
     </p:spTree>
@@ -2078,11 +2132,11 @@
 </file>
 
 <file path=ppt/slideLayouts/slideLayout11.xml><?xml version="1.0" encoding="utf-8"?>
-<p:sldLayout xmlns:a="http://schemas.openxmlformats.org/drawingml/2006/main" xmlns:r="http://schemas.openxmlformats.org/officeDocument/2006/relationships" xmlns:mc="http://schemas.openxmlformats.org/markup-compatibility/2006" xmlns:mv="urn:schemas-microsoft-com:mac:vml" xmlns:p="http://schemas.openxmlformats.org/presentationml/2006/main" xmlns:c="http://schemas.openxmlformats.org/drawingml/2006/chart" xmlns:dgm="http://schemas.openxmlformats.org/drawingml/2006/diagram" xmlns:o="urn:schemas-microsoft-com:office:office" xmlns:v="urn:schemas-microsoft-com:vml" xmlns:pvml="urn:schemas-microsoft-com:office:powerpoint" xmlns:com="http://schemas.openxmlformats.org/drawingml/2006/compatibility" xmlns:p14="http://schemas.microsoft.com/office/powerpoint/2010/main" xmlns:p15="http://schemas.microsoft.com/office/powerpoint/2012/main" xmlns:ahyp="http://schemas.microsoft.com/office/drawing/2018/hyperlinkcolor" matchingName="Blank" type="blank">
+<p:sldLayout xmlns:a="http://schemas.openxmlformats.org/drawingml/2006/main" xmlns:r="http://schemas.openxmlformats.org/officeDocument/2006/relationships" xmlns:p="http://schemas.openxmlformats.org/presentationml/2006/main" matchingName="Blank" type="blank">
   <p:cSld name="BLANK">
     <p:spTree>
       <p:nvGrpSpPr>
-        <p:cNvPr id="64" name="Shape 64"/>
+        <p:cNvPr id="1" name="Shape 64"/>
         <p:cNvGrpSpPr/>
         <p:nvPr/>
       </p:nvGrpSpPr>
@@ -2097,9 +2151,11 @@
       <p:sp>
         <p:nvSpPr>
           <p:cNvPr id="65" name="Google Shape;65;p12"/>
-          <p:cNvSpPr txBox="1"/>
+          <p:cNvSpPr txBox="1">
+            <a:spLocks noGrp="1"/>
+          </p:cNvSpPr>
           <p:nvPr>
-            <p:ph idx="12" type="sldNum"/>
+            <p:ph type="sldNum" idx="12"/>
           </p:nvPr>
         </p:nvSpPr>
         <p:spPr>
@@ -2116,7 +2172,7 @@
           </a:ln>
         </p:spPr>
         <p:txBody>
-          <a:bodyPr anchorCtr="0" anchor="ctr" bIns="91425" lIns="91425" spcFirstLastPara="1" rIns="91425" wrap="square" tIns="91425">
+          <a:bodyPr spcFirstLastPara="1" wrap="square" lIns="91425" tIns="91425" rIns="91425" bIns="91425" anchor="ctr" anchorCtr="0">
             <a:noAutofit/>
           </a:bodyPr>
           <a:lstStyle>
@@ -2158,7 +2214,7 @@
             </a:lvl9pPr>
           </a:lstStyle>
           <a:p>
-            <a:pPr indent="0" lvl="0" marL="0" rtl="0" algn="l">
+            <a:pPr marL="0" lvl="0" indent="0" algn="l" rtl="0">
               <a:spcBef>
                 <a:spcPts val="0"/>
               </a:spcBef>
@@ -2184,11 +2240,11 @@
 </file>
 
 <file path=ppt/slideLayouts/slideLayout2.xml><?xml version="1.0" encoding="utf-8"?>
-<p:sldLayout xmlns:a="http://schemas.openxmlformats.org/drawingml/2006/main" xmlns:r="http://schemas.openxmlformats.org/officeDocument/2006/relationships" xmlns:mc="http://schemas.openxmlformats.org/markup-compatibility/2006" xmlns:mv="urn:schemas-microsoft-com:mac:vml" xmlns:p="http://schemas.openxmlformats.org/presentationml/2006/main" xmlns:c="http://schemas.openxmlformats.org/drawingml/2006/chart" xmlns:dgm="http://schemas.openxmlformats.org/drawingml/2006/diagram" xmlns:o="urn:schemas-microsoft-com:office:office" xmlns:v="urn:schemas-microsoft-com:vml" xmlns:pvml="urn:schemas-microsoft-com:office:powerpoint" xmlns:com="http://schemas.openxmlformats.org/drawingml/2006/compatibility" xmlns:p14="http://schemas.microsoft.com/office/powerpoint/2010/main" xmlns:p15="http://schemas.microsoft.com/office/powerpoint/2012/main" xmlns:ahyp="http://schemas.microsoft.com/office/drawing/2018/hyperlinkcolor" matchingName="Objectives / Questions / Lists">
+<p:sldLayout xmlns:a="http://schemas.openxmlformats.org/drawingml/2006/main" xmlns:r="http://schemas.openxmlformats.org/officeDocument/2006/relationships" xmlns:p="http://schemas.openxmlformats.org/presentationml/2006/main" matchingName="Objectives / Questions / Lists">
   <p:cSld name="TITLE_4_1_1_1_2">
     <p:spTree>
       <p:nvGrpSpPr>
-        <p:cNvPr id="14" name="Shape 14"/>
+        <p:cNvPr id="1" name="Shape 14"/>
         <p:cNvGrpSpPr/>
         <p:nvPr/>
       </p:nvGrpSpPr>
@@ -2203,9 +2259,11 @@
       <p:sp>
         <p:nvSpPr>
           <p:cNvPr id="15" name="Google Shape;15;p3"/>
-          <p:cNvSpPr txBox="1"/>
+          <p:cNvSpPr txBox="1">
+            <a:spLocks noGrp="1"/>
+          </p:cNvSpPr>
           <p:nvPr>
-            <p:ph idx="1" type="body"/>
+            <p:ph type="body" idx="1"/>
           </p:nvPr>
         </p:nvSpPr>
         <p:spPr>
@@ -2221,11 +2279,11 @@
           </a:ln>
         </p:spPr>
         <p:txBody>
-          <a:bodyPr anchorCtr="0" anchor="t" bIns="116050" lIns="116050" spcFirstLastPara="1" rIns="116050" wrap="square" tIns="116050">
+          <a:bodyPr spcFirstLastPara="1" wrap="square" lIns="116050" tIns="116050" rIns="116050" bIns="116050" anchor="t" anchorCtr="0">
             <a:noAutofit/>
           </a:bodyPr>
           <a:lstStyle>
-            <a:lvl1pPr indent="-374650" lvl="0" marL="457200" rtl="0">
+            <a:lvl1pPr marL="457200" lvl="0" indent="-374650" rtl="0">
               <a:lnSpc>
                 <a:spcPct val="115000"/>
               </a:lnSpc>
@@ -2246,7 +2304,7 @@
                 </a:solidFill>
               </a:defRPr>
             </a:lvl1pPr>
-            <a:lvl2pPr indent="-342900" lvl="1" marL="914400" rtl="0">
+            <a:lvl2pPr marL="914400" lvl="1" indent="-342900" rtl="0">
               <a:lnSpc>
                 <a:spcPct val="115000"/>
               </a:lnSpc>
@@ -2267,7 +2325,7 @@
                 </a:solidFill>
               </a:defRPr>
             </a:lvl2pPr>
-            <a:lvl3pPr indent="-342900" lvl="2" marL="1371600" rtl="0">
+            <a:lvl3pPr marL="1371600" lvl="2" indent="-342900" rtl="0">
               <a:lnSpc>
                 <a:spcPct val="115000"/>
               </a:lnSpc>
@@ -2288,7 +2346,7 @@
                 </a:solidFill>
               </a:defRPr>
             </a:lvl3pPr>
-            <a:lvl4pPr indent="-342900" lvl="3" marL="1828800" rtl="0">
+            <a:lvl4pPr marL="1828800" lvl="3" indent="-342900" rtl="0">
               <a:lnSpc>
                 <a:spcPct val="115000"/>
               </a:lnSpc>
@@ -2309,7 +2367,7 @@
                 </a:solidFill>
               </a:defRPr>
             </a:lvl4pPr>
-            <a:lvl5pPr indent="-342900" lvl="4" marL="2286000" rtl="0">
+            <a:lvl5pPr marL="2286000" lvl="4" indent="-342900" rtl="0">
               <a:lnSpc>
                 <a:spcPct val="115000"/>
               </a:lnSpc>
@@ -2330,7 +2388,7 @@
                 </a:solidFill>
               </a:defRPr>
             </a:lvl5pPr>
-            <a:lvl6pPr indent="-342900" lvl="5" marL="2743200" rtl="0">
+            <a:lvl6pPr marL="2743200" lvl="5" indent="-342900" rtl="0">
               <a:lnSpc>
                 <a:spcPct val="115000"/>
               </a:lnSpc>
@@ -2351,7 +2409,7 @@
                 </a:solidFill>
               </a:defRPr>
             </a:lvl6pPr>
-            <a:lvl7pPr indent="-342900" lvl="6" marL="3200400" rtl="0">
+            <a:lvl7pPr marL="3200400" lvl="6" indent="-342900" rtl="0">
               <a:lnSpc>
                 <a:spcPct val="115000"/>
               </a:lnSpc>
@@ -2372,7 +2430,7 @@
                 </a:solidFill>
               </a:defRPr>
             </a:lvl7pPr>
-            <a:lvl8pPr indent="-342900" lvl="7" marL="3657600" rtl="0">
+            <a:lvl8pPr marL="3657600" lvl="7" indent="-342900" rtl="0">
               <a:lnSpc>
                 <a:spcPct val="115000"/>
               </a:lnSpc>
@@ -2393,7 +2451,7 @@
                 </a:solidFill>
               </a:defRPr>
             </a:lvl8pPr>
-            <a:lvl9pPr indent="-342900" lvl="8" marL="4114800" rtl="0">
+            <a:lvl9pPr marL="4114800" lvl="8" indent="-342900" rtl="0">
               <a:lnSpc>
                 <a:spcPct val="115000"/>
               </a:lnSpc>
@@ -2415,13 +2473,17 @@
               </a:defRPr>
             </a:lvl9pPr>
           </a:lstStyle>
-          <a:p/>
+          <a:p>
+            <a:endParaRPr/>
+          </a:p>
         </p:txBody>
       </p:sp>
       <p:sp>
         <p:nvSpPr>
           <p:cNvPr id="16" name="Google Shape;16;p3"/>
-          <p:cNvSpPr txBox="1"/>
+          <p:cNvSpPr txBox="1">
+            <a:spLocks noGrp="1"/>
+          </p:cNvSpPr>
           <p:nvPr>
             <p:ph type="title"/>
           </p:nvPr>
@@ -2436,7 +2498,7 @@
           </a:prstGeom>
         </p:spPr>
         <p:txBody>
-          <a:bodyPr anchorCtr="0" anchor="ctr" bIns="116050" lIns="116050" spcFirstLastPara="1" rIns="116050" wrap="square" tIns="116050">
+          <a:bodyPr spcFirstLastPara="1" wrap="square" lIns="116050" tIns="116050" rIns="116050" bIns="116050" anchor="ctr" anchorCtr="0">
             <a:noAutofit/>
           </a:bodyPr>
           <a:lstStyle>
@@ -2531,15 +2593,19 @@
               <a:defRPr/>
             </a:lvl9pPr>
           </a:lstStyle>
-          <a:p/>
+          <a:p>
+            <a:endParaRPr/>
+          </a:p>
         </p:txBody>
       </p:sp>
       <p:sp>
         <p:nvSpPr>
           <p:cNvPr id="17" name="Google Shape;17;p3"/>
-          <p:cNvSpPr txBox="1"/>
+          <p:cNvSpPr txBox="1">
+            <a:spLocks noGrp="1"/>
+          </p:cNvSpPr>
           <p:nvPr>
-            <p:ph idx="12" type="sldNum"/>
+            <p:ph type="sldNum" idx="12"/>
           </p:nvPr>
         </p:nvSpPr>
         <p:spPr>
@@ -2552,7 +2618,7 @@
           </a:prstGeom>
         </p:spPr>
         <p:txBody>
-          <a:bodyPr anchorCtr="0" anchor="t" bIns="116050" lIns="116050" spcFirstLastPara="1" rIns="116050" wrap="square" tIns="116050">
+          <a:bodyPr spcFirstLastPara="1" wrap="square" lIns="116050" tIns="116050" rIns="116050" bIns="116050" anchor="t" anchorCtr="0">
             <a:noAutofit/>
           </a:bodyPr>
           <a:lstStyle>
@@ -2666,7 +2732,7 @@
             </a:lvl9pPr>
           </a:lstStyle>
           <a:p>
-            <a:pPr indent="0" lvl="0" marL="0" rtl="0" algn="ctr">
+            <a:pPr marL="0" lvl="0" indent="0" algn="ctr" rtl="0">
               <a:spcBef>
                 <a:spcPts val="0"/>
               </a:spcBef>
@@ -2686,9 +2752,11 @@
       <p:sp>
         <p:nvSpPr>
           <p:cNvPr id="18" name="Google Shape;18;p3"/>
-          <p:cNvSpPr txBox="1"/>
+          <p:cNvSpPr txBox="1">
+            <a:spLocks noGrp="1"/>
+          </p:cNvSpPr>
           <p:nvPr>
-            <p:ph idx="2" type="subTitle"/>
+            <p:ph type="subTitle" idx="2"/>
           </p:nvPr>
         </p:nvSpPr>
         <p:spPr>
@@ -2701,11 +2769,11 @@
           </a:prstGeom>
         </p:spPr>
         <p:txBody>
-          <a:bodyPr anchorCtr="0" anchor="ctr" bIns="116050" lIns="116050" spcFirstLastPara="1" rIns="0" wrap="square" tIns="116050">
+          <a:bodyPr spcFirstLastPara="1" wrap="square" lIns="116050" tIns="116050" rIns="0" bIns="116050" anchor="ctr" anchorCtr="0">
             <a:noAutofit/>
           </a:bodyPr>
           <a:lstStyle>
-            <a:lvl1pPr lvl="0" rtl="0" algn="r">
+            <a:lvl1pPr lvl="0" algn="r" rtl="0">
               <a:lnSpc>
                 <a:spcPct val="100000"/>
               </a:lnSpc>
@@ -2726,7 +2794,7 @@
                 <a:sym typeface="Quicksand Medium"/>
               </a:defRPr>
             </a:lvl1pPr>
-            <a:lvl2pPr lvl="1" rtl="0" algn="r">
+            <a:lvl2pPr lvl="1" algn="r" rtl="0">
               <a:spcBef>
                 <a:spcPts val="0"/>
               </a:spcBef>
@@ -2736,7 +2804,7 @@
               <a:buNone/>
               <a:defRPr/>
             </a:lvl2pPr>
-            <a:lvl3pPr lvl="2" rtl="0" algn="r">
+            <a:lvl3pPr lvl="2" algn="r" rtl="0">
               <a:spcBef>
                 <a:spcPts val="2000"/>
               </a:spcBef>
@@ -2746,7 +2814,7 @@
               <a:buNone/>
               <a:defRPr/>
             </a:lvl3pPr>
-            <a:lvl4pPr lvl="3" rtl="0" algn="r">
+            <a:lvl4pPr lvl="3" algn="r" rtl="0">
               <a:spcBef>
                 <a:spcPts val="2000"/>
               </a:spcBef>
@@ -2756,7 +2824,7 @@
               <a:buNone/>
               <a:defRPr/>
             </a:lvl4pPr>
-            <a:lvl5pPr lvl="4" rtl="0" algn="r">
+            <a:lvl5pPr lvl="4" algn="r" rtl="0">
               <a:spcBef>
                 <a:spcPts val="2000"/>
               </a:spcBef>
@@ -2766,7 +2834,7 @@
               <a:buNone/>
               <a:defRPr/>
             </a:lvl5pPr>
-            <a:lvl6pPr lvl="5" rtl="0" algn="r">
+            <a:lvl6pPr lvl="5" algn="r" rtl="0">
               <a:spcBef>
                 <a:spcPts val="2000"/>
               </a:spcBef>
@@ -2776,7 +2844,7 @@
               <a:buNone/>
               <a:defRPr/>
             </a:lvl6pPr>
-            <a:lvl7pPr lvl="6" rtl="0" algn="r">
+            <a:lvl7pPr lvl="6" algn="r" rtl="0">
               <a:spcBef>
                 <a:spcPts val="2000"/>
               </a:spcBef>
@@ -2786,7 +2854,7 @@
               <a:buNone/>
               <a:defRPr/>
             </a:lvl7pPr>
-            <a:lvl8pPr lvl="7" rtl="0" algn="r">
+            <a:lvl8pPr lvl="7" algn="r" rtl="0">
               <a:spcBef>
                 <a:spcPts val="2000"/>
               </a:spcBef>
@@ -2796,7 +2864,7 @@
               <a:buNone/>
               <a:defRPr/>
             </a:lvl8pPr>
-            <a:lvl9pPr lvl="8" rtl="0" algn="r">
+            <a:lvl9pPr lvl="8" algn="r" rtl="0">
               <a:spcBef>
                 <a:spcPts val="2000"/>
               </a:spcBef>
@@ -2807,7 +2875,9 @@
               <a:defRPr/>
             </a:lvl9pPr>
           </a:lstStyle>
-          <a:p/>
+          <a:p>
+            <a:endParaRPr/>
+          </a:p>
         </p:txBody>
       </p:sp>
     </p:spTree>
@@ -2819,11 +2889,11 @@
 </file>
 
 <file path=ppt/slideLayouts/slideLayout3.xml><?xml version="1.0" encoding="utf-8"?>
-<p:sldLayout xmlns:a="http://schemas.openxmlformats.org/drawingml/2006/main" xmlns:r="http://schemas.openxmlformats.org/officeDocument/2006/relationships" xmlns:mc="http://schemas.openxmlformats.org/markup-compatibility/2006" xmlns:mv="urn:schemas-microsoft-com:mac:vml" xmlns:p="http://schemas.openxmlformats.org/presentationml/2006/main" xmlns:c="http://schemas.openxmlformats.org/drawingml/2006/chart" xmlns:dgm="http://schemas.openxmlformats.org/drawingml/2006/diagram" xmlns:o="urn:schemas-microsoft-com:office:office" xmlns:v="urn:schemas-microsoft-com:vml" xmlns:pvml="urn:schemas-microsoft-com:office:powerpoint" xmlns:com="http://schemas.openxmlformats.org/drawingml/2006/compatibility" xmlns:p14="http://schemas.microsoft.com/office/powerpoint/2010/main" xmlns:p15="http://schemas.microsoft.com/office/powerpoint/2012/main" xmlns:ahyp="http://schemas.microsoft.com/office/drawing/2018/hyperlinkcolor" matchingName="Large image and text under (with heading)">
+<p:sldLayout xmlns:a="http://schemas.openxmlformats.org/drawingml/2006/main" xmlns:r="http://schemas.openxmlformats.org/officeDocument/2006/relationships" xmlns:p="http://schemas.openxmlformats.org/presentationml/2006/main" matchingName="Large image and text under (with heading)">
   <p:cSld name="TITLE_4_1_1_2_1">
     <p:spTree>
       <p:nvGrpSpPr>
-        <p:cNvPr id="19" name="Shape 19"/>
+        <p:cNvPr id="1" name="Shape 19"/>
         <p:cNvGrpSpPr/>
         <p:nvPr/>
       </p:nvGrpSpPr>
@@ -2838,9 +2908,11 @@
       <p:sp>
         <p:nvSpPr>
           <p:cNvPr id="20" name="Google Shape;20;p4"/>
-          <p:cNvSpPr txBox="1"/>
+          <p:cNvSpPr txBox="1">
+            <a:spLocks noGrp="1"/>
+          </p:cNvSpPr>
           <p:nvPr>
-            <p:ph idx="1" type="body"/>
+            <p:ph type="body" idx="1"/>
           </p:nvPr>
         </p:nvSpPr>
         <p:spPr>
@@ -2856,11 +2928,11 @@
           </a:ln>
         </p:spPr>
         <p:txBody>
-          <a:bodyPr anchorCtr="0" anchor="t" bIns="116050" lIns="116050" spcFirstLastPara="1" rIns="116050" wrap="square" tIns="116050">
+          <a:bodyPr spcFirstLastPara="1" wrap="square" lIns="116050" tIns="116050" rIns="116050" bIns="116050" anchor="t" anchorCtr="0">
             <a:noAutofit/>
           </a:bodyPr>
           <a:lstStyle>
-            <a:lvl1pPr indent="-374650" lvl="0" marL="457200" rtl="0">
+            <a:lvl1pPr marL="457200" lvl="0" indent="-374650" rtl="0">
               <a:spcBef>
                 <a:spcPts val="0"/>
               </a:spcBef>
@@ -2878,7 +2950,7 @@
                 </a:solidFill>
               </a:defRPr>
             </a:lvl1pPr>
-            <a:lvl2pPr indent="-342900" lvl="1" marL="914400" rtl="0">
+            <a:lvl2pPr marL="914400" lvl="1" indent="-342900" rtl="0">
               <a:spcBef>
                 <a:spcPts val="2000"/>
               </a:spcBef>
@@ -2896,7 +2968,7 @@
                 </a:solidFill>
               </a:defRPr>
             </a:lvl2pPr>
-            <a:lvl3pPr indent="-342900" lvl="2" marL="1371600" rtl="0">
+            <a:lvl3pPr marL="1371600" lvl="2" indent="-342900" rtl="0">
               <a:spcBef>
                 <a:spcPts val="2000"/>
               </a:spcBef>
@@ -2914,7 +2986,7 @@
                 </a:solidFill>
               </a:defRPr>
             </a:lvl3pPr>
-            <a:lvl4pPr indent="-342900" lvl="3" marL="1828800" rtl="0">
+            <a:lvl4pPr marL="1828800" lvl="3" indent="-342900" rtl="0">
               <a:spcBef>
                 <a:spcPts val="2000"/>
               </a:spcBef>
@@ -2932,7 +3004,7 @@
                 </a:solidFill>
               </a:defRPr>
             </a:lvl4pPr>
-            <a:lvl5pPr indent="-342900" lvl="4" marL="2286000" rtl="0">
+            <a:lvl5pPr marL="2286000" lvl="4" indent="-342900" rtl="0">
               <a:spcBef>
                 <a:spcPts val="2000"/>
               </a:spcBef>
@@ -2950,7 +3022,7 @@
                 </a:solidFill>
               </a:defRPr>
             </a:lvl5pPr>
-            <a:lvl6pPr indent="-342900" lvl="5" marL="2743200" rtl="0">
+            <a:lvl6pPr marL="2743200" lvl="5" indent="-342900" rtl="0">
               <a:spcBef>
                 <a:spcPts val="2000"/>
               </a:spcBef>
@@ -2968,7 +3040,7 @@
                 </a:solidFill>
               </a:defRPr>
             </a:lvl6pPr>
-            <a:lvl7pPr indent="-342900" lvl="6" marL="3200400" rtl="0">
+            <a:lvl7pPr marL="3200400" lvl="6" indent="-342900" rtl="0">
               <a:spcBef>
                 <a:spcPts val="2000"/>
               </a:spcBef>
@@ -2986,7 +3058,7 @@
                 </a:solidFill>
               </a:defRPr>
             </a:lvl7pPr>
-            <a:lvl8pPr indent="-342900" lvl="7" marL="3657600" rtl="0">
+            <a:lvl8pPr marL="3657600" lvl="7" indent="-342900" rtl="0">
               <a:spcBef>
                 <a:spcPts val="2000"/>
               </a:spcBef>
@@ -3004,7 +3076,7 @@
                 </a:solidFill>
               </a:defRPr>
             </a:lvl8pPr>
-            <a:lvl9pPr indent="-342900" lvl="8" marL="4114800" rtl="0">
+            <a:lvl9pPr marL="4114800" lvl="8" indent="-342900" rtl="0">
               <a:spcBef>
                 <a:spcPts val="2000"/>
               </a:spcBef>
@@ -3023,15 +3095,19 @@
               </a:defRPr>
             </a:lvl9pPr>
           </a:lstStyle>
-          <a:p/>
+          <a:p>
+            <a:endParaRPr/>
+          </a:p>
         </p:txBody>
       </p:sp>
       <p:sp>
         <p:nvSpPr>
           <p:cNvPr id="21" name="Google Shape;21;p4"/>
-          <p:cNvSpPr txBox="1"/>
+          <p:cNvSpPr txBox="1">
+            <a:spLocks noGrp="1"/>
+          </p:cNvSpPr>
           <p:nvPr>
-            <p:ph idx="2" type="body"/>
+            <p:ph type="body" idx="2"/>
           </p:nvPr>
         </p:nvSpPr>
         <p:spPr>
@@ -3044,11 +3120,11 @@
           </a:prstGeom>
         </p:spPr>
         <p:txBody>
-          <a:bodyPr anchorCtr="0" anchor="t" bIns="116050" lIns="116050" spcFirstLastPara="1" rIns="116050" wrap="square" tIns="116050">
+          <a:bodyPr spcFirstLastPara="1" wrap="square" lIns="116050" tIns="116050" rIns="116050" bIns="116050" anchor="t" anchorCtr="0">
             <a:noAutofit/>
           </a:bodyPr>
           <a:lstStyle>
-            <a:lvl1pPr indent="-374650" lvl="0" marL="457200" rtl="0">
+            <a:lvl1pPr marL="457200" lvl="0" indent="-374650" rtl="0">
               <a:spcBef>
                 <a:spcPts val="0"/>
               </a:spcBef>
@@ -3066,7 +3142,7 @@
                 </a:solidFill>
               </a:defRPr>
             </a:lvl1pPr>
-            <a:lvl2pPr indent="-342900" lvl="1" marL="914400" rtl="0">
+            <a:lvl2pPr marL="914400" lvl="1" indent="-342900" rtl="0">
               <a:spcBef>
                 <a:spcPts val="2000"/>
               </a:spcBef>
@@ -3084,7 +3160,7 @@
                 </a:solidFill>
               </a:defRPr>
             </a:lvl2pPr>
-            <a:lvl3pPr indent="-342900" lvl="2" marL="1371600" rtl="0">
+            <a:lvl3pPr marL="1371600" lvl="2" indent="-342900" rtl="0">
               <a:spcBef>
                 <a:spcPts val="2000"/>
               </a:spcBef>
@@ -3102,7 +3178,7 @@
                 </a:solidFill>
               </a:defRPr>
             </a:lvl3pPr>
-            <a:lvl4pPr indent="-342900" lvl="3" marL="1828800" rtl="0">
+            <a:lvl4pPr marL="1828800" lvl="3" indent="-342900" rtl="0">
               <a:spcBef>
                 <a:spcPts val="2000"/>
               </a:spcBef>
@@ -3120,7 +3196,7 @@
                 </a:solidFill>
               </a:defRPr>
             </a:lvl4pPr>
-            <a:lvl5pPr indent="-342900" lvl="4" marL="2286000" rtl="0">
+            <a:lvl5pPr marL="2286000" lvl="4" indent="-342900" rtl="0">
               <a:spcBef>
                 <a:spcPts val="2000"/>
               </a:spcBef>
@@ -3138,7 +3214,7 @@
                 </a:solidFill>
               </a:defRPr>
             </a:lvl5pPr>
-            <a:lvl6pPr indent="-342900" lvl="5" marL="2743200" rtl="0">
+            <a:lvl6pPr marL="2743200" lvl="5" indent="-342900" rtl="0">
               <a:spcBef>
                 <a:spcPts val="2000"/>
               </a:spcBef>
@@ -3156,7 +3232,7 @@
                 </a:solidFill>
               </a:defRPr>
             </a:lvl6pPr>
-            <a:lvl7pPr indent="-342900" lvl="6" marL="3200400" rtl="0">
+            <a:lvl7pPr marL="3200400" lvl="6" indent="-342900" rtl="0">
               <a:spcBef>
                 <a:spcPts val="2000"/>
               </a:spcBef>
@@ -3174,7 +3250,7 @@
                 </a:solidFill>
               </a:defRPr>
             </a:lvl7pPr>
-            <a:lvl8pPr indent="-342900" lvl="7" marL="3657600" rtl="0">
+            <a:lvl8pPr marL="3657600" lvl="7" indent="-342900" rtl="0">
               <a:spcBef>
                 <a:spcPts val="2000"/>
               </a:spcBef>
@@ -3192,7 +3268,7 @@
                 </a:solidFill>
               </a:defRPr>
             </a:lvl8pPr>
-            <a:lvl9pPr indent="-342900" lvl="8" marL="4114800" rtl="0">
+            <a:lvl9pPr marL="4114800" lvl="8" indent="-342900" rtl="0">
               <a:spcBef>
                 <a:spcPts val="2000"/>
               </a:spcBef>
@@ -3211,13 +3287,17 @@
               </a:defRPr>
             </a:lvl9pPr>
           </a:lstStyle>
-          <a:p/>
+          <a:p>
+            <a:endParaRPr/>
+          </a:p>
         </p:txBody>
       </p:sp>
       <p:sp>
         <p:nvSpPr>
           <p:cNvPr id="22" name="Google Shape;22;p4"/>
-          <p:cNvSpPr txBox="1"/>
+          <p:cNvSpPr txBox="1">
+            <a:spLocks noGrp="1"/>
+          </p:cNvSpPr>
           <p:nvPr>
             <p:ph type="title"/>
           </p:nvPr>
@@ -3232,7 +3312,7 @@
           </a:prstGeom>
         </p:spPr>
         <p:txBody>
-          <a:bodyPr anchorCtr="0" anchor="ctr" bIns="116050" lIns="116050" spcFirstLastPara="1" rIns="116050" wrap="square" tIns="116050">
+          <a:bodyPr spcFirstLastPara="1" wrap="square" lIns="116050" tIns="116050" rIns="116050" bIns="116050" anchor="ctr" anchorCtr="0">
             <a:noAutofit/>
           </a:bodyPr>
           <a:lstStyle>
@@ -3327,15 +3407,19 @@
               <a:defRPr/>
             </a:lvl9pPr>
           </a:lstStyle>
-          <a:p/>
+          <a:p>
+            <a:endParaRPr/>
+          </a:p>
         </p:txBody>
       </p:sp>
       <p:sp>
         <p:nvSpPr>
           <p:cNvPr id="23" name="Google Shape;23;p4"/>
-          <p:cNvSpPr txBox="1"/>
+          <p:cNvSpPr txBox="1">
+            <a:spLocks noGrp="1"/>
+          </p:cNvSpPr>
           <p:nvPr>
-            <p:ph idx="12" type="sldNum"/>
+            <p:ph type="sldNum" idx="12"/>
           </p:nvPr>
         </p:nvSpPr>
         <p:spPr>
@@ -3348,7 +3432,7 @@
           </a:prstGeom>
         </p:spPr>
         <p:txBody>
-          <a:bodyPr anchorCtr="0" anchor="t" bIns="116050" lIns="116050" spcFirstLastPara="1" rIns="116050" wrap="square" tIns="116050">
+          <a:bodyPr spcFirstLastPara="1" wrap="square" lIns="116050" tIns="116050" rIns="116050" bIns="116050" anchor="t" anchorCtr="0">
             <a:noAutofit/>
           </a:bodyPr>
           <a:lstStyle>
@@ -3462,7 +3546,7 @@
             </a:lvl9pPr>
           </a:lstStyle>
           <a:p>
-            <a:pPr indent="0" lvl="0" marL="0" rtl="0" algn="ctr">
+            <a:pPr marL="0" lvl="0" indent="0" algn="ctr" rtl="0">
               <a:spcBef>
                 <a:spcPts val="0"/>
               </a:spcBef>
@@ -3482,9 +3566,11 @@
       <p:sp>
         <p:nvSpPr>
           <p:cNvPr id="24" name="Google Shape;24;p4"/>
-          <p:cNvSpPr txBox="1"/>
+          <p:cNvSpPr txBox="1">
+            <a:spLocks noGrp="1"/>
+          </p:cNvSpPr>
           <p:nvPr>
-            <p:ph idx="3" type="subTitle"/>
+            <p:ph type="subTitle" idx="3"/>
           </p:nvPr>
         </p:nvSpPr>
         <p:spPr>
@@ -3497,11 +3583,11 @@
           </a:prstGeom>
         </p:spPr>
         <p:txBody>
-          <a:bodyPr anchorCtr="0" anchor="ctr" bIns="116050" lIns="116050" spcFirstLastPara="1" rIns="0" wrap="square" tIns="116050">
+          <a:bodyPr spcFirstLastPara="1" wrap="square" lIns="116050" tIns="116050" rIns="0" bIns="116050" anchor="ctr" anchorCtr="0">
             <a:noAutofit/>
           </a:bodyPr>
           <a:lstStyle>
-            <a:lvl1pPr lvl="0" rtl="0" algn="r">
+            <a:lvl1pPr lvl="0" algn="r" rtl="0">
               <a:lnSpc>
                 <a:spcPct val="100000"/>
               </a:lnSpc>
@@ -3603,7 +3689,9 @@
               <a:defRPr/>
             </a:lvl9pPr>
           </a:lstStyle>
-          <a:p/>
+          <a:p>
+            <a:endParaRPr/>
+          </a:p>
         </p:txBody>
       </p:sp>
     </p:spTree>
@@ -3615,11 +3703,11 @@
 </file>
 
 <file path=ppt/slideLayouts/slideLayout4.xml><?xml version="1.0" encoding="utf-8"?>
-<p:sldLayout xmlns:a="http://schemas.openxmlformats.org/drawingml/2006/main" xmlns:r="http://schemas.openxmlformats.org/officeDocument/2006/relationships" xmlns:mc="http://schemas.openxmlformats.org/markup-compatibility/2006" xmlns:mv="urn:schemas-microsoft-com:mac:vml" xmlns:p="http://schemas.openxmlformats.org/presentationml/2006/main" xmlns:c="http://schemas.openxmlformats.org/drawingml/2006/chart" xmlns:dgm="http://schemas.openxmlformats.org/drawingml/2006/diagram" xmlns:o="urn:schemas-microsoft-com:office:office" xmlns:v="urn:schemas-microsoft-com:vml" xmlns:pvml="urn:schemas-microsoft-com:office:powerpoint" xmlns:com="http://schemas.openxmlformats.org/drawingml/2006/compatibility" xmlns:p14="http://schemas.microsoft.com/office/powerpoint/2010/main" xmlns:p15="http://schemas.microsoft.com/office/powerpoint/2012/main" xmlns:ahyp="http://schemas.microsoft.com/office/drawing/2018/hyperlinkcolor" matchingName="Large image and text under (no heading)">
+<p:sldLayout xmlns:a="http://schemas.openxmlformats.org/drawingml/2006/main" xmlns:r="http://schemas.openxmlformats.org/officeDocument/2006/relationships" xmlns:p="http://schemas.openxmlformats.org/presentationml/2006/main" matchingName="Large image and text under (no heading)">
   <p:cSld name="TITLE_4_1_1_1_4_1">
     <p:spTree>
       <p:nvGrpSpPr>
-        <p:cNvPr id="25" name="Shape 25"/>
+        <p:cNvPr id="1" name="Shape 25"/>
         <p:cNvGrpSpPr/>
         <p:nvPr/>
       </p:nvGrpSpPr>
@@ -3634,9 +3722,11 @@
       <p:sp>
         <p:nvSpPr>
           <p:cNvPr id="26" name="Google Shape;26;p5"/>
-          <p:cNvSpPr txBox="1"/>
+          <p:cNvSpPr txBox="1">
+            <a:spLocks noGrp="1"/>
+          </p:cNvSpPr>
           <p:nvPr>
-            <p:ph idx="1" type="body"/>
+            <p:ph type="body" idx="1"/>
           </p:nvPr>
         </p:nvSpPr>
         <p:spPr>
@@ -3652,11 +3742,11 @@
           </a:ln>
         </p:spPr>
         <p:txBody>
-          <a:bodyPr anchorCtr="0" anchor="t" bIns="116050" lIns="116050" spcFirstLastPara="1" rIns="116050" wrap="square" tIns="116050">
+          <a:bodyPr spcFirstLastPara="1" wrap="square" lIns="116050" tIns="116050" rIns="116050" bIns="116050" anchor="t" anchorCtr="0">
             <a:noAutofit/>
           </a:bodyPr>
           <a:lstStyle>
-            <a:lvl1pPr indent="-374650" lvl="0" marL="457200" rtl="0">
+            <a:lvl1pPr marL="457200" lvl="0" indent="-374650" rtl="0">
               <a:spcBef>
                 <a:spcPts val="0"/>
               </a:spcBef>
@@ -3674,7 +3764,7 @@
                 </a:solidFill>
               </a:defRPr>
             </a:lvl1pPr>
-            <a:lvl2pPr indent="-342900" lvl="1" marL="914400" rtl="0">
+            <a:lvl2pPr marL="914400" lvl="1" indent="-342900" rtl="0">
               <a:spcBef>
                 <a:spcPts val="2000"/>
               </a:spcBef>
@@ -3692,7 +3782,7 @@
                 </a:solidFill>
               </a:defRPr>
             </a:lvl2pPr>
-            <a:lvl3pPr indent="-342900" lvl="2" marL="1371600" rtl="0">
+            <a:lvl3pPr marL="1371600" lvl="2" indent="-342900" rtl="0">
               <a:spcBef>
                 <a:spcPts val="2000"/>
               </a:spcBef>
@@ -3710,7 +3800,7 @@
                 </a:solidFill>
               </a:defRPr>
             </a:lvl3pPr>
-            <a:lvl4pPr indent="-342900" lvl="3" marL="1828800" rtl="0">
+            <a:lvl4pPr marL="1828800" lvl="3" indent="-342900" rtl="0">
               <a:spcBef>
                 <a:spcPts val="2000"/>
               </a:spcBef>
@@ -3728,7 +3818,7 @@
                 </a:solidFill>
               </a:defRPr>
             </a:lvl4pPr>
-            <a:lvl5pPr indent="-342900" lvl="4" marL="2286000" rtl="0">
+            <a:lvl5pPr marL="2286000" lvl="4" indent="-342900" rtl="0">
               <a:spcBef>
                 <a:spcPts val="2000"/>
               </a:spcBef>
@@ -3746,7 +3836,7 @@
                 </a:solidFill>
               </a:defRPr>
             </a:lvl5pPr>
-            <a:lvl6pPr indent="-342900" lvl="5" marL="2743200" rtl="0">
+            <a:lvl6pPr marL="2743200" lvl="5" indent="-342900" rtl="0">
               <a:spcBef>
                 <a:spcPts val="2000"/>
               </a:spcBef>
@@ -3764,7 +3854,7 @@
                 </a:solidFill>
               </a:defRPr>
             </a:lvl6pPr>
-            <a:lvl7pPr indent="-342900" lvl="6" marL="3200400" rtl="0">
+            <a:lvl7pPr marL="3200400" lvl="6" indent="-342900" rtl="0">
               <a:spcBef>
                 <a:spcPts val="2000"/>
               </a:spcBef>
@@ -3782,7 +3872,7 @@
                 </a:solidFill>
               </a:defRPr>
             </a:lvl7pPr>
-            <a:lvl8pPr indent="-342900" lvl="7" marL="3657600" rtl="0">
+            <a:lvl8pPr marL="3657600" lvl="7" indent="-342900" rtl="0">
               <a:spcBef>
                 <a:spcPts val="2000"/>
               </a:spcBef>
@@ -3800,7 +3890,7 @@
                 </a:solidFill>
               </a:defRPr>
             </a:lvl8pPr>
-            <a:lvl9pPr indent="-342900" lvl="8" marL="4114800" rtl="0">
+            <a:lvl9pPr marL="4114800" lvl="8" indent="-342900" rtl="0">
               <a:spcBef>
                 <a:spcPts val="2000"/>
               </a:spcBef>
@@ -3819,15 +3909,19 @@
               </a:defRPr>
             </a:lvl9pPr>
           </a:lstStyle>
-          <a:p/>
+          <a:p>
+            <a:endParaRPr/>
+          </a:p>
         </p:txBody>
       </p:sp>
       <p:sp>
         <p:nvSpPr>
           <p:cNvPr id="27" name="Google Shape;27;p5"/>
-          <p:cNvSpPr txBox="1"/>
+          <p:cNvSpPr txBox="1">
+            <a:spLocks noGrp="1"/>
+          </p:cNvSpPr>
           <p:nvPr>
-            <p:ph idx="2" type="body"/>
+            <p:ph type="body" idx="2"/>
           </p:nvPr>
         </p:nvSpPr>
         <p:spPr>
@@ -3840,11 +3934,11 @@
           </a:prstGeom>
         </p:spPr>
         <p:txBody>
-          <a:bodyPr anchorCtr="0" anchor="t" bIns="116050" lIns="116050" spcFirstLastPara="1" rIns="116050" wrap="square" tIns="116050">
+          <a:bodyPr spcFirstLastPara="1" wrap="square" lIns="116050" tIns="116050" rIns="116050" bIns="116050" anchor="t" anchorCtr="0">
             <a:noAutofit/>
           </a:bodyPr>
           <a:lstStyle>
-            <a:lvl1pPr indent="-374650" lvl="0" marL="457200" rtl="0" algn="ctr">
+            <a:lvl1pPr marL="457200" lvl="0" indent="-374650" algn="ctr" rtl="0">
               <a:spcBef>
                 <a:spcPts val="0"/>
               </a:spcBef>
@@ -3862,7 +3956,7 @@
                 </a:solidFill>
               </a:defRPr>
             </a:lvl1pPr>
-            <a:lvl2pPr indent="-342900" lvl="1" marL="914400" rtl="0" algn="ctr">
+            <a:lvl2pPr marL="914400" lvl="1" indent="-342900" algn="ctr" rtl="0">
               <a:spcBef>
                 <a:spcPts val="2000"/>
               </a:spcBef>
@@ -3880,7 +3974,7 @@
                 </a:solidFill>
               </a:defRPr>
             </a:lvl2pPr>
-            <a:lvl3pPr indent="-342900" lvl="2" marL="1371600" rtl="0" algn="ctr">
+            <a:lvl3pPr marL="1371600" lvl="2" indent="-342900" algn="ctr" rtl="0">
               <a:spcBef>
                 <a:spcPts val="2000"/>
               </a:spcBef>
@@ -3898,7 +3992,7 @@
                 </a:solidFill>
               </a:defRPr>
             </a:lvl3pPr>
-            <a:lvl4pPr indent="-342900" lvl="3" marL="1828800" rtl="0" algn="ctr">
+            <a:lvl4pPr marL="1828800" lvl="3" indent="-342900" algn="ctr" rtl="0">
               <a:spcBef>
                 <a:spcPts val="2000"/>
               </a:spcBef>
@@ -3916,7 +4010,7 @@
                 </a:solidFill>
               </a:defRPr>
             </a:lvl4pPr>
-            <a:lvl5pPr indent="-342900" lvl="4" marL="2286000" rtl="0" algn="ctr">
+            <a:lvl5pPr marL="2286000" lvl="4" indent="-342900" algn="ctr" rtl="0">
               <a:spcBef>
                 <a:spcPts val="2000"/>
               </a:spcBef>
@@ -3934,7 +4028,7 @@
                 </a:solidFill>
               </a:defRPr>
             </a:lvl5pPr>
-            <a:lvl6pPr indent="-342900" lvl="5" marL="2743200" rtl="0" algn="ctr">
+            <a:lvl6pPr marL="2743200" lvl="5" indent="-342900" algn="ctr" rtl="0">
               <a:spcBef>
                 <a:spcPts val="2000"/>
               </a:spcBef>
@@ -3952,7 +4046,7 @@
                 </a:solidFill>
               </a:defRPr>
             </a:lvl6pPr>
-            <a:lvl7pPr indent="-342900" lvl="6" marL="3200400" rtl="0" algn="ctr">
+            <a:lvl7pPr marL="3200400" lvl="6" indent="-342900" algn="ctr" rtl="0">
               <a:spcBef>
                 <a:spcPts val="2000"/>
               </a:spcBef>
@@ -3970,7 +4064,7 @@
                 </a:solidFill>
               </a:defRPr>
             </a:lvl7pPr>
-            <a:lvl8pPr indent="-342900" lvl="7" marL="3657600" rtl="0" algn="ctr">
+            <a:lvl8pPr marL="3657600" lvl="7" indent="-342900" algn="ctr" rtl="0">
               <a:spcBef>
                 <a:spcPts val="2000"/>
               </a:spcBef>
@@ -3988,7 +4082,7 @@
                 </a:solidFill>
               </a:defRPr>
             </a:lvl8pPr>
-            <a:lvl9pPr indent="-342900" lvl="8" marL="4114800" rtl="0" algn="ctr">
+            <a:lvl9pPr marL="4114800" lvl="8" indent="-342900" algn="ctr" rtl="0">
               <a:spcBef>
                 <a:spcPts val="2000"/>
               </a:spcBef>
@@ -4007,15 +4101,19 @@
               </a:defRPr>
             </a:lvl9pPr>
           </a:lstStyle>
-          <a:p/>
+          <a:p>
+            <a:endParaRPr/>
+          </a:p>
         </p:txBody>
       </p:sp>
       <p:sp>
         <p:nvSpPr>
           <p:cNvPr id="28" name="Google Shape;28;p5"/>
-          <p:cNvSpPr txBox="1"/>
+          <p:cNvSpPr txBox="1">
+            <a:spLocks noGrp="1"/>
+          </p:cNvSpPr>
           <p:nvPr>
-            <p:ph idx="12" type="sldNum"/>
+            <p:ph type="sldNum" idx="12"/>
           </p:nvPr>
         </p:nvSpPr>
         <p:spPr>
@@ -4028,7 +4126,7 @@
           </a:prstGeom>
         </p:spPr>
         <p:txBody>
-          <a:bodyPr anchorCtr="0" anchor="t" bIns="116050" lIns="116050" spcFirstLastPara="1" rIns="116050" wrap="square" tIns="116050">
+          <a:bodyPr spcFirstLastPara="1" wrap="square" lIns="116050" tIns="116050" rIns="116050" bIns="116050" anchor="t" anchorCtr="0">
             <a:noAutofit/>
           </a:bodyPr>
           <a:lstStyle>
@@ -4142,7 +4240,7 @@
             </a:lvl9pPr>
           </a:lstStyle>
           <a:p>
-            <a:pPr indent="0" lvl="0" marL="0" rtl="0" algn="ctr">
+            <a:pPr marL="0" lvl="0" indent="0" algn="ctr" rtl="0">
               <a:spcBef>
                 <a:spcPts val="0"/>
               </a:spcBef>
@@ -4162,9 +4260,11 @@
       <p:sp>
         <p:nvSpPr>
           <p:cNvPr id="29" name="Google Shape;29;p5"/>
-          <p:cNvSpPr txBox="1"/>
+          <p:cNvSpPr txBox="1">
+            <a:spLocks noGrp="1"/>
+          </p:cNvSpPr>
           <p:nvPr>
-            <p:ph idx="3" type="subTitle"/>
+            <p:ph type="subTitle" idx="3"/>
           </p:nvPr>
         </p:nvSpPr>
         <p:spPr>
@@ -4177,11 +4277,11 @@
           </a:prstGeom>
         </p:spPr>
         <p:txBody>
-          <a:bodyPr anchorCtr="0" anchor="ctr" bIns="116050" lIns="116050" spcFirstLastPara="1" rIns="0" wrap="square" tIns="116050">
+          <a:bodyPr spcFirstLastPara="1" wrap="square" lIns="116050" tIns="116050" rIns="0" bIns="116050" anchor="ctr" anchorCtr="0">
             <a:noAutofit/>
           </a:bodyPr>
           <a:lstStyle>
-            <a:lvl1pPr lvl="0" rtl="0" algn="r">
+            <a:lvl1pPr lvl="0" algn="r" rtl="0">
               <a:lnSpc>
                 <a:spcPct val="100000"/>
               </a:lnSpc>
@@ -4283,7 +4383,9 @@
               <a:defRPr/>
             </a:lvl9pPr>
           </a:lstStyle>
-          <a:p/>
+          <a:p>
+            <a:endParaRPr/>
+          </a:p>
         </p:txBody>
       </p:sp>
     </p:spTree>
@@ -4295,11 +4397,11 @@
 </file>
 
 <file path=ppt/slideLayouts/slideLayout5.xml><?xml version="1.0" encoding="utf-8"?>
-<p:sldLayout xmlns:a="http://schemas.openxmlformats.org/drawingml/2006/main" xmlns:r="http://schemas.openxmlformats.org/officeDocument/2006/relationships" xmlns:mc="http://schemas.openxmlformats.org/markup-compatibility/2006" xmlns:mv="urn:schemas-microsoft-com:mac:vml" xmlns:p="http://schemas.openxmlformats.org/presentationml/2006/main" xmlns:c="http://schemas.openxmlformats.org/drawingml/2006/chart" xmlns:dgm="http://schemas.openxmlformats.org/drawingml/2006/diagram" xmlns:o="urn:schemas-microsoft-com:office:office" xmlns:v="urn:schemas-microsoft-com:vml" xmlns:pvml="urn:schemas-microsoft-com:office:powerpoint" xmlns:com="http://schemas.openxmlformats.org/drawingml/2006/compatibility" xmlns:p14="http://schemas.microsoft.com/office/powerpoint/2010/main" xmlns:p15="http://schemas.microsoft.com/office/powerpoint/2012/main" xmlns:ahyp="http://schemas.microsoft.com/office/drawing/2018/hyperlinkcolor" matchingName="Large image (no text under)">
+<p:sldLayout xmlns:a="http://schemas.openxmlformats.org/drawingml/2006/main" xmlns:r="http://schemas.openxmlformats.org/officeDocument/2006/relationships" xmlns:p="http://schemas.openxmlformats.org/presentationml/2006/main" matchingName="Large image (no text under)">
   <p:cSld name="TITLE_4_1_1_1_3_2_1">
     <p:spTree>
       <p:nvGrpSpPr>
-        <p:cNvPr id="30" name="Shape 30"/>
+        <p:cNvPr id="1" name="Shape 30"/>
         <p:cNvGrpSpPr/>
         <p:nvPr/>
       </p:nvGrpSpPr>
@@ -4314,9 +4416,11 @@
       <p:sp>
         <p:nvSpPr>
           <p:cNvPr id="31" name="Google Shape;31;p6"/>
-          <p:cNvSpPr txBox="1"/>
+          <p:cNvSpPr txBox="1">
+            <a:spLocks noGrp="1"/>
+          </p:cNvSpPr>
           <p:nvPr>
-            <p:ph idx="1" type="body"/>
+            <p:ph type="body" idx="1"/>
           </p:nvPr>
         </p:nvSpPr>
         <p:spPr>
@@ -4332,11 +4436,11 @@
           </a:ln>
         </p:spPr>
         <p:txBody>
-          <a:bodyPr anchorCtr="0" anchor="t" bIns="116050" lIns="116050" spcFirstLastPara="1" rIns="116050" wrap="square" tIns="116050">
+          <a:bodyPr spcFirstLastPara="1" wrap="square" lIns="116050" tIns="116050" rIns="116050" bIns="116050" anchor="t" anchorCtr="0">
             <a:noAutofit/>
           </a:bodyPr>
           <a:lstStyle>
-            <a:lvl1pPr indent="-374650" lvl="0" marL="457200" rtl="0">
+            <a:lvl1pPr marL="457200" lvl="0" indent="-374650" rtl="0">
               <a:spcBef>
                 <a:spcPts val="0"/>
               </a:spcBef>
@@ -4354,7 +4458,7 @@
                 </a:solidFill>
               </a:defRPr>
             </a:lvl1pPr>
-            <a:lvl2pPr indent="-342900" lvl="1" marL="914400" rtl="0">
+            <a:lvl2pPr marL="914400" lvl="1" indent="-342900" rtl="0">
               <a:spcBef>
                 <a:spcPts val="2000"/>
               </a:spcBef>
@@ -4372,7 +4476,7 @@
                 </a:solidFill>
               </a:defRPr>
             </a:lvl2pPr>
-            <a:lvl3pPr indent="-342900" lvl="2" marL="1371600" rtl="0">
+            <a:lvl3pPr marL="1371600" lvl="2" indent="-342900" rtl="0">
               <a:spcBef>
                 <a:spcPts val="2000"/>
               </a:spcBef>
@@ -4390,7 +4494,7 @@
                 </a:solidFill>
               </a:defRPr>
             </a:lvl3pPr>
-            <a:lvl4pPr indent="-342900" lvl="3" marL="1828800" rtl="0">
+            <a:lvl4pPr marL="1828800" lvl="3" indent="-342900" rtl="0">
               <a:spcBef>
                 <a:spcPts val="2000"/>
               </a:spcBef>
@@ -4408,7 +4512,7 @@
                 </a:solidFill>
               </a:defRPr>
             </a:lvl4pPr>
-            <a:lvl5pPr indent="-342900" lvl="4" marL="2286000" rtl="0">
+            <a:lvl5pPr marL="2286000" lvl="4" indent="-342900" rtl="0">
               <a:spcBef>
                 <a:spcPts val="2000"/>
               </a:spcBef>
@@ -4426,7 +4530,7 @@
                 </a:solidFill>
               </a:defRPr>
             </a:lvl5pPr>
-            <a:lvl6pPr indent="-342900" lvl="5" marL="2743200" rtl="0">
+            <a:lvl6pPr marL="2743200" lvl="5" indent="-342900" rtl="0">
               <a:spcBef>
                 <a:spcPts val="2000"/>
               </a:spcBef>
@@ -4444,7 +4548,7 @@
                 </a:solidFill>
               </a:defRPr>
             </a:lvl6pPr>
-            <a:lvl7pPr indent="-342900" lvl="6" marL="3200400" rtl="0">
+            <a:lvl7pPr marL="3200400" lvl="6" indent="-342900" rtl="0">
               <a:spcBef>
                 <a:spcPts val="2000"/>
               </a:spcBef>
@@ -4462,7 +4566,7 @@
                 </a:solidFill>
               </a:defRPr>
             </a:lvl7pPr>
-            <a:lvl8pPr indent="-342900" lvl="7" marL="3657600" rtl="0">
+            <a:lvl8pPr marL="3657600" lvl="7" indent="-342900" rtl="0">
               <a:spcBef>
                 <a:spcPts val="2000"/>
               </a:spcBef>
@@ -4480,7 +4584,7 @@
                 </a:solidFill>
               </a:defRPr>
             </a:lvl8pPr>
-            <a:lvl9pPr indent="-342900" lvl="8" marL="4114800" rtl="0">
+            <a:lvl9pPr marL="4114800" lvl="8" indent="-342900" rtl="0">
               <a:spcBef>
                 <a:spcPts val="2000"/>
               </a:spcBef>
@@ -4499,15 +4603,19 @@
               </a:defRPr>
             </a:lvl9pPr>
           </a:lstStyle>
-          <a:p/>
+          <a:p>
+            <a:endParaRPr/>
+          </a:p>
         </p:txBody>
       </p:sp>
       <p:sp>
         <p:nvSpPr>
           <p:cNvPr id="32" name="Google Shape;32;p6"/>
-          <p:cNvSpPr txBox="1"/>
+          <p:cNvSpPr txBox="1">
+            <a:spLocks noGrp="1"/>
+          </p:cNvSpPr>
           <p:nvPr>
-            <p:ph idx="12" type="sldNum"/>
+            <p:ph type="sldNum" idx="12"/>
           </p:nvPr>
         </p:nvSpPr>
         <p:spPr>
@@ -4520,7 +4628,7 @@
           </a:prstGeom>
         </p:spPr>
         <p:txBody>
-          <a:bodyPr anchorCtr="0" anchor="t" bIns="116050" lIns="116050" spcFirstLastPara="1" rIns="116050" wrap="square" tIns="116050">
+          <a:bodyPr spcFirstLastPara="1" wrap="square" lIns="116050" tIns="116050" rIns="116050" bIns="116050" anchor="t" anchorCtr="0">
             <a:noAutofit/>
           </a:bodyPr>
           <a:lstStyle>
@@ -4634,7 +4742,7 @@
             </a:lvl9pPr>
           </a:lstStyle>
           <a:p>
-            <a:pPr indent="0" lvl="0" marL="0" rtl="0" algn="ctr">
+            <a:pPr marL="0" lvl="0" indent="0" algn="ctr" rtl="0">
               <a:spcBef>
                 <a:spcPts val="0"/>
               </a:spcBef>
@@ -4654,7 +4762,9 @@
       <p:sp>
         <p:nvSpPr>
           <p:cNvPr id="33" name="Google Shape;33;p6"/>
-          <p:cNvSpPr txBox="1"/>
+          <p:cNvSpPr txBox="1">
+            <a:spLocks noGrp="1"/>
+          </p:cNvSpPr>
           <p:nvPr>
             <p:ph type="title"/>
           </p:nvPr>
@@ -4669,7 +4779,7 @@
           </a:prstGeom>
         </p:spPr>
         <p:txBody>
-          <a:bodyPr anchorCtr="0" anchor="ctr" bIns="116050" lIns="116050" spcFirstLastPara="1" rIns="116050" wrap="square" tIns="116050">
+          <a:bodyPr spcFirstLastPara="1" wrap="square" lIns="116050" tIns="116050" rIns="116050" bIns="116050" anchor="ctr" anchorCtr="0">
             <a:noAutofit/>
           </a:bodyPr>
           <a:lstStyle>
@@ -4764,15 +4874,19 @@
               <a:defRPr/>
             </a:lvl9pPr>
           </a:lstStyle>
-          <a:p/>
+          <a:p>
+            <a:endParaRPr/>
+          </a:p>
         </p:txBody>
       </p:sp>
       <p:sp>
         <p:nvSpPr>
           <p:cNvPr id="34" name="Google Shape;34;p6"/>
-          <p:cNvSpPr txBox="1"/>
+          <p:cNvSpPr txBox="1">
+            <a:spLocks noGrp="1"/>
+          </p:cNvSpPr>
           <p:nvPr>
-            <p:ph idx="2" type="subTitle"/>
+            <p:ph type="subTitle" idx="2"/>
           </p:nvPr>
         </p:nvSpPr>
         <p:spPr>
@@ -4785,11 +4899,11 @@
           </a:prstGeom>
         </p:spPr>
         <p:txBody>
-          <a:bodyPr anchorCtr="0" anchor="ctr" bIns="116050" lIns="116050" spcFirstLastPara="1" rIns="0" wrap="square" tIns="116050">
+          <a:bodyPr spcFirstLastPara="1" wrap="square" lIns="116050" tIns="116050" rIns="0" bIns="116050" anchor="ctr" anchorCtr="0">
             <a:noAutofit/>
           </a:bodyPr>
           <a:lstStyle>
-            <a:lvl1pPr lvl="0" rtl="0" algn="r">
+            <a:lvl1pPr lvl="0" algn="r" rtl="0">
               <a:lnSpc>
                 <a:spcPct val="100000"/>
               </a:lnSpc>
@@ -4891,7 +5005,9 @@
               <a:defRPr/>
             </a:lvl9pPr>
           </a:lstStyle>
-          <a:p/>
+          <a:p>
+            <a:endParaRPr/>
+          </a:p>
         </p:txBody>
       </p:sp>
     </p:spTree>
@@ -4903,11 +5019,11 @@
 </file>
 
 <file path=ppt/slideLayouts/slideLayout6.xml><?xml version="1.0" encoding="utf-8"?>
-<p:sldLayout xmlns:a="http://schemas.openxmlformats.org/drawingml/2006/main" xmlns:r="http://schemas.openxmlformats.org/officeDocument/2006/relationships" xmlns:mc="http://schemas.openxmlformats.org/markup-compatibility/2006" xmlns:mv="urn:schemas-microsoft-com:mac:vml" xmlns:p="http://schemas.openxmlformats.org/presentationml/2006/main" xmlns:c="http://schemas.openxmlformats.org/drawingml/2006/chart" xmlns:dgm="http://schemas.openxmlformats.org/drawingml/2006/diagram" xmlns:o="urn:schemas-microsoft-com:office:office" xmlns:v="urn:schemas-microsoft-com:vml" xmlns:pvml="urn:schemas-microsoft-com:office:powerpoint" xmlns:com="http://schemas.openxmlformats.org/drawingml/2006/compatibility" xmlns:p14="http://schemas.microsoft.com/office/powerpoint/2010/main" xmlns:p15="http://schemas.microsoft.com/office/powerpoint/2012/main" xmlns:ahyp="http://schemas.microsoft.com/office/drawing/2018/hyperlinkcolor" matchingName="Text or Images side by side">
+<p:sldLayout xmlns:a="http://schemas.openxmlformats.org/drawingml/2006/main" xmlns:r="http://schemas.openxmlformats.org/officeDocument/2006/relationships" xmlns:p="http://schemas.openxmlformats.org/presentationml/2006/main" matchingName="Text or Images side by side">
   <p:cSld name="TITLE_4_1_1_1_3_1_1_1">
     <p:spTree>
       <p:nvGrpSpPr>
-        <p:cNvPr id="35" name="Shape 35"/>
+        <p:cNvPr id="1" name="Shape 35"/>
         <p:cNvGrpSpPr/>
         <p:nvPr/>
       </p:nvGrpSpPr>
@@ -4922,9 +5038,11 @@
       <p:sp>
         <p:nvSpPr>
           <p:cNvPr id="36" name="Google Shape;36;p7"/>
-          <p:cNvSpPr txBox="1"/>
+          <p:cNvSpPr txBox="1">
+            <a:spLocks noGrp="1"/>
+          </p:cNvSpPr>
           <p:nvPr>
-            <p:ph idx="1" type="body"/>
+            <p:ph type="body" idx="1"/>
           </p:nvPr>
         </p:nvSpPr>
         <p:spPr>
@@ -4940,11 +5058,11 @@
           </a:ln>
         </p:spPr>
         <p:txBody>
-          <a:bodyPr anchorCtr="0" anchor="t" bIns="116050" lIns="116050" spcFirstLastPara="1" rIns="116050" wrap="square" tIns="116050">
+          <a:bodyPr spcFirstLastPara="1" wrap="square" lIns="116050" tIns="116050" rIns="116050" bIns="116050" anchor="t" anchorCtr="0">
             <a:noAutofit/>
           </a:bodyPr>
           <a:lstStyle>
-            <a:lvl1pPr indent="-374650" lvl="0" marL="457200" rtl="0">
+            <a:lvl1pPr marL="457200" lvl="0" indent="-374650" rtl="0">
               <a:spcBef>
                 <a:spcPts val="0"/>
               </a:spcBef>
@@ -4962,7 +5080,7 @@
                 </a:solidFill>
               </a:defRPr>
             </a:lvl1pPr>
-            <a:lvl2pPr indent="-342900" lvl="1" marL="914400" rtl="0">
+            <a:lvl2pPr marL="914400" lvl="1" indent="-342900" rtl="0">
               <a:spcBef>
                 <a:spcPts val="2000"/>
               </a:spcBef>
@@ -4980,7 +5098,7 @@
                 </a:solidFill>
               </a:defRPr>
             </a:lvl2pPr>
-            <a:lvl3pPr indent="-342900" lvl="2" marL="1371600" rtl="0">
+            <a:lvl3pPr marL="1371600" lvl="2" indent="-342900" rtl="0">
               <a:spcBef>
                 <a:spcPts val="2000"/>
               </a:spcBef>
@@ -4998,7 +5116,7 @@
                 </a:solidFill>
               </a:defRPr>
             </a:lvl3pPr>
-            <a:lvl4pPr indent="-342900" lvl="3" marL="1828800" rtl="0">
+            <a:lvl4pPr marL="1828800" lvl="3" indent="-342900" rtl="0">
               <a:spcBef>
                 <a:spcPts val="2000"/>
               </a:spcBef>
@@ -5016,7 +5134,7 @@
                 </a:solidFill>
               </a:defRPr>
             </a:lvl4pPr>
-            <a:lvl5pPr indent="-342900" lvl="4" marL="2286000" rtl="0">
+            <a:lvl5pPr marL="2286000" lvl="4" indent="-342900" rtl="0">
               <a:spcBef>
                 <a:spcPts val="2000"/>
               </a:spcBef>
@@ -5034,7 +5152,7 @@
                 </a:solidFill>
               </a:defRPr>
             </a:lvl5pPr>
-            <a:lvl6pPr indent="-342900" lvl="5" marL="2743200" rtl="0">
+            <a:lvl6pPr marL="2743200" lvl="5" indent="-342900" rtl="0">
               <a:spcBef>
                 <a:spcPts val="2000"/>
               </a:spcBef>
@@ -5052,7 +5170,7 @@
                 </a:solidFill>
               </a:defRPr>
             </a:lvl6pPr>
-            <a:lvl7pPr indent="-342900" lvl="6" marL="3200400" rtl="0">
+            <a:lvl7pPr marL="3200400" lvl="6" indent="-342900" rtl="0">
               <a:spcBef>
                 <a:spcPts val="2000"/>
               </a:spcBef>
@@ -5070,7 +5188,7 @@
                 </a:solidFill>
               </a:defRPr>
             </a:lvl7pPr>
-            <a:lvl8pPr indent="-342900" lvl="7" marL="3657600" rtl="0">
+            <a:lvl8pPr marL="3657600" lvl="7" indent="-342900" rtl="0">
               <a:spcBef>
                 <a:spcPts val="2000"/>
               </a:spcBef>
@@ -5088,7 +5206,7 @@
                 </a:solidFill>
               </a:defRPr>
             </a:lvl8pPr>
-            <a:lvl9pPr indent="-342900" lvl="8" marL="4114800" rtl="0">
+            <a:lvl9pPr marL="4114800" lvl="8" indent="-342900" rtl="0">
               <a:spcBef>
                 <a:spcPts val="2000"/>
               </a:spcBef>
@@ -5107,15 +5225,19 @@
               </a:defRPr>
             </a:lvl9pPr>
           </a:lstStyle>
-          <a:p/>
+          <a:p>
+            <a:endParaRPr/>
+          </a:p>
         </p:txBody>
       </p:sp>
       <p:sp>
         <p:nvSpPr>
           <p:cNvPr id="37" name="Google Shape;37;p7"/>
-          <p:cNvSpPr txBox="1"/>
+          <p:cNvSpPr txBox="1">
+            <a:spLocks noGrp="1"/>
+          </p:cNvSpPr>
           <p:nvPr>
-            <p:ph idx="12" type="sldNum"/>
+            <p:ph type="sldNum" idx="12"/>
           </p:nvPr>
         </p:nvSpPr>
         <p:spPr>
@@ -5128,7 +5250,7 @@
           </a:prstGeom>
         </p:spPr>
         <p:txBody>
-          <a:bodyPr anchorCtr="0" anchor="t" bIns="116050" lIns="116050" spcFirstLastPara="1" rIns="116050" wrap="square" tIns="116050">
+          <a:bodyPr spcFirstLastPara="1" wrap="square" lIns="116050" tIns="116050" rIns="116050" bIns="116050" anchor="t" anchorCtr="0">
             <a:noAutofit/>
           </a:bodyPr>
           <a:lstStyle>
@@ -5242,7 +5364,7 @@
             </a:lvl9pPr>
           </a:lstStyle>
           <a:p>
-            <a:pPr indent="0" lvl="0" marL="0" rtl="0" algn="ctr">
+            <a:pPr marL="0" lvl="0" indent="0" algn="ctr" rtl="0">
               <a:spcBef>
                 <a:spcPts val="0"/>
               </a:spcBef>
@@ -5262,9 +5384,11 @@
       <p:sp>
         <p:nvSpPr>
           <p:cNvPr id="38" name="Google Shape;38;p7"/>
-          <p:cNvSpPr txBox="1"/>
+          <p:cNvSpPr txBox="1">
+            <a:spLocks noGrp="1"/>
+          </p:cNvSpPr>
           <p:nvPr>
-            <p:ph idx="2" type="body"/>
+            <p:ph type="body" idx="2"/>
           </p:nvPr>
         </p:nvSpPr>
         <p:spPr>
@@ -5280,11 +5404,11 @@
           </a:ln>
         </p:spPr>
         <p:txBody>
-          <a:bodyPr anchorCtr="0" anchor="t" bIns="116050" lIns="116050" spcFirstLastPara="1" rIns="116050" wrap="square" tIns="116050">
+          <a:bodyPr spcFirstLastPara="1" wrap="square" lIns="116050" tIns="116050" rIns="116050" bIns="116050" anchor="t" anchorCtr="0">
             <a:noAutofit/>
           </a:bodyPr>
           <a:lstStyle>
-            <a:lvl1pPr indent="-374650" lvl="0" marL="457200" rtl="0">
+            <a:lvl1pPr marL="457200" lvl="0" indent="-374650" rtl="0">
               <a:spcBef>
                 <a:spcPts val="0"/>
               </a:spcBef>
@@ -5302,7 +5426,7 @@
                 </a:solidFill>
               </a:defRPr>
             </a:lvl1pPr>
-            <a:lvl2pPr indent="-342900" lvl="1" marL="914400" rtl="0">
+            <a:lvl2pPr marL="914400" lvl="1" indent="-342900" rtl="0">
               <a:spcBef>
                 <a:spcPts val="2000"/>
               </a:spcBef>
@@ -5320,7 +5444,7 @@
                 </a:solidFill>
               </a:defRPr>
             </a:lvl2pPr>
-            <a:lvl3pPr indent="-342900" lvl="2" marL="1371600" rtl="0">
+            <a:lvl3pPr marL="1371600" lvl="2" indent="-342900" rtl="0">
               <a:spcBef>
                 <a:spcPts val="2000"/>
               </a:spcBef>
@@ -5338,7 +5462,7 @@
                 </a:solidFill>
               </a:defRPr>
             </a:lvl3pPr>
-            <a:lvl4pPr indent="-342900" lvl="3" marL="1828800" rtl="0">
+            <a:lvl4pPr marL="1828800" lvl="3" indent="-342900" rtl="0">
               <a:spcBef>
                 <a:spcPts val="2000"/>
               </a:spcBef>
@@ -5356,7 +5480,7 @@
                 </a:solidFill>
               </a:defRPr>
             </a:lvl4pPr>
-            <a:lvl5pPr indent="-342900" lvl="4" marL="2286000" rtl="0">
+            <a:lvl5pPr marL="2286000" lvl="4" indent="-342900" rtl="0">
               <a:spcBef>
                 <a:spcPts val="2000"/>
               </a:spcBef>
@@ -5374,7 +5498,7 @@
                 </a:solidFill>
               </a:defRPr>
             </a:lvl5pPr>
-            <a:lvl6pPr indent="-342900" lvl="5" marL="2743200" rtl="0">
+            <a:lvl6pPr marL="2743200" lvl="5" indent="-342900" rtl="0">
               <a:spcBef>
                 <a:spcPts val="2000"/>
               </a:spcBef>
@@ -5392,7 +5516,7 @@
                 </a:solidFill>
               </a:defRPr>
             </a:lvl6pPr>
-            <a:lvl7pPr indent="-342900" lvl="6" marL="3200400" rtl="0">
+            <a:lvl7pPr marL="3200400" lvl="6" indent="-342900" rtl="0">
               <a:spcBef>
                 <a:spcPts val="2000"/>
               </a:spcBef>
@@ -5410,7 +5534,7 @@
                 </a:solidFill>
               </a:defRPr>
             </a:lvl7pPr>
-            <a:lvl8pPr indent="-342900" lvl="7" marL="3657600" rtl="0">
+            <a:lvl8pPr marL="3657600" lvl="7" indent="-342900" rtl="0">
               <a:spcBef>
                 <a:spcPts val="2000"/>
               </a:spcBef>
@@ -5428,7 +5552,7 @@
                 </a:solidFill>
               </a:defRPr>
             </a:lvl8pPr>
-            <a:lvl9pPr indent="-342900" lvl="8" marL="4114800" rtl="0">
+            <a:lvl9pPr marL="4114800" lvl="8" indent="-342900" rtl="0">
               <a:spcBef>
                 <a:spcPts val="2000"/>
               </a:spcBef>
@@ -5447,15 +5571,19 @@
               </a:defRPr>
             </a:lvl9pPr>
           </a:lstStyle>
-          <a:p/>
+          <a:p>
+            <a:endParaRPr/>
+          </a:p>
         </p:txBody>
       </p:sp>
       <p:sp>
         <p:nvSpPr>
           <p:cNvPr id="39" name="Google Shape;39;p7"/>
-          <p:cNvSpPr txBox="1"/>
+          <p:cNvSpPr txBox="1">
+            <a:spLocks noGrp="1"/>
+          </p:cNvSpPr>
           <p:nvPr>
-            <p:ph idx="3" type="subTitle"/>
+            <p:ph type="subTitle" idx="3"/>
           </p:nvPr>
         </p:nvSpPr>
         <p:spPr>
@@ -5468,11 +5596,11 @@
           </a:prstGeom>
         </p:spPr>
         <p:txBody>
-          <a:bodyPr anchorCtr="0" anchor="ctr" bIns="116050" lIns="116050" spcFirstLastPara="1" rIns="0" wrap="square" tIns="116050">
+          <a:bodyPr spcFirstLastPara="1" wrap="square" lIns="116050" tIns="116050" rIns="0" bIns="116050" anchor="ctr" anchorCtr="0">
             <a:noAutofit/>
           </a:bodyPr>
           <a:lstStyle>
-            <a:lvl1pPr lvl="0" rtl="0" algn="r">
+            <a:lvl1pPr lvl="0" algn="r" rtl="0">
               <a:lnSpc>
                 <a:spcPct val="100000"/>
               </a:lnSpc>
@@ -5574,13 +5702,17 @@
               <a:defRPr/>
             </a:lvl9pPr>
           </a:lstStyle>
-          <a:p/>
+          <a:p>
+            <a:endParaRPr/>
+          </a:p>
         </p:txBody>
       </p:sp>
       <p:sp>
         <p:nvSpPr>
           <p:cNvPr id="40" name="Google Shape;40;p7"/>
-          <p:cNvSpPr txBox="1"/>
+          <p:cNvSpPr txBox="1">
+            <a:spLocks noGrp="1"/>
+          </p:cNvSpPr>
           <p:nvPr>
             <p:ph type="title"/>
           </p:nvPr>
@@ -5595,7 +5727,7 @@
           </a:prstGeom>
         </p:spPr>
         <p:txBody>
-          <a:bodyPr anchorCtr="0" anchor="ctr" bIns="116050" lIns="116050" spcFirstLastPara="1" rIns="116050" wrap="square" tIns="116050">
+          <a:bodyPr spcFirstLastPara="1" wrap="square" lIns="116050" tIns="116050" rIns="116050" bIns="116050" anchor="ctr" anchorCtr="0">
             <a:noAutofit/>
           </a:bodyPr>
           <a:lstStyle>
@@ -5690,7 +5822,9 @@
               <a:defRPr/>
             </a:lvl9pPr>
           </a:lstStyle>
-          <a:p/>
+          <a:p>
+            <a:endParaRPr/>
+          </a:p>
         </p:txBody>
       </p:sp>
     </p:spTree>
@@ -5702,11 +5836,11 @@
 </file>
 
 <file path=ppt/slideLayouts/slideLayout7.xml><?xml version="1.0" encoding="utf-8"?>
-<p:sldLayout xmlns:a="http://schemas.openxmlformats.org/drawingml/2006/main" xmlns:r="http://schemas.openxmlformats.org/officeDocument/2006/relationships" xmlns:mc="http://schemas.openxmlformats.org/markup-compatibility/2006" xmlns:mv="urn:schemas-microsoft-com:mac:vml" xmlns:p="http://schemas.openxmlformats.org/presentationml/2006/main" xmlns:c="http://schemas.openxmlformats.org/drawingml/2006/chart" xmlns:dgm="http://schemas.openxmlformats.org/drawingml/2006/diagram" xmlns:o="urn:schemas-microsoft-com:office:office" xmlns:v="urn:schemas-microsoft-com:vml" xmlns:pvml="urn:schemas-microsoft-com:office:powerpoint" xmlns:com="http://schemas.openxmlformats.org/drawingml/2006/compatibility" xmlns:p14="http://schemas.microsoft.com/office/powerpoint/2010/main" xmlns:p15="http://schemas.microsoft.com/office/powerpoint/2012/main" xmlns:ahyp="http://schemas.microsoft.com/office/drawing/2018/hyperlinkcolor" matchingName="Text or Images 2:1">
+<p:sldLayout xmlns:a="http://schemas.openxmlformats.org/drawingml/2006/main" xmlns:r="http://schemas.openxmlformats.org/officeDocument/2006/relationships" xmlns:p="http://schemas.openxmlformats.org/presentationml/2006/main" matchingName="Text or Images 2:1">
   <p:cSld name="TITLE_4_1_1_1_3_1_1_1_1">
     <p:spTree>
       <p:nvGrpSpPr>
-        <p:cNvPr id="41" name="Shape 41"/>
+        <p:cNvPr id="1" name="Shape 41"/>
         <p:cNvGrpSpPr/>
         <p:nvPr/>
       </p:nvGrpSpPr>
@@ -5721,9 +5855,11 @@
       <p:sp>
         <p:nvSpPr>
           <p:cNvPr id="42" name="Google Shape;42;p8"/>
-          <p:cNvSpPr txBox="1"/>
+          <p:cNvSpPr txBox="1">
+            <a:spLocks noGrp="1"/>
+          </p:cNvSpPr>
           <p:nvPr>
-            <p:ph idx="1" type="body"/>
+            <p:ph type="body" idx="1"/>
           </p:nvPr>
         </p:nvSpPr>
         <p:spPr>
@@ -5739,11 +5875,11 @@
           </a:ln>
         </p:spPr>
         <p:txBody>
-          <a:bodyPr anchorCtr="0" anchor="t" bIns="116050" lIns="116050" spcFirstLastPara="1" rIns="116050" wrap="square" tIns="116050">
+          <a:bodyPr spcFirstLastPara="1" wrap="square" lIns="116050" tIns="116050" rIns="116050" bIns="116050" anchor="t" anchorCtr="0">
             <a:noAutofit/>
           </a:bodyPr>
           <a:lstStyle>
-            <a:lvl1pPr indent="-374650" lvl="0" marL="457200" rtl="0">
+            <a:lvl1pPr marL="457200" lvl="0" indent="-374650" rtl="0">
               <a:spcBef>
                 <a:spcPts val="0"/>
               </a:spcBef>
@@ -5761,7 +5897,7 @@
                 </a:solidFill>
               </a:defRPr>
             </a:lvl1pPr>
-            <a:lvl2pPr indent="-342900" lvl="1" marL="914400" rtl="0">
+            <a:lvl2pPr marL="914400" lvl="1" indent="-342900" rtl="0">
               <a:spcBef>
                 <a:spcPts val="2000"/>
               </a:spcBef>
@@ -5779,7 +5915,7 @@
                 </a:solidFill>
               </a:defRPr>
             </a:lvl2pPr>
-            <a:lvl3pPr indent="-342900" lvl="2" marL="1371600" rtl="0">
+            <a:lvl3pPr marL="1371600" lvl="2" indent="-342900" rtl="0">
               <a:spcBef>
                 <a:spcPts val="2000"/>
               </a:spcBef>
@@ -5797,7 +5933,7 @@
                 </a:solidFill>
               </a:defRPr>
             </a:lvl3pPr>
-            <a:lvl4pPr indent="-342900" lvl="3" marL="1828800" rtl="0">
+            <a:lvl4pPr marL="1828800" lvl="3" indent="-342900" rtl="0">
               <a:spcBef>
                 <a:spcPts val="2000"/>
               </a:spcBef>
@@ -5815,7 +5951,7 @@
                 </a:solidFill>
               </a:defRPr>
             </a:lvl4pPr>
-            <a:lvl5pPr indent="-342900" lvl="4" marL="2286000" rtl="0">
+            <a:lvl5pPr marL="2286000" lvl="4" indent="-342900" rtl="0">
               <a:spcBef>
                 <a:spcPts val="2000"/>
               </a:spcBef>
@@ -5833,7 +5969,7 @@
                 </a:solidFill>
               </a:defRPr>
             </a:lvl5pPr>
-            <a:lvl6pPr indent="-342900" lvl="5" marL="2743200" rtl="0">
+            <a:lvl6pPr marL="2743200" lvl="5" indent="-342900" rtl="0">
               <a:spcBef>
                 <a:spcPts val="2000"/>
               </a:spcBef>
@@ -5851,7 +5987,7 @@
                 </a:solidFill>
               </a:defRPr>
             </a:lvl6pPr>
-            <a:lvl7pPr indent="-342900" lvl="6" marL="3200400" rtl="0">
+            <a:lvl7pPr marL="3200400" lvl="6" indent="-342900" rtl="0">
               <a:spcBef>
                 <a:spcPts val="2000"/>
               </a:spcBef>
@@ -5869,7 +6005,7 @@
                 </a:solidFill>
               </a:defRPr>
             </a:lvl7pPr>
-            <a:lvl8pPr indent="-342900" lvl="7" marL="3657600" rtl="0">
+            <a:lvl8pPr marL="3657600" lvl="7" indent="-342900" rtl="0">
               <a:spcBef>
                 <a:spcPts val="2000"/>
               </a:spcBef>
@@ -5887,7 +6023,7 @@
                 </a:solidFill>
               </a:defRPr>
             </a:lvl8pPr>
-            <a:lvl9pPr indent="-342900" lvl="8" marL="4114800" rtl="0">
+            <a:lvl9pPr marL="4114800" lvl="8" indent="-342900" rtl="0">
               <a:spcBef>
                 <a:spcPts val="2000"/>
               </a:spcBef>
@@ -5906,13 +6042,17 @@
               </a:defRPr>
             </a:lvl9pPr>
           </a:lstStyle>
-          <a:p/>
+          <a:p>
+            <a:endParaRPr/>
+          </a:p>
         </p:txBody>
       </p:sp>
       <p:sp>
         <p:nvSpPr>
           <p:cNvPr id="43" name="Google Shape;43;p8"/>
-          <p:cNvSpPr txBox="1"/>
+          <p:cNvSpPr txBox="1">
+            <a:spLocks noGrp="1"/>
+          </p:cNvSpPr>
           <p:nvPr>
             <p:ph type="title"/>
           </p:nvPr>
@@ -5927,7 +6067,7 @@
           </a:prstGeom>
         </p:spPr>
         <p:txBody>
-          <a:bodyPr anchorCtr="0" anchor="ctr" bIns="116050" lIns="116050" spcFirstLastPara="1" rIns="116050" wrap="square" tIns="116050">
+          <a:bodyPr spcFirstLastPara="1" wrap="square" lIns="116050" tIns="116050" rIns="116050" bIns="116050" anchor="ctr" anchorCtr="0">
             <a:noAutofit/>
           </a:bodyPr>
           <a:lstStyle>
@@ -6022,15 +6162,19 @@
               <a:defRPr/>
             </a:lvl9pPr>
           </a:lstStyle>
-          <a:p/>
+          <a:p>
+            <a:endParaRPr/>
+          </a:p>
         </p:txBody>
       </p:sp>
       <p:sp>
         <p:nvSpPr>
           <p:cNvPr id="44" name="Google Shape;44;p8"/>
-          <p:cNvSpPr txBox="1"/>
+          <p:cNvSpPr txBox="1">
+            <a:spLocks noGrp="1"/>
+          </p:cNvSpPr>
           <p:nvPr>
-            <p:ph idx="12" type="sldNum"/>
+            <p:ph type="sldNum" idx="12"/>
           </p:nvPr>
         </p:nvSpPr>
         <p:spPr>
@@ -6043,7 +6187,7 @@
           </a:prstGeom>
         </p:spPr>
         <p:txBody>
-          <a:bodyPr anchorCtr="0" anchor="t" bIns="116050" lIns="116050" spcFirstLastPara="1" rIns="116050" wrap="square" tIns="116050">
+          <a:bodyPr spcFirstLastPara="1" wrap="square" lIns="116050" tIns="116050" rIns="116050" bIns="116050" anchor="t" anchorCtr="0">
             <a:noAutofit/>
           </a:bodyPr>
           <a:lstStyle>
@@ -6157,7 +6301,7 @@
             </a:lvl9pPr>
           </a:lstStyle>
           <a:p>
-            <a:pPr indent="0" lvl="0" marL="0" rtl="0" algn="ctr">
+            <a:pPr marL="0" lvl="0" indent="0" algn="ctr" rtl="0">
               <a:spcBef>
                 <a:spcPts val="0"/>
               </a:spcBef>
@@ -6177,9 +6321,11 @@
       <p:sp>
         <p:nvSpPr>
           <p:cNvPr id="45" name="Google Shape;45;p8"/>
-          <p:cNvSpPr txBox="1"/>
+          <p:cNvSpPr txBox="1">
+            <a:spLocks noGrp="1"/>
+          </p:cNvSpPr>
           <p:nvPr>
-            <p:ph idx="2" type="body"/>
+            <p:ph type="body" idx="2"/>
           </p:nvPr>
         </p:nvSpPr>
         <p:spPr>
@@ -6195,11 +6341,11 @@
           </a:ln>
         </p:spPr>
         <p:txBody>
-          <a:bodyPr anchorCtr="0" anchor="t" bIns="116050" lIns="116050" spcFirstLastPara="1" rIns="116050" wrap="square" tIns="116050">
+          <a:bodyPr spcFirstLastPara="1" wrap="square" lIns="116050" tIns="116050" rIns="116050" bIns="116050" anchor="t" anchorCtr="0">
             <a:noAutofit/>
           </a:bodyPr>
           <a:lstStyle>
-            <a:lvl1pPr indent="-374650" lvl="0" marL="457200" rtl="0">
+            <a:lvl1pPr marL="457200" lvl="0" indent="-374650" rtl="0">
               <a:spcBef>
                 <a:spcPts val="0"/>
               </a:spcBef>
@@ -6217,7 +6363,7 @@
                 </a:solidFill>
               </a:defRPr>
             </a:lvl1pPr>
-            <a:lvl2pPr indent="-342900" lvl="1" marL="914400" rtl="0">
+            <a:lvl2pPr marL="914400" lvl="1" indent="-342900" rtl="0">
               <a:spcBef>
                 <a:spcPts val="2000"/>
               </a:spcBef>
@@ -6235,7 +6381,7 @@
                 </a:solidFill>
               </a:defRPr>
             </a:lvl2pPr>
-            <a:lvl3pPr indent="-342900" lvl="2" marL="1371600" rtl="0">
+            <a:lvl3pPr marL="1371600" lvl="2" indent="-342900" rtl="0">
               <a:spcBef>
                 <a:spcPts val="2000"/>
               </a:spcBef>
@@ -6253,7 +6399,7 @@
                 </a:solidFill>
               </a:defRPr>
             </a:lvl3pPr>
-            <a:lvl4pPr indent="-342900" lvl="3" marL="1828800" rtl="0">
+            <a:lvl4pPr marL="1828800" lvl="3" indent="-342900" rtl="0">
               <a:spcBef>
                 <a:spcPts val="2000"/>
               </a:spcBef>
@@ -6271,7 +6417,7 @@
                 </a:solidFill>
               </a:defRPr>
             </a:lvl4pPr>
-            <a:lvl5pPr indent="-342900" lvl="4" marL="2286000" rtl="0">
+            <a:lvl5pPr marL="2286000" lvl="4" indent="-342900" rtl="0">
               <a:spcBef>
                 <a:spcPts val="2000"/>
               </a:spcBef>
@@ -6289,7 +6435,7 @@
                 </a:solidFill>
               </a:defRPr>
             </a:lvl5pPr>
-            <a:lvl6pPr indent="-342900" lvl="5" marL="2743200" rtl="0">
+            <a:lvl6pPr marL="2743200" lvl="5" indent="-342900" rtl="0">
               <a:spcBef>
                 <a:spcPts val="2000"/>
               </a:spcBef>
@@ -6307,7 +6453,7 @@
                 </a:solidFill>
               </a:defRPr>
             </a:lvl6pPr>
-            <a:lvl7pPr indent="-342900" lvl="6" marL="3200400" rtl="0">
+            <a:lvl7pPr marL="3200400" lvl="6" indent="-342900" rtl="0">
               <a:spcBef>
                 <a:spcPts val="2000"/>
               </a:spcBef>
@@ -6325,7 +6471,7 @@
                 </a:solidFill>
               </a:defRPr>
             </a:lvl7pPr>
-            <a:lvl8pPr indent="-342900" lvl="7" marL="3657600" rtl="0">
+            <a:lvl8pPr marL="3657600" lvl="7" indent="-342900" rtl="0">
               <a:spcBef>
                 <a:spcPts val="2000"/>
               </a:spcBef>
@@ -6343,7 +6489,7 @@
                 </a:solidFill>
               </a:defRPr>
             </a:lvl8pPr>
-            <a:lvl9pPr indent="-342900" lvl="8" marL="4114800" rtl="0">
+            <a:lvl9pPr marL="4114800" lvl="8" indent="-342900" rtl="0">
               <a:spcBef>
                 <a:spcPts val="2000"/>
               </a:spcBef>
@@ -6362,15 +6508,19 @@
               </a:defRPr>
             </a:lvl9pPr>
           </a:lstStyle>
-          <a:p/>
+          <a:p>
+            <a:endParaRPr/>
+          </a:p>
         </p:txBody>
       </p:sp>
       <p:sp>
         <p:nvSpPr>
           <p:cNvPr id="46" name="Google Shape;46;p8"/>
-          <p:cNvSpPr txBox="1"/>
+          <p:cNvSpPr txBox="1">
+            <a:spLocks noGrp="1"/>
+          </p:cNvSpPr>
           <p:nvPr>
-            <p:ph idx="3" type="subTitle"/>
+            <p:ph type="subTitle" idx="3"/>
           </p:nvPr>
         </p:nvSpPr>
         <p:spPr>
@@ -6383,11 +6533,11 @@
           </a:prstGeom>
         </p:spPr>
         <p:txBody>
-          <a:bodyPr anchorCtr="0" anchor="ctr" bIns="116050" lIns="116050" spcFirstLastPara="1" rIns="0" wrap="square" tIns="116050">
+          <a:bodyPr spcFirstLastPara="1" wrap="square" lIns="116050" tIns="116050" rIns="0" bIns="116050" anchor="ctr" anchorCtr="0">
             <a:noAutofit/>
           </a:bodyPr>
           <a:lstStyle>
-            <a:lvl1pPr lvl="0" rtl="0" algn="r">
+            <a:lvl1pPr lvl="0" algn="r" rtl="0">
               <a:lnSpc>
                 <a:spcPct val="100000"/>
               </a:lnSpc>
@@ -6489,7 +6639,9 @@
               <a:defRPr/>
             </a:lvl9pPr>
           </a:lstStyle>
-          <a:p/>
+          <a:p>
+            <a:endParaRPr/>
+          </a:p>
         </p:txBody>
       </p:sp>
     </p:spTree>
@@ -6501,11 +6653,11 @@
 </file>
 
 <file path=ppt/slideLayouts/slideLayout8.xml><?xml version="1.0" encoding="utf-8"?>
-<p:sldLayout xmlns:a="http://schemas.openxmlformats.org/drawingml/2006/main" xmlns:r="http://schemas.openxmlformats.org/officeDocument/2006/relationships" xmlns:mc="http://schemas.openxmlformats.org/markup-compatibility/2006" xmlns:mv="urn:schemas-microsoft-com:mac:vml" xmlns:p="http://schemas.openxmlformats.org/presentationml/2006/main" xmlns:c="http://schemas.openxmlformats.org/drawingml/2006/chart" xmlns:dgm="http://schemas.openxmlformats.org/drawingml/2006/diagram" xmlns:o="urn:schemas-microsoft-com:office:office" xmlns:v="urn:schemas-microsoft-com:vml" xmlns:pvml="urn:schemas-microsoft-com:office:powerpoint" xmlns:com="http://schemas.openxmlformats.org/drawingml/2006/compatibility" xmlns:p14="http://schemas.microsoft.com/office/powerpoint/2010/main" xmlns:p15="http://schemas.microsoft.com/office/powerpoint/2012/main" xmlns:ahyp="http://schemas.microsoft.com/office/drawing/2018/hyperlinkcolor" matchingName="Text or Images 1:2">
+<p:sldLayout xmlns:a="http://schemas.openxmlformats.org/drawingml/2006/main" xmlns:r="http://schemas.openxmlformats.org/officeDocument/2006/relationships" xmlns:p="http://schemas.openxmlformats.org/presentationml/2006/main" matchingName="Text or Images 1:2">
   <p:cSld name="TITLE_4_1_1_1_3_1_1_1_1_1">
     <p:spTree>
       <p:nvGrpSpPr>
-        <p:cNvPr id="47" name="Shape 47"/>
+        <p:cNvPr id="1" name="Shape 47"/>
         <p:cNvGrpSpPr/>
         <p:nvPr/>
       </p:nvGrpSpPr>
@@ -6520,9 +6672,11 @@
       <p:sp>
         <p:nvSpPr>
           <p:cNvPr id="48" name="Google Shape;48;p9"/>
-          <p:cNvSpPr txBox="1"/>
+          <p:cNvSpPr txBox="1">
+            <a:spLocks noGrp="1"/>
+          </p:cNvSpPr>
           <p:nvPr>
-            <p:ph idx="1" type="body"/>
+            <p:ph type="body" idx="1"/>
           </p:nvPr>
         </p:nvSpPr>
         <p:spPr>
@@ -6538,11 +6692,11 @@
           </a:ln>
         </p:spPr>
         <p:txBody>
-          <a:bodyPr anchorCtr="0" anchor="t" bIns="116050" lIns="116050" spcFirstLastPara="1" rIns="116050" wrap="square" tIns="116050">
+          <a:bodyPr spcFirstLastPara="1" wrap="square" lIns="116050" tIns="116050" rIns="116050" bIns="116050" anchor="t" anchorCtr="0">
             <a:noAutofit/>
           </a:bodyPr>
           <a:lstStyle>
-            <a:lvl1pPr indent="-374650" lvl="0" marL="457200" rtl="0">
+            <a:lvl1pPr marL="457200" lvl="0" indent="-374650" rtl="0">
               <a:spcBef>
                 <a:spcPts val="0"/>
               </a:spcBef>
@@ -6560,7 +6714,7 @@
                 </a:solidFill>
               </a:defRPr>
             </a:lvl1pPr>
-            <a:lvl2pPr indent="-342900" lvl="1" marL="914400" rtl="0">
+            <a:lvl2pPr marL="914400" lvl="1" indent="-342900" rtl="0">
               <a:spcBef>
                 <a:spcPts val="2000"/>
               </a:spcBef>
@@ -6578,7 +6732,7 @@
                 </a:solidFill>
               </a:defRPr>
             </a:lvl2pPr>
-            <a:lvl3pPr indent="-342900" lvl="2" marL="1371600" rtl="0">
+            <a:lvl3pPr marL="1371600" lvl="2" indent="-342900" rtl="0">
               <a:spcBef>
                 <a:spcPts val="2000"/>
               </a:spcBef>
@@ -6596,7 +6750,7 @@
                 </a:solidFill>
               </a:defRPr>
             </a:lvl3pPr>
-            <a:lvl4pPr indent="-342900" lvl="3" marL="1828800" rtl="0">
+            <a:lvl4pPr marL="1828800" lvl="3" indent="-342900" rtl="0">
               <a:spcBef>
                 <a:spcPts val="2000"/>
               </a:spcBef>
@@ -6614,7 +6768,7 @@
                 </a:solidFill>
               </a:defRPr>
             </a:lvl4pPr>
-            <a:lvl5pPr indent="-342900" lvl="4" marL="2286000" rtl="0">
+            <a:lvl5pPr marL="2286000" lvl="4" indent="-342900" rtl="0">
               <a:spcBef>
                 <a:spcPts val="2000"/>
               </a:spcBef>
@@ -6632,7 +6786,7 @@
                 </a:solidFill>
               </a:defRPr>
             </a:lvl5pPr>
-            <a:lvl6pPr indent="-342900" lvl="5" marL="2743200" rtl="0">
+            <a:lvl6pPr marL="2743200" lvl="5" indent="-342900" rtl="0">
               <a:spcBef>
                 <a:spcPts val="2000"/>
               </a:spcBef>
@@ -6650,7 +6804,7 @@
                 </a:solidFill>
               </a:defRPr>
             </a:lvl6pPr>
-            <a:lvl7pPr indent="-342900" lvl="6" marL="3200400" rtl="0">
+            <a:lvl7pPr marL="3200400" lvl="6" indent="-342900" rtl="0">
               <a:spcBef>
                 <a:spcPts val="2000"/>
               </a:spcBef>
@@ -6668,7 +6822,7 @@
                 </a:solidFill>
               </a:defRPr>
             </a:lvl7pPr>
-            <a:lvl8pPr indent="-342900" lvl="7" marL="3657600" rtl="0">
+            <a:lvl8pPr marL="3657600" lvl="7" indent="-342900" rtl="0">
               <a:spcBef>
                 <a:spcPts val="2000"/>
               </a:spcBef>
@@ -6686,7 +6840,7 @@
                 </a:solidFill>
               </a:defRPr>
             </a:lvl8pPr>
-            <a:lvl9pPr indent="-342900" lvl="8" marL="4114800" rtl="0">
+            <a:lvl9pPr marL="4114800" lvl="8" indent="-342900" rtl="0">
               <a:spcBef>
                 <a:spcPts val="2000"/>
               </a:spcBef>
@@ -6705,13 +6859,17 @@
               </a:defRPr>
             </a:lvl9pPr>
           </a:lstStyle>
-          <a:p/>
+          <a:p>
+            <a:endParaRPr/>
+          </a:p>
         </p:txBody>
       </p:sp>
       <p:sp>
         <p:nvSpPr>
           <p:cNvPr id="49" name="Google Shape;49;p9"/>
-          <p:cNvSpPr txBox="1"/>
+          <p:cNvSpPr txBox="1">
+            <a:spLocks noGrp="1"/>
+          </p:cNvSpPr>
           <p:nvPr>
             <p:ph type="title"/>
           </p:nvPr>
@@ -6726,7 +6884,7 @@
           </a:prstGeom>
         </p:spPr>
         <p:txBody>
-          <a:bodyPr anchorCtr="0" anchor="ctr" bIns="116050" lIns="116050" spcFirstLastPara="1" rIns="116050" wrap="square" tIns="116050">
+          <a:bodyPr spcFirstLastPara="1" wrap="square" lIns="116050" tIns="116050" rIns="116050" bIns="116050" anchor="ctr" anchorCtr="0">
             <a:noAutofit/>
           </a:bodyPr>
           <a:lstStyle>
@@ -6821,15 +6979,19 @@
               <a:defRPr/>
             </a:lvl9pPr>
           </a:lstStyle>
-          <a:p/>
+          <a:p>
+            <a:endParaRPr/>
+          </a:p>
         </p:txBody>
       </p:sp>
       <p:sp>
         <p:nvSpPr>
           <p:cNvPr id="50" name="Google Shape;50;p9"/>
-          <p:cNvSpPr txBox="1"/>
+          <p:cNvSpPr txBox="1">
+            <a:spLocks noGrp="1"/>
+          </p:cNvSpPr>
           <p:nvPr>
-            <p:ph idx="12" type="sldNum"/>
+            <p:ph type="sldNum" idx="12"/>
           </p:nvPr>
         </p:nvSpPr>
         <p:spPr>
@@ -6842,7 +7004,7 @@
           </a:prstGeom>
         </p:spPr>
         <p:txBody>
-          <a:bodyPr anchorCtr="0" anchor="t" bIns="116050" lIns="116050" spcFirstLastPara="1" rIns="116050" wrap="square" tIns="116050">
+          <a:bodyPr spcFirstLastPara="1" wrap="square" lIns="116050" tIns="116050" rIns="116050" bIns="116050" anchor="t" anchorCtr="0">
             <a:noAutofit/>
           </a:bodyPr>
           <a:lstStyle>
@@ -6956,7 +7118,7 @@
             </a:lvl9pPr>
           </a:lstStyle>
           <a:p>
-            <a:pPr indent="0" lvl="0" marL="0" rtl="0" algn="ctr">
+            <a:pPr marL="0" lvl="0" indent="0" algn="ctr" rtl="0">
               <a:spcBef>
                 <a:spcPts val="0"/>
               </a:spcBef>
@@ -6976,9 +7138,11 @@
       <p:sp>
         <p:nvSpPr>
           <p:cNvPr id="51" name="Google Shape;51;p9"/>
-          <p:cNvSpPr txBox="1"/>
+          <p:cNvSpPr txBox="1">
+            <a:spLocks noGrp="1"/>
+          </p:cNvSpPr>
           <p:nvPr>
-            <p:ph idx="2" type="body"/>
+            <p:ph type="body" idx="2"/>
           </p:nvPr>
         </p:nvSpPr>
         <p:spPr>
@@ -6994,11 +7158,11 @@
           </a:ln>
         </p:spPr>
         <p:txBody>
-          <a:bodyPr anchorCtr="0" anchor="t" bIns="116050" lIns="116050" spcFirstLastPara="1" rIns="116050" wrap="square" tIns="116050">
+          <a:bodyPr spcFirstLastPara="1" wrap="square" lIns="116050" tIns="116050" rIns="116050" bIns="116050" anchor="t" anchorCtr="0">
             <a:noAutofit/>
           </a:bodyPr>
           <a:lstStyle>
-            <a:lvl1pPr indent="-374650" lvl="0" marL="457200" rtl="0">
+            <a:lvl1pPr marL="457200" lvl="0" indent="-374650" rtl="0">
               <a:spcBef>
                 <a:spcPts val="0"/>
               </a:spcBef>
@@ -7016,7 +7180,7 @@
                 </a:solidFill>
               </a:defRPr>
             </a:lvl1pPr>
-            <a:lvl2pPr indent="-342900" lvl="1" marL="914400" rtl="0">
+            <a:lvl2pPr marL="914400" lvl="1" indent="-342900" rtl="0">
               <a:spcBef>
                 <a:spcPts val="2000"/>
               </a:spcBef>
@@ -7034,7 +7198,7 @@
                 </a:solidFill>
               </a:defRPr>
             </a:lvl2pPr>
-            <a:lvl3pPr indent="-342900" lvl="2" marL="1371600" rtl="0">
+            <a:lvl3pPr marL="1371600" lvl="2" indent="-342900" rtl="0">
               <a:spcBef>
                 <a:spcPts val="2000"/>
               </a:spcBef>
@@ -7052,7 +7216,7 @@
                 </a:solidFill>
               </a:defRPr>
             </a:lvl3pPr>
-            <a:lvl4pPr indent="-342900" lvl="3" marL="1828800" rtl="0">
+            <a:lvl4pPr marL="1828800" lvl="3" indent="-342900" rtl="0">
               <a:spcBef>
                 <a:spcPts val="2000"/>
               </a:spcBef>
@@ -7070,7 +7234,7 @@
                 </a:solidFill>
               </a:defRPr>
             </a:lvl4pPr>
-            <a:lvl5pPr indent="-342900" lvl="4" marL="2286000" rtl="0">
+            <a:lvl5pPr marL="2286000" lvl="4" indent="-342900" rtl="0">
               <a:spcBef>
                 <a:spcPts val="2000"/>
               </a:spcBef>
@@ -7088,7 +7252,7 @@
                 </a:solidFill>
               </a:defRPr>
             </a:lvl5pPr>
-            <a:lvl6pPr indent="-342900" lvl="5" marL="2743200" rtl="0">
+            <a:lvl6pPr marL="2743200" lvl="5" indent="-342900" rtl="0">
               <a:spcBef>
                 <a:spcPts val="2000"/>
               </a:spcBef>
@@ -7106,7 +7270,7 @@
                 </a:solidFill>
               </a:defRPr>
             </a:lvl6pPr>
-            <a:lvl7pPr indent="-342900" lvl="6" marL="3200400" rtl="0">
+            <a:lvl7pPr marL="3200400" lvl="6" indent="-342900" rtl="0">
               <a:spcBef>
                 <a:spcPts val="2000"/>
               </a:spcBef>
@@ -7124,7 +7288,7 @@
                 </a:solidFill>
               </a:defRPr>
             </a:lvl7pPr>
-            <a:lvl8pPr indent="-342900" lvl="7" marL="3657600" rtl="0">
+            <a:lvl8pPr marL="3657600" lvl="7" indent="-342900" rtl="0">
               <a:spcBef>
                 <a:spcPts val="2000"/>
               </a:spcBef>
@@ -7142,7 +7306,7 @@
                 </a:solidFill>
               </a:defRPr>
             </a:lvl8pPr>
-            <a:lvl9pPr indent="-342900" lvl="8" marL="4114800" rtl="0">
+            <a:lvl9pPr marL="4114800" lvl="8" indent="-342900" rtl="0">
               <a:spcBef>
                 <a:spcPts val="2000"/>
               </a:spcBef>
@@ -7161,15 +7325,19 @@
               </a:defRPr>
             </a:lvl9pPr>
           </a:lstStyle>
-          <a:p/>
+          <a:p>
+            <a:endParaRPr/>
+          </a:p>
         </p:txBody>
       </p:sp>
       <p:sp>
         <p:nvSpPr>
           <p:cNvPr id="52" name="Google Shape;52;p9"/>
-          <p:cNvSpPr txBox="1"/>
+          <p:cNvSpPr txBox="1">
+            <a:spLocks noGrp="1"/>
+          </p:cNvSpPr>
           <p:nvPr>
-            <p:ph idx="3" type="subTitle"/>
+            <p:ph type="subTitle" idx="3"/>
           </p:nvPr>
         </p:nvSpPr>
         <p:spPr>
@@ -7182,11 +7350,11 @@
           </a:prstGeom>
         </p:spPr>
         <p:txBody>
-          <a:bodyPr anchorCtr="0" anchor="ctr" bIns="116050" lIns="116050" spcFirstLastPara="1" rIns="0" wrap="square" tIns="116050">
+          <a:bodyPr spcFirstLastPara="1" wrap="square" lIns="116050" tIns="116050" rIns="0" bIns="116050" anchor="ctr" anchorCtr="0">
             <a:noAutofit/>
           </a:bodyPr>
           <a:lstStyle>
-            <a:lvl1pPr lvl="0" rtl="0" algn="r">
+            <a:lvl1pPr lvl="0" algn="r" rtl="0">
               <a:lnSpc>
                 <a:spcPct val="100000"/>
               </a:lnSpc>
@@ -7288,7 +7456,9 @@
               <a:defRPr/>
             </a:lvl9pPr>
           </a:lstStyle>
-          <a:p/>
+          <a:p>
+            <a:endParaRPr/>
+          </a:p>
         </p:txBody>
       </p:sp>
     </p:spTree>
@@ -7300,11 +7470,11 @@
 </file>
 
 <file path=ppt/slideLayouts/slideLayout9.xml><?xml version="1.0" encoding="utf-8"?>
-<p:sldLayout xmlns:a="http://schemas.openxmlformats.org/drawingml/2006/main" xmlns:r="http://schemas.openxmlformats.org/officeDocument/2006/relationships" xmlns:mc="http://schemas.openxmlformats.org/markup-compatibility/2006" xmlns:mv="urn:schemas-microsoft-com:mac:vml" xmlns:p="http://schemas.openxmlformats.org/presentationml/2006/main" xmlns:c="http://schemas.openxmlformats.org/drawingml/2006/chart" xmlns:dgm="http://schemas.openxmlformats.org/drawingml/2006/diagram" xmlns:o="urn:schemas-microsoft-com:office:office" xmlns:v="urn:schemas-microsoft-com:vml" xmlns:pvml="urn:schemas-microsoft-com:office:powerpoint" xmlns:com="http://schemas.openxmlformats.org/drawingml/2006/compatibility" xmlns:p14="http://schemas.microsoft.com/office/powerpoint/2010/main" xmlns:p15="http://schemas.microsoft.com/office/powerpoint/2012/main" xmlns:ahyp="http://schemas.microsoft.com/office/drawing/2018/hyperlinkcolor" matchingName="Text or Images 1:1:1">
+<p:sldLayout xmlns:a="http://schemas.openxmlformats.org/drawingml/2006/main" xmlns:r="http://schemas.openxmlformats.org/officeDocument/2006/relationships" xmlns:p="http://schemas.openxmlformats.org/presentationml/2006/main" matchingName="Text or Images 1:1:1">
   <p:cSld name="TITLE_4_1_1_1_3_1_1_1_1_1_1">
     <p:spTree>
       <p:nvGrpSpPr>
-        <p:cNvPr id="53" name="Shape 53"/>
+        <p:cNvPr id="1" name="Shape 53"/>
         <p:cNvGrpSpPr/>
         <p:nvPr/>
       </p:nvGrpSpPr>
@@ -7319,9 +7489,11 @@
       <p:sp>
         <p:nvSpPr>
           <p:cNvPr id="54" name="Google Shape;54;p10"/>
-          <p:cNvSpPr txBox="1"/>
+          <p:cNvSpPr txBox="1">
+            <a:spLocks noGrp="1"/>
+          </p:cNvSpPr>
           <p:nvPr>
-            <p:ph idx="1" type="body"/>
+            <p:ph type="body" idx="1"/>
           </p:nvPr>
         </p:nvSpPr>
         <p:spPr>
@@ -7337,11 +7509,11 @@
           </a:ln>
         </p:spPr>
         <p:txBody>
-          <a:bodyPr anchorCtr="0" anchor="t" bIns="116050" lIns="116050" spcFirstLastPara="1" rIns="116050" wrap="square" tIns="116050">
+          <a:bodyPr spcFirstLastPara="1" wrap="square" lIns="116050" tIns="116050" rIns="116050" bIns="116050" anchor="t" anchorCtr="0">
             <a:noAutofit/>
           </a:bodyPr>
           <a:lstStyle>
-            <a:lvl1pPr indent="-374650" lvl="0" marL="457200" rtl="0">
+            <a:lvl1pPr marL="457200" lvl="0" indent="-374650" rtl="0">
               <a:spcBef>
                 <a:spcPts val="0"/>
               </a:spcBef>
@@ -7359,7 +7531,7 @@
                 </a:solidFill>
               </a:defRPr>
             </a:lvl1pPr>
-            <a:lvl2pPr indent="-342900" lvl="1" marL="914400" rtl="0">
+            <a:lvl2pPr marL="914400" lvl="1" indent="-342900" rtl="0">
               <a:spcBef>
                 <a:spcPts val="2000"/>
               </a:spcBef>
@@ -7377,7 +7549,7 @@
                 </a:solidFill>
               </a:defRPr>
             </a:lvl2pPr>
-            <a:lvl3pPr indent="-342900" lvl="2" marL="1371600" rtl="0">
+            <a:lvl3pPr marL="1371600" lvl="2" indent="-342900" rtl="0">
               <a:spcBef>
                 <a:spcPts val="2000"/>
               </a:spcBef>
@@ -7395,7 +7567,7 @@
                 </a:solidFill>
               </a:defRPr>
             </a:lvl3pPr>
-            <a:lvl4pPr indent="-342900" lvl="3" marL="1828800" rtl="0">
+            <a:lvl4pPr marL="1828800" lvl="3" indent="-342900" rtl="0">
               <a:spcBef>
                 <a:spcPts val="2000"/>
               </a:spcBef>
@@ -7413,7 +7585,7 @@
                 </a:solidFill>
               </a:defRPr>
             </a:lvl4pPr>
-            <a:lvl5pPr indent="-342900" lvl="4" marL="2286000" rtl="0">
+            <a:lvl5pPr marL="2286000" lvl="4" indent="-342900" rtl="0">
               <a:spcBef>
                 <a:spcPts val="2000"/>
               </a:spcBef>
@@ -7431,7 +7603,7 @@
                 </a:solidFill>
               </a:defRPr>
             </a:lvl5pPr>
-            <a:lvl6pPr indent="-342900" lvl="5" marL="2743200" rtl="0">
+            <a:lvl6pPr marL="2743200" lvl="5" indent="-342900" rtl="0">
               <a:spcBef>
                 <a:spcPts val="2000"/>
               </a:spcBef>
@@ -7449,7 +7621,7 @@
                 </a:solidFill>
               </a:defRPr>
             </a:lvl6pPr>
-            <a:lvl7pPr indent="-342900" lvl="6" marL="3200400" rtl="0">
+            <a:lvl7pPr marL="3200400" lvl="6" indent="-342900" rtl="0">
               <a:spcBef>
                 <a:spcPts val="2000"/>
               </a:spcBef>
@@ -7467,7 +7639,7 @@
                 </a:solidFill>
               </a:defRPr>
             </a:lvl7pPr>
-            <a:lvl8pPr indent="-342900" lvl="7" marL="3657600" rtl="0">
+            <a:lvl8pPr marL="3657600" lvl="7" indent="-342900" rtl="0">
               <a:spcBef>
                 <a:spcPts val="2000"/>
               </a:spcBef>
@@ -7485,7 +7657,7 @@
                 </a:solidFill>
               </a:defRPr>
             </a:lvl8pPr>
-            <a:lvl9pPr indent="-342900" lvl="8" marL="4114800" rtl="0">
+            <a:lvl9pPr marL="4114800" lvl="8" indent="-342900" rtl="0">
               <a:spcBef>
                 <a:spcPts val="2000"/>
               </a:spcBef>
@@ -7504,13 +7676,17 @@
               </a:defRPr>
             </a:lvl9pPr>
           </a:lstStyle>
-          <a:p/>
+          <a:p>
+            <a:endParaRPr/>
+          </a:p>
         </p:txBody>
       </p:sp>
       <p:sp>
         <p:nvSpPr>
           <p:cNvPr id="55" name="Google Shape;55;p10"/>
-          <p:cNvSpPr txBox="1"/>
+          <p:cNvSpPr txBox="1">
+            <a:spLocks noGrp="1"/>
+          </p:cNvSpPr>
           <p:nvPr>
             <p:ph type="title"/>
           </p:nvPr>
@@ -7525,7 +7701,7 @@
           </a:prstGeom>
         </p:spPr>
         <p:txBody>
-          <a:bodyPr anchorCtr="0" anchor="ctr" bIns="116050" lIns="116050" spcFirstLastPara="1" rIns="116050" wrap="square" tIns="116050">
+          <a:bodyPr spcFirstLastPara="1" wrap="square" lIns="116050" tIns="116050" rIns="116050" bIns="116050" anchor="ctr" anchorCtr="0">
             <a:noAutofit/>
           </a:bodyPr>
           <a:lstStyle>
@@ -7620,15 +7796,19 @@
               <a:defRPr/>
             </a:lvl9pPr>
           </a:lstStyle>
-          <a:p/>
+          <a:p>
+            <a:endParaRPr/>
+          </a:p>
         </p:txBody>
       </p:sp>
       <p:sp>
         <p:nvSpPr>
           <p:cNvPr id="56" name="Google Shape;56;p10"/>
-          <p:cNvSpPr txBox="1"/>
+          <p:cNvSpPr txBox="1">
+            <a:spLocks noGrp="1"/>
+          </p:cNvSpPr>
           <p:nvPr>
-            <p:ph idx="12" type="sldNum"/>
+            <p:ph type="sldNum" idx="12"/>
           </p:nvPr>
         </p:nvSpPr>
         <p:spPr>
@@ -7641,7 +7821,7 @@
           </a:prstGeom>
         </p:spPr>
         <p:txBody>
-          <a:bodyPr anchorCtr="0" anchor="t" bIns="116050" lIns="116050" spcFirstLastPara="1" rIns="116050" wrap="square" tIns="116050">
+          <a:bodyPr spcFirstLastPara="1" wrap="square" lIns="116050" tIns="116050" rIns="116050" bIns="116050" anchor="t" anchorCtr="0">
             <a:noAutofit/>
           </a:bodyPr>
           <a:lstStyle>
@@ -7755,7 +7935,7 @@
             </a:lvl9pPr>
           </a:lstStyle>
           <a:p>
-            <a:pPr indent="0" lvl="0" marL="0" rtl="0" algn="ctr">
+            <a:pPr marL="0" lvl="0" indent="0" algn="ctr" rtl="0">
               <a:spcBef>
                 <a:spcPts val="0"/>
               </a:spcBef>
@@ -7775,9 +7955,11 @@
       <p:sp>
         <p:nvSpPr>
           <p:cNvPr id="57" name="Google Shape;57;p10"/>
-          <p:cNvSpPr txBox="1"/>
+          <p:cNvSpPr txBox="1">
+            <a:spLocks noGrp="1"/>
+          </p:cNvSpPr>
           <p:nvPr>
-            <p:ph idx="2" type="body"/>
+            <p:ph type="body" idx="2"/>
           </p:nvPr>
         </p:nvSpPr>
         <p:spPr>
@@ -7793,11 +7975,11 @@
           </a:ln>
         </p:spPr>
         <p:txBody>
-          <a:bodyPr anchorCtr="0" anchor="t" bIns="116050" lIns="116050" spcFirstLastPara="1" rIns="116050" wrap="square" tIns="116050">
+          <a:bodyPr spcFirstLastPara="1" wrap="square" lIns="116050" tIns="116050" rIns="116050" bIns="116050" anchor="t" anchorCtr="0">
             <a:noAutofit/>
           </a:bodyPr>
           <a:lstStyle>
-            <a:lvl1pPr indent="-374650" lvl="0" marL="457200" rtl="0">
+            <a:lvl1pPr marL="457200" lvl="0" indent="-374650" rtl="0">
               <a:spcBef>
                 <a:spcPts val="0"/>
               </a:spcBef>
@@ -7815,7 +7997,7 @@
                 </a:solidFill>
               </a:defRPr>
             </a:lvl1pPr>
-            <a:lvl2pPr indent="-342900" lvl="1" marL="914400" rtl="0">
+            <a:lvl2pPr marL="914400" lvl="1" indent="-342900" rtl="0">
               <a:spcBef>
                 <a:spcPts val="2000"/>
               </a:spcBef>
@@ -7833,7 +8015,7 @@
                 </a:solidFill>
               </a:defRPr>
             </a:lvl2pPr>
-            <a:lvl3pPr indent="-342900" lvl="2" marL="1371600" rtl="0">
+            <a:lvl3pPr marL="1371600" lvl="2" indent="-342900" rtl="0">
               <a:spcBef>
                 <a:spcPts val="2000"/>
               </a:spcBef>
@@ -7851,7 +8033,7 @@
                 </a:solidFill>
               </a:defRPr>
             </a:lvl3pPr>
-            <a:lvl4pPr indent="-342900" lvl="3" marL="1828800" rtl="0">
+            <a:lvl4pPr marL="1828800" lvl="3" indent="-342900" rtl="0">
               <a:spcBef>
                 <a:spcPts val="2000"/>
               </a:spcBef>
@@ -7869,7 +8051,7 @@
                 </a:solidFill>
               </a:defRPr>
             </a:lvl4pPr>
-            <a:lvl5pPr indent="-342900" lvl="4" marL="2286000" rtl="0">
+            <a:lvl5pPr marL="2286000" lvl="4" indent="-342900" rtl="0">
               <a:spcBef>
                 <a:spcPts val="2000"/>
               </a:spcBef>
@@ -7887,7 +8069,7 @@
                 </a:solidFill>
               </a:defRPr>
             </a:lvl5pPr>
-            <a:lvl6pPr indent="-342900" lvl="5" marL="2743200" rtl="0">
+            <a:lvl6pPr marL="2743200" lvl="5" indent="-342900" rtl="0">
               <a:spcBef>
                 <a:spcPts val="2000"/>
               </a:spcBef>
@@ -7905,7 +8087,7 @@
                 </a:solidFill>
               </a:defRPr>
             </a:lvl6pPr>
-            <a:lvl7pPr indent="-342900" lvl="6" marL="3200400" rtl="0">
+            <a:lvl7pPr marL="3200400" lvl="6" indent="-342900" rtl="0">
               <a:spcBef>
                 <a:spcPts val="2000"/>
               </a:spcBef>
@@ -7923,7 +8105,7 @@
                 </a:solidFill>
               </a:defRPr>
             </a:lvl7pPr>
-            <a:lvl8pPr indent="-342900" lvl="7" marL="3657600" rtl="0">
+            <a:lvl8pPr marL="3657600" lvl="7" indent="-342900" rtl="0">
               <a:spcBef>
                 <a:spcPts val="2000"/>
               </a:spcBef>
@@ -7941,7 +8123,7 @@
                 </a:solidFill>
               </a:defRPr>
             </a:lvl8pPr>
-            <a:lvl9pPr indent="-342900" lvl="8" marL="4114800" rtl="0">
+            <a:lvl9pPr marL="4114800" lvl="8" indent="-342900" rtl="0">
               <a:spcBef>
                 <a:spcPts val="2000"/>
               </a:spcBef>
@@ -7960,15 +8142,19 @@
               </a:defRPr>
             </a:lvl9pPr>
           </a:lstStyle>
-          <a:p/>
+          <a:p>
+            <a:endParaRPr/>
+          </a:p>
         </p:txBody>
       </p:sp>
       <p:sp>
         <p:nvSpPr>
           <p:cNvPr id="58" name="Google Shape;58;p10"/>
-          <p:cNvSpPr txBox="1"/>
+          <p:cNvSpPr txBox="1">
+            <a:spLocks noGrp="1"/>
+          </p:cNvSpPr>
           <p:nvPr>
-            <p:ph idx="3" type="subTitle"/>
+            <p:ph type="subTitle" idx="3"/>
           </p:nvPr>
         </p:nvSpPr>
         <p:spPr>
@@ -7981,11 +8167,11 @@
           </a:prstGeom>
         </p:spPr>
         <p:txBody>
-          <a:bodyPr anchorCtr="0" anchor="ctr" bIns="116050" lIns="116050" spcFirstLastPara="1" rIns="0" wrap="square" tIns="116050">
+          <a:bodyPr spcFirstLastPara="1" wrap="square" lIns="116050" tIns="116050" rIns="0" bIns="116050" anchor="ctr" anchorCtr="0">
             <a:noAutofit/>
           </a:bodyPr>
           <a:lstStyle>
-            <a:lvl1pPr lvl="0" rtl="0" algn="r">
+            <a:lvl1pPr lvl="0" algn="r" rtl="0">
               <a:lnSpc>
                 <a:spcPct val="100000"/>
               </a:lnSpc>
@@ -8087,15 +8273,19 @@
               <a:defRPr/>
             </a:lvl9pPr>
           </a:lstStyle>
-          <a:p/>
+          <a:p>
+            <a:endParaRPr/>
+          </a:p>
         </p:txBody>
       </p:sp>
       <p:sp>
         <p:nvSpPr>
           <p:cNvPr id="59" name="Google Shape;59;p10"/>
-          <p:cNvSpPr txBox="1"/>
+          <p:cNvSpPr txBox="1">
+            <a:spLocks noGrp="1"/>
+          </p:cNvSpPr>
           <p:nvPr>
-            <p:ph idx="4" type="body"/>
+            <p:ph type="body" idx="4"/>
           </p:nvPr>
         </p:nvSpPr>
         <p:spPr>
@@ -8111,11 +8301,11 @@
           </a:ln>
         </p:spPr>
         <p:txBody>
-          <a:bodyPr anchorCtr="0" anchor="t" bIns="116050" lIns="116050" spcFirstLastPara="1" rIns="116050" wrap="square" tIns="116050">
+          <a:bodyPr spcFirstLastPara="1" wrap="square" lIns="116050" tIns="116050" rIns="116050" bIns="116050" anchor="t" anchorCtr="0">
             <a:noAutofit/>
           </a:bodyPr>
           <a:lstStyle>
-            <a:lvl1pPr indent="-374650" lvl="0" marL="457200" rtl="0">
+            <a:lvl1pPr marL="457200" lvl="0" indent="-374650" rtl="0">
               <a:spcBef>
                 <a:spcPts val="0"/>
               </a:spcBef>
@@ -8133,7 +8323,7 @@
                 </a:solidFill>
               </a:defRPr>
             </a:lvl1pPr>
-            <a:lvl2pPr indent="-342900" lvl="1" marL="914400" rtl="0">
+            <a:lvl2pPr marL="914400" lvl="1" indent="-342900" rtl="0">
               <a:spcBef>
                 <a:spcPts val="2000"/>
               </a:spcBef>
@@ -8151,7 +8341,7 @@
                 </a:solidFill>
               </a:defRPr>
             </a:lvl2pPr>
-            <a:lvl3pPr indent="-342900" lvl="2" marL="1371600" rtl="0">
+            <a:lvl3pPr marL="1371600" lvl="2" indent="-342900" rtl="0">
               <a:spcBef>
                 <a:spcPts val="2000"/>
               </a:spcBef>
@@ -8169,7 +8359,7 @@
                 </a:solidFill>
               </a:defRPr>
             </a:lvl3pPr>
-            <a:lvl4pPr indent="-342900" lvl="3" marL="1828800" rtl="0">
+            <a:lvl4pPr marL="1828800" lvl="3" indent="-342900" rtl="0">
               <a:spcBef>
                 <a:spcPts val="2000"/>
               </a:spcBef>
@@ -8187,7 +8377,7 @@
                 </a:solidFill>
               </a:defRPr>
             </a:lvl4pPr>
-            <a:lvl5pPr indent="-342900" lvl="4" marL="2286000" rtl="0">
+            <a:lvl5pPr marL="2286000" lvl="4" indent="-342900" rtl="0">
               <a:spcBef>
                 <a:spcPts val="2000"/>
               </a:spcBef>
@@ -8205,7 +8395,7 @@
                 </a:solidFill>
               </a:defRPr>
             </a:lvl5pPr>
-            <a:lvl6pPr indent="-342900" lvl="5" marL="2743200" rtl="0">
+            <a:lvl6pPr marL="2743200" lvl="5" indent="-342900" rtl="0">
               <a:spcBef>
                 <a:spcPts val="2000"/>
               </a:spcBef>
@@ -8223,7 +8413,7 @@
                 </a:solidFill>
               </a:defRPr>
             </a:lvl6pPr>
-            <a:lvl7pPr indent="-342900" lvl="6" marL="3200400" rtl="0">
+            <a:lvl7pPr marL="3200400" lvl="6" indent="-342900" rtl="0">
               <a:spcBef>
                 <a:spcPts val="2000"/>
               </a:spcBef>
@@ -8241,7 +8431,7 @@
                 </a:solidFill>
               </a:defRPr>
             </a:lvl7pPr>
-            <a:lvl8pPr indent="-342900" lvl="7" marL="3657600" rtl="0">
+            <a:lvl8pPr marL="3657600" lvl="7" indent="-342900" rtl="0">
               <a:spcBef>
                 <a:spcPts val="2000"/>
               </a:spcBef>
@@ -8259,7 +8449,7 @@
                 </a:solidFill>
               </a:defRPr>
             </a:lvl8pPr>
-            <a:lvl9pPr indent="-342900" lvl="8" marL="4114800" rtl="0">
+            <a:lvl9pPr marL="4114800" lvl="8" indent="-342900" rtl="0">
               <a:spcBef>
                 <a:spcPts val="2000"/>
               </a:spcBef>
@@ -8278,7 +8468,9 @@
               </a:defRPr>
             </a:lvl9pPr>
           </a:lstStyle>
-          <a:p/>
+          <a:p>
+            <a:endParaRPr/>
+          </a:p>
         </p:txBody>
       </p:sp>
     </p:spTree>
@@ -8290,18 +8482,19 @@
 </file>
 
 <file path=ppt/slideMasters/slideMaster1.xml><?xml version="1.0" encoding="utf-8"?>
-<p:sldMaster xmlns:a="http://schemas.openxmlformats.org/drawingml/2006/main" xmlns:r="http://schemas.openxmlformats.org/officeDocument/2006/relationships" xmlns:mc="http://schemas.openxmlformats.org/markup-compatibility/2006" xmlns:mv="urn:schemas-microsoft-com:mac:vml" xmlns:p="http://schemas.openxmlformats.org/presentationml/2006/main" xmlns:c="http://schemas.openxmlformats.org/drawingml/2006/chart" xmlns:dgm="http://schemas.openxmlformats.org/drawingml/2006/diagram" xmlns:o="urn:schemas-microsoft-com:office:office" xmlns:v="urn:schemas-microsoft-com:vml" xmlns:pvml="urn:schemas-microsoft-com:office:powerpoint" xmlns:com="http://schemas.openxmlformats.org/drawingml/2006/compatibility" xmlns:p14="http://schemas.microsoft.com/office/powerpoint/2010/main" xmlns:p15="http://schemas.microsoft.com/office/powerpoint/2012/main" xmlns:ahyp="http://schemas.microsoft.com/office/drawing/2018/hyperlinkcolor">
+<p:sldMaster xmlns:a="http://schemas.openxmlformats.org/drawingml/2006/main" xmlns:r="http://schemas.openxmlformats.org/officeDocument/2006/relationships" xmlns:p="http://schemas.openxmlformats.org/presentationml/2006/main">
   <p:cSld name="simple-light-2">
     <p:bg>
       <p:bgPr>
         <a:solidFill>
           <a:schemeClr val="lt1"/>
         </a:solidFill>
+        <a:effectLst/>
       </p:bgPr>
     </p:bg>
     <p:spTree>
       <p:nvGrpSpPr>
-        <p:cNvPr id="5" name="Shape 5"/>
+        <p:cNvPr id="1" name="Shape 5"/>
         <p:cNvGrpSpPr/>
         <p:nvPr/>
       </p:nvGrpSpPr>
@@ -8316,7 +8509,9 @@
       <p:sp>
         <p:nvSpPr>
           <p:cNvPr id="6" name="Google Shape;6;p1"/>
-          <p:cNvSpPr txBox="1"/>
+          <p:cNvSpPr txBox="1">
+            <a:spLocks noGrp="1"/>
+          </p:cNvSpPr>
           <p:nvPr>
             <p:ph type="title"/>
           </p:nvPr>
@@ -8335,7 +8530,7 @@
           </a:ln>
         </p:spPr>
         <p:txBody>
-          <a:bodyPr anchorCtr="0" anchor="ctr" bIns="116050" lIns="116050" spcFirstLastPara="1" rIns="116050" wrap="square" tIns="116050">
+          <a:bodyPr spcFirstLastPara="1" wrap="square" lIns="116050" tIns="116050" rIns="116050" bIns="116050" anchor="ctr" anchorCtr="0">
             <a:noAutofit/>
           </a:bodyPr>
           <a:lstStyle>
@@ -8352,7 +8547,7 @@
               <a:buSzPts val="3600"/>
               <a:buFont typeface="Quicksand"/>
               <a:buNone/>
-              <a:defRPr b="1" sz="3600">
+              <a:defRPr sz="3600" b="1">
                 <a:solidFill>
                   <a:schemeClr val="accent6"/>
                 </a:solidFill>
@@ -8507,15 +8702,19 @@
               </a:defRPr>
             </a:lvl9pPr>
           </a:lstStyle>
-          <a:p/>
+          <a:p>
+            <a:endParaRPr/>
+          </a:p>
         </p:txBody>
       </p:sp>
       <p:sp>
         <p:nvSpPr>
           <p:cNvPr id="7" name="Google Shape;7;p1"/>
-          <p:cNvSpPr txBox="1"/>
+          <p:cNvSpPr txBox="1">
+            <a:spLocks noGrp="1"/>
+          </p:cNvSpPr>
           <p:nvPr>
-            <p:ph idx="1" type="body"/>
+            <p:ph type="body" idx="1"/>
           </p:nvPr>
         </p:nvSpPr>
         <p:spPr>
@@ -8532,11 +8731,11 @@
           </a:ln>
         </p:spPr>
         <p:txBody>
-          <a:bodyPr anchorCtr="0" anchor="t" bIns="116050" lIns="116050" spcFirstLastPara="1" rIns="116050" wrap="square" tIns="116050">
+          <a:bodyPr spcFirstLastPara="1" wrap="square" lIns="116050" tIns="116050" rIns="116050" bIns="116050" anchor="t" anchorCtr="0">
             <a:noAutofit/>
           </a:bodyPr>
           <a:lstStyle>
-            <a:lvl1pPr indent="-374650" lvl="0" marL="457200" rtl="0">
+            <a:lvl1pPr marL="457200" lvl="0" indent="-374650" rtl="0">
               <a:lnSpc>
                 <a:spcPct val="115000"/>
               </a:lnSpc>
@@ -8562,7 +8761,7 @@
                 <a:sym typeface="Quicksand"/>
               </a:defRPr>
             </a:lvl1pPr>
-            <a:lvl2pPr indent="-342900" lvl="1" marL="914400" rtl="0">
+            <a:lvl2pPr marL="914400" lvl="1" indent="-342900" rtl="0">
               <a:lnSpc>
                 <a:spcPct val="115000"/>
               </a:lnSpc>
@@ -8588,7 +8787,7 @@
                 <a:sym typeface="Quicksand"/>
               </a:defRPr>
             </a:lvl2pPr>
-            <a:lvl3pPr indent="-342900" lvl="2" marL="1371600" rtl="0">
+            <a:lvl3pPr marL="1371600" lvl="2" indent="-342900" rtl="0">
               <a:lnSpc>
                 <a:spcPct val="115000"/>
               </a:lnSpc>
@@ -8614,7 +8813,7 @@
                 <a:sym typeface="Quicksand"/>
               </a:defRPr>
             </a:lvl3pPr>
-            <a:lvl4pPr indent="-342900" lvl="3" marL="1828800" rtl="0">
+            <a:lvl4pPr marL="1828800" lvl="3" indent="-342900" rtl="0">
               <a:lnSpc>
                 <a:spcPct val="115000"/>
               </a:lnSpc>
@@ -8640,7 +8839,7 @@
                 <a:sym typeface="Quicksand"/>
               </a:defRPr>
             </a:lvl4pPr>
-            <a:lvl5pPr indent="-342900" lvl="4" marL="2286000" rtl="0">
+            <a:lvl5pPr marL="2286000" lvl="4" indent="-342900" rtl="0">
               <a:lnSpc>
                 <a:spcPct val="115000"/>
               </a:lnSpc>
@@ -8666,7 +8865,7 @@
                 <a:sym typeface="Quicksand"/>
               </a:defRPr>
             </a:lvl5pPr>
-            <a:lvl6pPr indent="-342900" lvl="5" marL="2743200" rtl="0">
+            <a:lvl6pPr marL="2743200" lvl="5" indent="-342900" rtl="0">
               <a:lnSpc>
                 <a:spcPct val="115000"/>
               </a:lnSpc>
@@ -8692,7 +8891,7 @@
                 <a:sym typeface="Quicksand"/>
               </a:defRPr>
             </a:lvl6pPr>
-            <a:lvl7pPr indent="-342900" lvl="6" marL="3200400" rtl="0">
+            <a:lvl7pPr marL="3200400" lvl="6" indent="-342900" rtl="0">
               <a:lnSpc>
                 <a:spcPct val="115000"/>
               </a:lnSpc>
@@ -8718,7 +8917,7 @@
                 <a:sym typeface="Quicksand"/>
               </a:defRPr>
             </a:lvl7pPr>
-            <a:lvl8pPr indent="-342900" lvl="7" marL="3657600" rtl="0">
+            <a:lvl8pPr marL="3657600" lvl="7" indent="-342900" rtl="0">
               <a:lnSpc>
                 <a:spcPct val="115000"/>
               </a:lnSpc>
@@ -8744,7 +8943,7 @@
                 <a:sym typeface="Quicksand"/>
               </a:defRPr>
             </a:lvl8pPr>
-            <a:lvl9pPr indent="-342900" lvl="8" marL="4114800" rtl="0">
+            <a:lvl9pPr marL="4114800" lvl="8" indent="-342900" rtl="0">
               <a:lnSpc>
                 <a:spcPct val="115000"/>
               </a:lnSpc>
@@ -8771,15 +8970,19 @@
               </a:defRPr>
             </a:lvl9pPr>
           </a:lstStyle>
-          <a:p/>
+          <a:p>
+            <a:endParaRPr/>
+          </a:p>
         </p:txBody>
       </p:sp>
       <p:sp>
         <p:nvSpPr>
           <p:cNvPr id="8" name="Google Shape;8;p1"/>
-          <p:cNvSpPr txBox="1"/>
+          <p:cNvSpPr txBox="1">
+            <a:spLocks noGrp="1"/>
+          </p:cNvSpPr>
           <p:nvPr>
-            <p:ph idx="12" type="sldNum"/>
+            <p:ph type="sldNum" idx="12"/>
           </p:nvPr>
         </p:nvSpPr>
         <p:spPr>
@@ -8796,11 +8999,11 @@
           </a:ln>
         </p:spPr>
         <p:txBody>
-          <a:bodyPr anchorCtr="0" anchor="ctr" bIns="116050" lIns="116050" spcFirstLastPara="1" rIns="116050" wrap="square" tIns="116050">
+          <a:bodyPr spcFirstLastPara="1" wrap="square" lIns="116050" tIns="116050" rIns="116050" bIns="116050" anchor="ctr" anchorCtr="0">
             <a:noAutofit/>
           </a:bodyPr>
           <a:lstStyle>
-            <a:lvl1pPr lvl="0" rtl="0" algn="ctr">
+            <a:lvl1pPr lvl="0" algn="ctr" rtl="0">
               <a:buNone/>
               <a:defRPr sz="1000">
                 <a:solidFill>
@@ -8812,7 +9015,7 @@
                 <a:sym typeface="Quicksand Medium"/>
               </a:defRPr>
             </a:lvl1pPr>
-            <a:lvl2pPr lvl="1" rtl="0" algn="ctr">
+            <a:lvl2pPr lvl="1" algn="ctr" rtl="0">
               <a:buNone/>
               <a:defRPr sz="1000">
                 <a:solidFill>
@@ -8824,7 +9027,7 @@
                 <a:sym typeface="Quicksand Medium"/>
               </a:defRPr>
             </a:lvl2pPr>
-            <a:lvl3pPr lvl="2" rtl="0" algn="ctr">
+            <a:lvl3pPr lvl="2" algn="ctr" rtl="0">
               <a:buNone/>
               <a:defRPr sz="1000">
                 <a:solidFill>
@@ -8836,7 +9039,7 @@
                 <a:sym typeface="Quicksand Medium"/>
               </a:defRPr>
             </a:lvl3pPr>
-            <a:lvl4pPr lvl="3" rtl="0" algn="ctr">
+            <a:lvl4pPr lvl="3" algn="ctr" rtl="0">
               <a:buNone/>
               <a:defRPr sz="1000">
                 <a:solidFill>
@@ -8848,7 +9051,7 @@
                 <a:sym typeface="Quicksand Medium"/>
               </a:defRPr>
             </a:lvl4pPr>
-            <a:lvl5pPr lvl="4" rtl="0" algn="ctr">
+            <a:lvl5pPr lvl="4" algn="ctr" rtl="0">
               <a:buNone/>
               <a:defRPr sz="1000">
                 <a:solidFill>
@@ -8860,7 +9063,7 @@
                 <a:sym typeface="Quicksand Medium"/>
               </a:defRPr>
             </a:lvl5pPr>
-            <a:lvl6pPr lvl="5" rtl="0" algn="ctr">
+            <a:lvl6pPr lvl="5" algn="ctr" rtl="0">
               <a:buNone/>
               <a:defRPr sz="1000">
                 <a:solidFill>
@@ -8872,7 +9075,7 @@
                 <a:sym typeface="Quicksand Medium"/>
               </a:defRPr>
             </a:lvl6pPr>
-            <a:lvl7pPr lvl="6" rtl="0" algn="ctr">
+            <a:lvl7pPr lvl="6" algn="ctr" rtl="0">
               <a:buNone/>
               <a:defRPr sz="1000">
                 <a:solidFill>
@@ -8884,7 +9087,7 @@
                 <a:sym typeface="Quicksand Medium"/>
               </a:defRPr>
             </a:lvl7pPr>
-            <a:lvl8pPr lvl="7" rtl="0" algn="ctr">
+            <a:lvl8pPr lvl="7" algn="ctr" rtl="0">
               <a:buNone/>
               <a:defRPr sz="1000">
                 <a:solidFill>
@@ -8896,7 +9099,7 @@
                 <a:sym typeface="Quicksand Medium"/>
               </a:defRPr>
             </a:lvl8pPr>
-            <a:lvl9pPr lvl="8" rtl="0" algn="ctr">
+            <a:lvl9pPr lvl="8" algn="ctr" rtl="0">
               <a:buNone/>
               <a:defRPr sz="1000">
                 <a:solidFill>
@@ -8910,7 +9113,7 @@
             </a:lvl9pPr>
           </a:lstStyle>
           <a:p>
-            <a:pPr indent="0" lvl="0" marL="0" rtl="0" algn="ctr">
+            <a:pPr marL="0" lvl="0" indent="0" algn="ctr" rtl="0">
               <a:spcBef>
                 <a:spcPts val="0"/>
               </a:spcBef>
@@ -8929,7 +9132,7 @@
       </p:sp>
     </p:spTree>
   </p:cSld>
-  <p:clrMap accent1="accent1" accent2="accent2" accent3="accent3" accent4="accent4" accent5="accent5" accent6="accent6" bg1="lt1" bg2="dk2" tx1="dk1" tx2="lt2" folHlink="folHlink" hlink="hlink"/>
+  <p:clrMap bg1="lt1" tx1="dk1" bg2="dk2" tx2="lt2" accent1="accent1" accent2="accent2" accent3="accent3" accent4="accent4" accent5="accent5" accent6="accent6" hlink="hlink" folHlink="folHlink"/>
   <p:sldLayoutIdLst>
     <p:sldLayoutId id="2147483648" r:id="rId1"/>
     <p:sldLayoutId id="2147483649" r:id="rId2"/>
@@ -8943,10 +9146,10 @@
     <p:sldLayoutId id="2147483657" r:id="rId10"/>
     <p:sldLayoutId id="2147483658" r:id="rId11"/>
   </p:sldLayoutIdLst>
-  <p:hf dt="0" ftr="0" hdr="0" sldNum="0"/>
+  <p:hf sldNum="0" hdr="0" ftr="0" dt="0"/>
   <p:txStyles>
     <p:titleStyle>
-      <a:defPPr lvl="0" marR="0" rtl="0" algn="l">
+      <a:defPPr marR="0" lvl="0" algn="l" rtl="0">
         <a:lnSpc>
           <a:spcPct val="100000"/>
         </a:lnSpc>
@@ -8957,7 +9160,7 @@
           <a:spcPts val="0"/>
         </a:spcAft>
       </a:defPPr>
-      <a:lvl1pPr lvl="0" marR="0" rtl="0" algn="l">
+      <a:lvl1pPr marR="0" lvl="0" algn="l" rtl="0">
         <a:lnSpc>
           <a:spcPct val="100000"/>
         </a:lnSpc>
@@ -8971,7 +9174,7 @@
           <a:srgbClr val="000000"/>
         </a:buClr>
         <a:buFont typeface="Arial"/>
-        <a:defRPr b="0" i="0" sz="1400" u="none" cap="none" strike="noStrike">
+        <a:defRPr sz="1400" b="0" i="0" u="none" strike="noStrike" cap="none">
           <a:solidFill>
             <a:srgbClr val="000000"/>
           </a:solidFill>
@@ -8981,7 +9184,7 @@
           <a:sym typeface="Arial"/>
         </a:defRPr>
       </a:lvl1pPr>
-      <a:lvl2pPr lvl="1" marR="0" rtl="0" algn="l">
+      <a:lvl2pPr marR="0" lvl="1" algn="l" rtl="0">
         <a:lnSpc>
           <a:spcPct val="100000"/>
         </a:lnSpc>
@@ -8995,7 +9198,7 @@
           <a:srgbClr val="000000"/>
         </a:buClr>
         <a:buFont typeface="Arial"/>
-        <a:defRPr b="0" i="0" sz="1400" u="none" cap="none" strike="noStrike">
+        <a:defRPr sz="1400" b="0" i="0" u="none" strike="noStrike" cap="none">
           <a:solidFill>
             <a:srgbClr val="000000"/>
           </a:solidFill>
@@ -9005,7 +9208,7 @@
           <a:sym typeface="Arial"/>
         </a:defRPr>
       </a:lvl2pPr>
-      <a:lvl3pPr lvl="2" marR="0" rtl="0" algn="l">
+      <a:lvl3pPr marR="0" lvl="2" algn="l" rtl="0">
         <a:lnSpc>
           <a:spcPct val="100000"/>
         </a:lnSpc>
@@ -9019,7 +9222,7 @@
           <a:srgbClr val="000000"/>
         </a:buClr>
         <a:buFont typeface="Arial"/>
-        <a:defRPr b="0" i="0" sz="1400" u="none" cap="none" strike="noStrike">
+        <a:defRPr sz="1400" b="0" i="0" u="none" strike="noStrike" cap="none">
           <a:solidFill>
             <a:srgbClr val="000000"/>
           </a:solidFill>
@@ -9029,7 +9232,7 @@
           <a:sym typeface="Arial"/>
         </a:defRPr>
       </a:lvl3pPr>
-      <a:lvl4pPr lvl="3" marR="0" rtl="0" algn="l">
+      <a:lvl4pPr marR="0" lvl="3" algn="l" rtl="0">
         <a:lnSpc>
           <a:spcPct val="100000"/>
         </a:lnSpc>
@@ -9043,7 +9246,7 @@
           <a:srgbClr val="000000"/>
         </a:buClr>
         <a:buFont typeface="Arial"/>
-        <a:defRPr b="0" i="0" sz="1400" u="none" cap="none" strike="noStrike">
+        <a:defRPr sz="1400" b="0" i="0" u="none" strike="noStrike" cap="none">
           <a:solidFill>
             <a:srgbClr val="000000"/>
           </a:solidFill>
@@ -9053,7 +9256,7 @@
           <a:sym typeface="Arial"/>
         </a:defRPr>
       </a:lvl4pPr>
-      <a:lvl5pPr lvl="4" marR="0" rtl="0" algn="l">
+      <a:lvl5pPr marR="0" lvl="4" algn="l" rtl="0">
         <a:lnSpc>
           <a:spcPct val="100000"/>
         </a:lnSpc>
@@ -9067,7 +9270,7 @@
           <a:srgbClr val="000000"/>
         </a:buClr>
         <a:buFont typeface="Arial"/>
-        <a:defRPr b="0" i="0" sz="1400" u="none" cap="none" strike="noStrike">
+        <a:defRPr sz="1400" b="0" i="0" u="none" strike="noStrike" cap="none">
           <a:solidFill>
             <a:srgbClr val="000000"/>
           </a:solidFill>
@@ -9077,7 +9280,7 @@
           <a:sym typeface="Arial"/>
         </a:defRPr>
       </a:lvl5pPr>
-      <a:lvl6pPr lvl="5" marR="0" rtl="0" algn="l">
+      <a:lvl6pPr marR="0" lvl="5" algn="l" rtl="0">
         <a:lnSpc>
           <a:spcPct val="100000"/>
         </a:lnSpc>
@@ -9091,7 +9294,7 @@
           <a:srgbClr val="000000"/>
         </a:buClr>
         <a:buFont typeface="Arial"/>
-        <a:defRPr b="0" i="0" sz="1400" u="none" cap="none" strike="noStrike">
+        <a:defRPr sz="1400" b="0" i="0" u="none" strike="noStrike" cap="none">
           <a:solidFill>
             <a:srgbClr val="000000"/>
           </a:solidFill>
@@ -9101,7 +9304,7 @@
           <a:sym typeface="Arial"/>
         </a:defRPr>
       </a:lvl6pPr>
-      <a:lvl7pPr lvl="6" marR="0" rtl="0" algn="l">
+      <a:lvl7pPr marR="0" lvl="6" algn="l" rtl="0">
         <a:lnSpc>
           <a:spcPct val="100000"/>
         </a:lnSpc>
@@ -9115,7 +9318,7 @@
           <a:srgbClr val="000000"/>
         </a:buClr>
         <a:buFont typeface="Arial"/>
-        <a:defRPr b="0" i="0" sz="1400" u="none" cap="none" strike="noStrike">
+        <a:defRPr sz="1400" b="0" i="0" u="none" strike="noStrike" cap="none">
           <a:solidFill>
             <a:srgbClr val="000000"/>
           </a:solidFill>
@@ -9125,7 +9328,7 @@
           <a:sym typeface="Arial"/>
         </a:defRPr>
       </a:lvl7pPr>
-      <a:lvl8pPr lvl="7" marR="0" rtl="0" algn="l">
+      <a:lvl8pPr marR="0" lvl="7" algn="l" rtl="0">
         <a:lnSpc>
           <a:spcPct val="100000"/>
         </a:lnSpc>
@@ -9139,7 +9342,7 @@
           <a:srgbClr val="000000"/>
         </a:buClr>
         <a:buFont typeface="Arial"/>
-        <a:defRPr b="0" i="0" sz="1400" u="none" cap="none" strike="noStrike">
+        <a:defRPr sz="1400" b="0" i="0" u="none" strike="noStrike" cap="none">
           <a:solidFill>
             <a:srgbClr val="000000"/>
           </a:solidFill>
@@ -9149,7 +9352,7 @@
           <a:sym typeface="Arial"/>
         </a:defRPr>
       </a:lvl8pPr>
-      <a:lvl9pPr lvl="8" marR="0" rtl="0" algn="l">
+      <a:lvl9pPr marR="0" lvl="8" algn="l" rtl="0">
         <a:lnSpc>
           <a:spcPct val="100000"/>
         </a:lnSpc>
@@ -9163,7 +9366,7 @@
           <a:srgbClr val="000000"/>
         </a:buClr>
         <a:buFont typeface="Arial"/>
-        <a:defRPr b="0" i="0" sz="1400" u="none" cap="none" strike="noStrike">
+        <a:defRPr sz="1400" b="0" i="0" u="none" strike="noStrike" cap="none">
           <a:solidFill>
             <a:srgbClr val="000000"/>
           </a:solidFill>
@@ -9175,7 +9378,7 @@
       </a:lvl9pPr>
     </p:titleStyle>
     <p:bodyStyle>
-      <a:defPPr lvl="0" marR="0" rtl="0" algn="l">
+      <a:defPPr marR="0" lvl="0" algn="l" rtl="0">
         <a:lnSpc>
           <a:spcPct val="100000"/>
         </a:lnSpc>
@@ -9186,7 +9389,7 @@
           <a:spcPts val="0"/>
         </a:spcAft>
       </a:defPPr>
-      <a:lvl1pPr lvl="0" marR="0" rtl="0" algn="l">
+      <a:lvl1pPr marR="0" lvl="0" algn="l" rtl="0">
         <a:lnSpc>
           <a:spcPct val="100000"/>
         </a:lnSpc>
@@ -9200,7 +9403,7 @@
           <a:srgbClr val="000000"/>
         </a:buClr>
         <a:buFont typeface="Arial"/>
-        <a:defRPr b="0" i="0" sz="1400" u="none" cap="none" strike="noStrike">
+        <a:defRPr sz="1400" b="0" i="0" u="none" strike="noStrike" cap="none">
           <a:solidFill>
             <a:srgbClr val="000000"/>
           </a:solidFill>
@@ -9210,7 +9413,7 @@
           <a:sym typeface="Arial"/>
         </a:defRPr>
       </a:lvl1pPr>
-      <a:lvl2pPr lvl="1" marR="0" rtl="0" algn="l">
+      <a:lvl2pPr marR="0" lvl="1" algn="l" rtl="0">
         <a:lnSpc>
           <a:spcPct val="100000"/>
         </a:lnSpc>
@@ -9224,7 +9427,7 @@
           <a:srgbClr val="000000"/>
         </a:buClr>
         <a:buFont typeface="Arial"/>
-        <a:defRPr b="0" i="0" sz="1400" u="none" cap="none" strike="noStrike">
+        <a:defRPr sz="1400" b="0" i="0" u="none" strike="noStrike" cap="none">
           <a:solidFill>
             <a:srgbClr val="000000"/>
           </a:solidFill>
@@ -9234,7 +9437,7 @@
           <a:sym typeface="Arial"/>
         </a:defRPr>
       </a:lvl2pPr>
-      <a:lvl3pPr lvl="2" marR="0" rtl="0" algn="l">
+      <a:lvl3pPr marR="0" lvl="2" algn="l" rtl="0">
         <a:lnSpc>
           <a:spcPct val="100000"/>
         </a:lnSpc>
@@ -9248,7 +9451,7 @@
           <a:srgbClr val="000000"/>
         </a:buClr>
         <a:buFont typeface="Arial"/>
-        <a:defRPr b="0" i="0" sz="1400" u="none" cap="none" strike="noStrike">
+        <a:defRPr sz="1400" b="0" i="0" u="none" strike="noStrike" cap="none">
           <a:solidFill>
             <a:srgbClr val="000000"/>
           </a:solidFill>
@@ -9258,7 +9461,7 @@
           <a:sym typeface="Arial"/>
         </a:defRPr>
       </a:lvl3pPr>
-      <a:lvl4pPr lvl="3" marR="0" rtl="0" algn="l">
+      <a:lvl4pPr marR="0" lvl="3" algn="l" rtl="0">
         <a:lnSpc>
           <a:spcPct val="100000"/>
         </a:lnSpc>
@@ -9272,7 +9475,7 @@
           <a:srgbClr val="000000"/>
         </a:buClr>
         <a:buFont typeface="Arial"/>
-        <a:defRPr b="0" i="0" sz="1400" u="none" cap="none" strike="noStrike">
+        <a:defRPr sz="1400" b="0" i="0" u="none" strike="noStrike" cap="none">
           <a:solidFill>
             <a:srgbClr val="000000"/>
           </a:solidFill>
@@ -9282,7 +9485,7 @@
           <a:sym typeface="Arial"/>
         </a:defRPr>
       </a:lvl4pPr>
-      <a:lvl5pPr lvl="4" marR="0" rtl="0" algn="l">
+      <a:lvl5pPr marR="0" lvl="4" algn="l" rtl="0">
         <a:lnSpc>
           <a:spcPct val="100000"/>
         </a:lnSpc>
@@ -9296,7 +9499,7 @@
           <a:srgbClr val="000000"/>
         </a:buClr>
         <a:buFont typeface="Arial"/>
-        <a:defRPr b="0" i="0" sz="1400" u="none" cap="none" strike="noStrike">
+        <a:defRPr sz="1400" b="0" i="0" u="none" strike="noStrike" cap="none">
           <a:solidFill>
             <a:srgbClr val="000000"/>
           </a:solidFill>
@@ -9306,7 +9509,7 @@
           <a:sym typeface="Arial"/>
         </a:defRPr>
       </a:lvl5pPr>
-      <a:lvl6pPr lvl="5" marR="0" rtl="0" algn="l">
+      <a:lvl6pPr marR="0" lvl="5" algn="l" rtl="0">
         <a:lnSpc>
           <a:spcPct val="100000"/>
         </a:lnSpc>
@@ -9320,7 +9523,7 @@
           <a:srgbClr val="000000"/>
         </a:buClr>
         <a:buFont typeface="Arial"/>
-        <a:defRPr b="0" i="0" sz="1400" u="none" cap="none" strike="noStrike">
+        <a:defRPr sz="1400" b="0" i="0" u="none" strike="noStrike" cap="none">
           <a:solidFill>
             <a:srgbClr val="000000"/>
           </a:solidFill>
@@ -9330,7 +9533,7 @@
           <a:sym typeface="Arial"/>
         </a:defRPr>
       </a:lvl6pPr>
-      <a:lvl7pPr lvl="6" marR="0" rtl="0" algn="l">
+      <a:lvl7pPr marR="0" lvl="6" algn="l" rtl="0">
         <a:lnSpc>
           <a:spcPct val="100000"/>
         </a:lnSpc>
@@ -9344,7 +9547,7 @@
           <a:srgbClr val="000000"/>
         </a:buClr>
         <a:buFont typeface="Arial"/>
-        <a:defRPr b="0" i="0" sz="1400" u="none" cap="none" strike="noStrike">
+        <a:defRPr sz="1400" b="0" i="0" u="none" strike="noStrike" cap="none">
           <a:solidFill>
             <a:srgbClr val="000000"/>
           </a:solidFill>
@@ -9354,7 +9557,7 @@
           <a:sym typeface="Arial"/>
         </a:defRPr>
       </a:lvl7pPr>
-      <a:lvl8pPr lvl="7" marR="0" rtl="0" algn="l">
+      <a:lvl8pPr marR="0" lvl="7" algn="l" rtl="0">
         <a:lnSpc>
           <a:spcPct val="100000"/>
         </a:lnSpc>
@@ -9368,7 +9571,7 @@
           <a:srgbClr val="000000"/>
         </a:buClr>
         <a:buFont typeface="Arial"/>
-        <a:defRPr b="0" i="0" sz="1400" u="none" cap="none" strike="noStrike">
+        <a:defRPr sz="1400" b="0" i="0" u="none" strike="noStrike" cap="none">
           <a:solidFill>
             <a:srgbClr val="000000"/>
           </a:solidFill>
@@ -9378,7 +9581,7 @@
           <a:sym typeface="Arial"/>
         </a:defRPr>
       </a:lvl8pPr>
-      <a:lvl9pPr lvl="8" marR="0" rtl="0" algn="l">
+      <a:lvl9pPr marR="0" lvl="8" algn="l" rtl="0">
         <a:lnSpc>
           <a:spcPct val="100000"/>
         </a:lnSpc>
@@ -9392,7 +9595,7 @@
           <a:srgbClr val="000000"/>
         </a:buClr>
         <a:buFont typeface="Arial"/>
-        <a:defRPr b="0" i="0" sz="1400" u="none" cap="none" strike="noStrike">
+        <a:defRPr sz="1400" b="0" i="0" u="none" strike="noStrike" cap="none">
           <a:solidFill>
             <a:srgbClr val="000000"/>
           </a:solidFill>
@@ -9404,7 +9607,7 @@
       </a:lvl9pPr>
     </p:bodyStyle>
     <p:otherStyle>
-      <a:defPPr lvl="0" marR="0" rtl="0" algn="l">
+      <a:defPPr marR="0" lvl="0" algn="l" rtl="0">
         <a:lnSpc>
           <a:spcPct val="100000"/>
         </a:lnSpc>
@@ -9415,7 +9618,7 @@
           <a:spcPts val="0"/>
         </a:spcAft>
       </a:defPPr>
-      <a:lvl1pPr lvl="0" marR="0" rtl="0" algn="l">
+      <a:lvl1pPr marR="0" lvl="0" algn="l" rtl="0">
         <a:lnSpc>
           <a:spcPct val="100000"/>
         </a:lnSpc>
@@ -9429,7 +9632,7 @@
           <a:srgbClr val="000000"/>
         </a:buClr>
         <a:buFont typeface="Arial"/>
-        <a:defRPr b="0" i="0" sz="1400" u="none" cap="none" strike="noStrike">
+        <a:defRPr sz="1400" b="0" i="0" u="none" strike="noStrike" cap="none">
           <a:solidFill>
             <a:srgbClr val="000000"/>
           </a:solidFill>
@@ -9439,7 +9642,7 @@
           <a:sym typeface="Arial"/>
         </a:defRPr>
       </a:lvl1pPr>
-      <a:lvl2pPr lvl="1" marR="0" rtl="0" algn="l">
+      <a:lvl2pPr marR="0" lvl="1" algn="l" rtl="0">
         <a:lnSpc>
           <a:spcPct val="100000"/>
         </a:lnSpc>
@@ -9453,7 +9656,7 @@
           <a:srgbClr val="000000"/>
         </a:buClr>
         <a:buFont typeface="Arial"/>
-        <a:defRPr b="0" i="0" sz="1400" u="none" cap="none" strike="noStrike">
+        <a:defRPr sz="1400" b="0" i="0" u="none" strike="noStrike" cap="none">
           <a:solidFill>
             <a:srgbClr val="000000"/>
           </a:solidFill>
@@ -9463,7 +9666,7 @@
           <a:sym typeface="Arial"/>
         </a:defRPr>
       </a:lvl2pPr>
-      <a:lvl3pPr lvl="2" marR="0" rtl="0" algn="l">
+      <a:lvl3pPr marR="0" lvl="2" algn="l" rtl="0">
         <a:lnSpc>
           <a:spcPct val="100000"/>
         </a:lnSpc>
@@ -9477,7 +9680,7 @@
           <a:srgbClr val="000000"/>
         </a:buClr>
         <a:buFont typeface="Arial"/>
-        <a:defRPr b="0" i="0" sz="1400" u="none" cap="none" strike="noStrike">
+        <a:defRPr sz="1400" b="0" i="0" u="none" strike="noStrike" cap="none">
           <a:solidFill>
             <a:srgbClr val="000000"/>
           </a:solidFill>
@@ -9487,7 +9690,7 @@
           <a:sym typeface="Arial"/>
         </a:defRPr>
       </a:lvl3pPr>
-      <a:lvl4pPr lvl="3" marR="0" rtl="0" algn="l">
+      <a:lvl4pPr marR="0" lvl="3" algn="l" rtl="0">
         <a:lnSpc>
           <a:spcPct val="100000"/>
         </a:lnSpc>
@@ -9501,7 +9704,7 @@
           <a:srgbClr val="000000"/>
         </a:buClr>
         <a:buFont typeface="Arial"/>
-        <a:defRPr b="0" i="0" sz="1400" u="none" cap="none" strike="noStrike">
+        <a:defRPr sz="1400" b="0" i="0" u="none" strike="noStrike" cap="none">
           <a:solidFill>
             <a:srgbClr val="000000"/>
           </a:solidFill>
@@ -9511,7 +9714,7 @@
           <a:sym typeface="Arial"/>
         </a:defRPr>
       </a:lvl4pPr>
-      <a:lvl5pPr lvl="4" marR="0" rtl="0" algn="l">
+      <a:lvl5pPr marR="0" lvl="4" algn="l" rtl="0">
         <a:lnSpc>
           <a:spcPct val="100000"/>
         </a:lnSpc>
@@ -9525,7 +9728,7 @@
           <a:srgbClr val="000000"/>
         </a:buClr>
         <a:buFont typeface="Arial"/>
-        <a:defRPr b="0" i="0" sz="1400" u="none" cap="none" strike="noStrike">
+        <a:defRPr sz="1400" b="0" i="0" u="none" strike="noStrike" cap="none">
           <a:solidFill>
             <a:srgbClr val="000000"/>
           </a:solidFill>
@@ -9535,7 +9738,7 @@
           <a:sym typeface="Arial"/>
         </a:defRPr>
       </a:lvl5pPr>
-      <a:lvl6pPr lvl="5" marR="0" rtl="0" algn="l">
+      <a:lvl6pPr marR="0" lvl="5" algn="l" rtl="0">
         <a:lnSpc>
           <a:spcPct val="100000"/>
         </a:lnSpc>
@@ -9549,7 +9752,7 @@
           <a:srgbClr val="000000"/>
         </a:buClr>
         <a:buFont typeface="Arial"/>
-        <a:defRPr b="0" i="0" sz="1400" u="none" cap="none" strike="noStrike">
+        <a:defRPr sz="1400" b="0" i="0" u="none" strike="noStrike" cap="none">
           <a:solidFill>
             <a:srgbClr val="000000"/>
           </a:solidFill>
@@ -9559,7 +9762,7 @@
           <a:sym typeface="Arial"/>
         </a:defRPr>
       </a:lvl6pPr>
-      <a:lvl7pPr lvl="6" marR="0" rtl="0" algn="l">
+      <a:lvl7pPr marR="0" lvl="6" algn="l" rtl="0">
         <a:lnSpc>
           <a:spcPct val="100000"/>
         </a:lnSpc>
@@ -9573,7 +9776,7 @@
           <a:srgbClr val="000000"/>
         </a:buClr>
         <a:buFont typeface="Arial"/>
-        <a:defRPr b="0" i="0" sz="1400" u="none" cap="none" strike="noStrike">
+        <a:defRPr sz="1400" b="0" i="0" u="none" strike="noStrike" cap="none">
           <a:solidFill>
             <a:srgbClr val="000000"/>
           </a:solidFill>
@@ -9583,7 +9786,7 @@
           <a:sym typeface="Arial"/>
         </a:defRPr>
       </a:lvl7pPr>
-      <a:lvl8pPr lvl="7" marR="0" rtl="0" algn="l">
+      <a:lvl8pPr marR="0" lvl="7" algn="l" rtl="0">
         <a:lnSpc>
           <a:spcPct val="100000"/>
         </a:lnSpc>
@@ -9597,7 +9800,7 @@
           <a:srgbClr val="000000"/>
         </a:buClr>
         <a:buFont typeface="Arial"/>
-        <a:defRPr b="0" i="0" sz="1400" u="none" cap="none" strike="noStrike">
+        <a:defRPr sz="1400" b="0" i="0" u="none" strike="noStrike" cap="none">
           <a:solidFill>
             <a:srgbClr val="000000"/>
           </a:solidFill>
@@ -9607,7 +9810,7 @@
           <a:sym typeface="Arial"/>
         </a:defRPr>
       </a:lvl8pPr>
-      <a:lvl9pPr lvl="8" marR="0" rtl="0" algn="l">
+      <a:lvl9pPr marR="0" lvl="8" algn="l" rtl="0">
         <a:lnSpc>
           <a:spcPct val="100000"/>
         </a:lnSpc>
@@ -9621,7 +9824,7 @@
           <a:srgbClr val="000000"/>
         </a:buClr>
         <a:buFont typeface="Arial"/>
-        <a:defRPr b="0" i="0" sz="1400" u="none" cap="none" strike="noStrike">
+        <a:defRPr sz="1400" b="0" i="0" u="none" strike="noStrike" cap="none">
           <a:solidFill>
             <a:srgbClr val="000000"/>
           </a:solidFill>
@@ -9635,7 +9838,7 @@
   </p:txStyles>
   <p:extLst>
     <p:ext uri="{27BBF7A9-308A-43DC-89C8-2F10F3537804}">
-      <p15:sldGuideLst>
+      <p15:sldGuideLst xmlns:p15="http://schemas.microsoft.com/office/powerpoint/2012/main">
         <p15:guide id="1" pos="229">
           <p15:clr>
             <a:srgbClr val="EA4335"/>
@@ -9698,11 +9901,11 @@
 </file>
 
 <file path=ppt/slides/slide1.xml><?xml version="1.0" encoding="utf-8"?>
-<p:sld xmlns:a="http://schemas.openxmlformats.org/drawingml/2006/main" xmlns:r="http://schemas.openxmlformats.org/officeDocument/2006/relationships" xmlns:mc="http://schemas.openxmlformats.org/markup-compatibility/2006" xmlns:mv="urn:schemas-microsoft-com:mac:vml" xmlns:p="http://schemas.openxmlformats.org/presentationml/2006/main" xmlns:c="http://schemas.openxmlformats.org/drawingml/2006/chart" xmlns:dgm="http://schemas.openxmlformats.org/drawingml/2006/diagram" xmlns:o="urn:schemas-microsoft-com:office:office" xmlns:v="urn:schemas-microsoft-com:vml" xmlns:pvml="urn:schemas-microsoft-com:office:powerpoint" xmlns:com="http://schemas.openxmlformats.org/drawingml/2006/compatibility" xmlns:p14="http://schemas.microsoft.com/office/powerpoint/2010/main" xmlns:p15="http://schemas.microsoft.com/office/powerpoint/2012/main" xmlns:ahyp="http://schemas.microsoft.com/office/drawing/2018/hyperlinkcolor">
+<p:sld xmlns:a="http://schemas.openxmlformats.org/drawingml/2006/main" xmlns:r="http://schemas.openxmlformats.org/officeDocument/2006/relationships" xmlns:p="http://schemas.openxmlformats.org/presentationml/2006/main">
   <p:cSld>
     <p:spTree>
       <p:nvGrpSpPr>
-        <p:cNvPr id="69" name="Shape 69"/>
+        <p:cNvPr id="1" name="Shape 69"/>
         <p:cNvGrpSpPr/>
         <p:nvPr/>
       </p:nvGrpSpPr>
@@ -9734,12 +9937,12 @@
           </a:ln>
         </p:spPr>
         <p:txBody>
-          <a:bodyPr anchorCtr="0" anchor="t" bIns="91425" lIns="91425" spcFirstLastPara="1" rIns="91425" wrap="square" tIns="91425">
+          <a:bodyPr spcFirstLastPara="1" wrap="square" lIns="91425" tIns="91425" rIns="91425" bIns="91425" anchor="t" anchorCtr="0">
             <a:noAutofit/>
           </a:bodyPr>
           <a:lstStyle/>
           <a:p>
-            <a:pPr indent="0" lvl="0" marL="0" rtl="0" algn="l">
+            <a:pPr marL="0" lvl="0" indent="0" algn="l" rtl="0">
               <a:lnSpc>
                 <a:spcPct val="115000"/>
               </a:lnSpc>
@@ -9752,23 +9955,71 @@
               <a:buNone/>
             </a:pPr>
             <a:r>
-              <a:rPr b="1" lang="en-GB" sz="2400">
+              <a:rPr lang="zh-CN" altLang="en-US" sz="2400" b="1" dirty="0">
                 <a:solidFill>
                   <a:schemeClr val="accent6"/>
                 </a:solidFill>
-                <a:latin typeface="Quicksand"/>
-                <a:ea typeface="Quicksand"/>
+                <a:latin typeface="Segoe UI" panose="020B0502040204020203" pitchFamily="34" charset="0"/>
+                <a:ea typeface="等线" panose="02010600030101010101" pitchFamily="2" charset="-122"/>
                 <a:cs typeface="Quicksand"/>
                 <a:sym typeface="Quicksand"/>
               </a:rPr>
-              <a:t>Activity 1 - Is it technology?</a:t>
+              <a:t>活动 </a:t>
             </a:r>
-            <a:endParaRPr sz="1100">
+            <a:r>
+              <a:rPr lang="en-US" altLang="zh-CN" sz="2400" b="1" dirty="0">
+                <a:solidFill>
+                  <a:schemeClr val="accent6"/>
+                </a:solidFill>
+                <a:latin typeface="Segoe UI" panose="020B0502040204020203" pitchFamily="34" charset="0"/>
+                <a:ea typeface="等线" panose="02010600030101010101" pitchFamily="2" charset="-122"/>
+                <a:cs typeface="Quicksand"/>
+                <a:sym typeface="Quicksand"/>
+              </a:rPr>
+              <a:t>1 </a:t>
+            </a:r>
+            <a:r>
+              <a:rPr lang="en-GB" sz="2400" b="1" dirty="0">
+                <a:solidFill>
+                  <a:schemeClr val="accent6"/>
+                </a:solidFill>
+                <a:latin typeface="Segoe UI" panose="020B0502040204020203" pitchFamily="34" charset="0"/>
+                <a:ea typeface="等线" panose="02010600030101010101" pitchFamily="2" charset="-122"/>
+                <a:cs typeface="Quicksand"/>
+                <a:sym typeface="Quicksand"/>
+              </a:rPr>
+              <a:t>– </a:t>
+            </a:r>
+            <a:r>
+              <a:rPr lang="zh-CN" altLang="en-US" sz="2400" b="1" dirty="0">
+                <a:solidFill>
+                  <a:schemeClr val="accent6"/>
+                </a:solidFill>
+                <a:latin typeface="Segoe UI" panose="020B0502040204020203" pitchFamily="34" charset="0"/>
+                <a:ea typeface="等线" panose="02010600030101010101" pitchFamily="2" charset="-122"/>
+                <a:cs typeface="Quicksand"/>
+                <a:sym typeface="Quicksand"/>
+              </a:rPr>
+              <a:t>这是科技吗</a:t>
+            </a:r>
+            <a:r>
+              <a:rPr lang="en-GB" sz="2400" b="1" dirty="0">
+                <a:solidFill>
+                  <a:schemeClr val="accent6"/>
+                </a:solidFill>
+                <a:latin typeface="Segoe UI" panose="020B0502040204020203" pitchFamily="34" charset="0"/>
+                <a:ea typeface="等线" panose="02010600030101010101" pitchFamily="2" charset="-122"/>
+                <a:cs typeface="Quicksand"/>
+                <a:sym typeface="Quicksand"/>
+              </a:rPr>
+              <a:t>?</a:t>
+            </a:r>
+            <a:endParaRPr sz="1100" dirty="0">
               <a:solidFill>
                 <a:schemeClr val="accent6"/>
               </a:solidFill>
-              <a:latin typeface="Quicksand"/>
-              <a:ea typeface="Quicksand"/>
+              <a:latin typeface="Segoe UI" panose="020B0502040204020203" pitchFamily="34" charset="0"/>
+              <a:ea typeface="等线" panose="02010600030101010101" pitchFamily="2" charset="-122"/>
               <a:cs typeface="Quicksand"/>
               <a:sym typeface="Quicksand"/>
             </a:endParaRPr>
@@ -9795,12 +10046,12 @@
           </a:ln>
         </p:spPr>
         <p:txBody>
-          <a:bodyPr anchorCtr="0" anchor="t" bIns="94000" lIns="94000" spcFirstLastPara="1" rIns="94000" wrap="square" tIns="94000">
+          <a:bodyPr spcFirstLastPara="1" wrap="square" lIns="94000" tIns="94000" rIns="94000" bIns="94000" anchor="t" anchorCtr="0">
             <a:noAutofit/>
           </a:bodyPr>
           <a:lstStyle/>
           <a:p>
-            <a:pPr indent="0" lvl="0" marL="0" rtl="0" algn="ctr">
+            <a:pPr marL="0" lvl="0" indent="0" algn="ctr" rtl="0">
               <a:lnSpc>
                 <a:spcPct val="115000"/>
               </a:lnSpc>
@@ -9813,29 +10064,29 @@
               <a:buNone/>
             </a:pPr>
             <a:r>
-              <a:rPr b="1" lang="en-GB" sz="2500">
+              <a:rPr lang="zh-CN" altLang="en-US" sz="2500" b="1" dirty="0">
                 <a:solidFill>
                   <a:schemeClr val="accent6"/>
                 </a:solidFill>
-                <a:latin typeface="Quicksand"/>
-                <a:ea typeface="Quicksand"/>
+                <a:latin typeface="Segoe UI" panose="020B0502040204020203" pitchFamily="34" charset="0"/>
+                <a:ea typeface="等线" panose="02010600030101010101" pitchFamily="2" charset="-122"/>
                 <a:cs typeface="Quicksand"/>
                 <a:sym typeface="Quicksand"/>
               </a:rPr>
-              <a:t>Technology</a:t>
+              <a:t>科技</a:t>
             </a:r>
-            <a:endParaRPr sz="1200">
+            <a:endParaRPr lang="en-GB" sz="1200" dirty="0">
               <a:solidFill>
                 <a:schemeClr val="accent6"/>
               </a:solidFill>
-              <a:latin typeface="Quicksand"/>
-              <a:ea typeface="Quicksand"/>
+              <a:latin typeface="Segoe UI" panose="020B0502040204020203" pitchFamily="34" charset="0"/>
+              <a:ea typeface="等线" panose="02010600030101010101" pitchFamily="2" charset="-122"/>
               <a:cs typeface="Quicksand"/>
               <a:sym typeface="Quicksand"/>
             </a:endParaRPr>
           </a:p>
           <a:p>
-            <a:pPr indent="0" lvl="0" marL="0" rtl="0" algn="ctr">
+            <a:pPr marL="0" lvl="0" indent="0" algn="ctr" rtl="0">
               <a:lnSpc>
                 <a:spcPct val="115000"/>
               </a:lnSpc>
@@ -9847,15 +10098,12 @@
               </a:spcAft>
               <a:buNone/>
             </a:pPr>
-            <a:r>
-              <a:t/>
-            </a:r>
-            <a:endParaRPr b="1" sz="2500">
+            <a:endParaRPr sz="2500" b="1" dirty="0">
               <a:solidFill>
                 <a:srgbClr val="5B5BA5"/>
               </a:solidFill>
-              <a:latin typeface="Quicksand"/>
-              <a:ea typeface="Quicksand"/>
+              <a:latin typeface="Segoe UI" panose="020B0502040204020203" pitchFamily="34" charset="0"/>
+              <a:ea typeface="等线" panose="02010600030101010101" pitchFamily="2" charset="-122"/>
               <a:cs typeface="Quicksand"/>
               <a:sym typeface="Quicksand"/>
             </a:endParaRPr>
@@ -9882,12 +10130,12 @@
           </a:ln>
         </p:spPr>
         <p:txBody>
-          <a:bodyPr anchorCtr="0" anchor="t" bIns="94000" lIns="94000" spcFirstLastPara="1" rIns="94000" wrap="square" tIns="94000">
+          <a:bodyPr spcFirstLastPara="1" wrap="square" lIns="94000" tIns="94000" rIns="94000" bIns="94000" anchor="t" anchorCtr="0">
             <a:noAutofit/>
           </a:bodyPr>
           <a:lstStyle/>
           <a:p>
-            <a:pPr indent="0" lvl="0" marL="0" rtl="0" algn="ctr">
+            <a:pPr marL="0" lvl="0" indent="0" algn="ctr" rtl="0">
               <a:lnSpc>
                 <a:spcPct val="115000"/>
               </a:lnSpc>
@@ -9900,61 +10148,23 @@
               <a:buNone/>
             </a:pPr>
             <a:r>
-              <a:rPr b="1" lang="en-GB" sz="2500">
+              <a:rPr lang="zh-CN" altLang="en-US" sz="2500" b="1" dirty="0">
                 <a:solidFill>
                   <a:schemeClr val="accent6"/>
                 </a:solidFill>
-                <a:latin typeface="Quicksand"/>
-                <a:ea typeface="Quicksand"/>
+                <a:latin typeface="Segoe UI" panose="020B0502040204020203" pitchFamily="34" charset="0"/>
+                <a:ea typeface="等线" panose="02010600030101010101" pitchFamily="2" charset="-122"/>
                 <a:cs typeface="Quicksand"/>
                 <a:sym typeface="Quicksand"/>
               </a:rPr>
-              <a:t>Not t</a:t>
+              <a:t>不是科技</a:t>
             </a:r>
-            <a:r>
-              <a:rPr b="1" lang="en-GB" sz="2500">
-                <a:solidFill>
-                  <a:schemeClr val="accent6"/>
-                </a:solidFill>
-                <a:latin typeface="Quicksand"/>
-                <a:ea typeface="Quicksand"/>
-                <a:cs typeface="Quicksand"/>
-                <a:sym typeface="Quicksand"/>
-              </a:rPr>
-              <a:t>echnology</a:t>
-            </a:r>
-            <a:endParaRPr sz="1200">
-              <a:solidFill>
-                <a:schemeClr val="accent6"/>
-              </a:solidFill>
-              <a:latin typeface="Quicksand"/>
-              <a:ea typeface="Quicksand"/>
-              <a:cs typeface="Quicksand"/>
-              <a:sym typeface="Quicksand"/>
-            </a:endParaRPr>
-          </a:p>
-          <a:p>
-            <a:pPr indent="0" lvl="0" marL="0" rtl="0" algn="ctr">
-              <a:lnSpc>
-                <a:spcPct val="115000"/>
-              </a:lnSpc>
-              <a:spcBef>
-                <a:spcPts val="0"/>
-              </a:spcBef>
-              <a:spcAft>
-                <a:spcPts val="0"/>
-              </a:spcAft>
-              <a:buNone/>
-            </a:pPr>
-            <a:r>
-              <a:t/>
-            </a:r>
-            <a:endParaRPr b="1" sz="2500">
+            <a:endParaRPr sz="2500" b="1" dirty="0">
               <a:solidFill>
                 <a:srgbClr val="5B5BA5"/>
               </a:solidFill>
-              <a:latin typeface="Quicksand"/>
-              <a:ea typeface="Quicksand"/>
+              <a:latin typeface="Segoe UI" panose="020B0502040204020203" pitchFamily="34" charset="0"/>
+              <a:ea typeface="等线" panose="02010600030101010101" pitchFamily="2" charset="-122"/>
               <a:cs typeface="Quicksand"/>
               <a:sym typeface="Quicksand"/>
             </a:endParaRPr>
@@ -9976,14 +10186,14 @@
             <a:avLst/>
           </a:prstGeom>
           <a:noFill/>
-          <a:ln cap="flat" cmpd="sng" w="28575">
+          <a:ln w="28575" cap="flat" cmpd="sng">
             <a:solidFill>
               <a:schemeClr val="dk2"/>
             </a:solidFill>
             <a:prstDash val="solid"/>
             <a:round/>
-            <a:headEnd len="med" w="med" type="none"/>
-            <a:tailEnd len="med" w="med" type="none"/>
+            <a:headEnd type="none" w="med" len="med"/>
+            <a:tailEnd type="none" w="med" len="med"/>
           </a:ln>
         </p:spPr>
       </p:cxnSp>
@@ -10002,14 +10212,14 @@
             <a:avLst/>
           </a:prstGeom>
           <a:noFill/>
-          <a:ln cap="flat" cmpd="sng" w="28575">
+          <a:ln w="28575" cap="flat" cmpd="sng">
             <a:solidFill>
               <a:schemeClr val="dk2"/>
             </a:solidFill>
             <a:prstDash val="solid"/>
             <a:round/>
-            <a:headEnd len="med" w="med" type="none"/>
-            <a:tailEnd len="med" w="med" type="none"/>
+            <a:headEnd type="none" w="med" len="med"/>
+            <a:tailEnd type="none" w="med" len="med"/>
           </a:ln>
         </p:spPr>
       </p:cxnSp>
@@ -10050,7 +10260,7 @@
         <p:spPr>
           <a:xfrm>
             <a:off x="2537675" y="270000"/>
-            <a:ext cx="7711500" cy="591000"/>
+            <a:ext cx="7711500" cy="609367"/>
           </a:xfrm>
           <a:prstGeom prst="rect">
             <a:avLst/>
@@ -10061,12 +10271,12 @@
           </a:ln>
         </p:spPr>
         <p:txBody>
-          <a:bodyPr anchorCtr="0" anchor="t" bIns="91425" lIns="91425" spcFirstLastPara="1" rIns="91425" wrap="square" tIns="91425">
+          <a:bodyPr spcFirstLastPara="1" wrap="square" lIns="91425" tIns="91425" rIns="91425" bIns="91425" anchor="t" anchorCtr="0">
             <a:spAutoFit/>
           </a:bodyPr>
           <a:lstStyle/>
           <a:p>
-            <a:pPr indent="0" lvl="0" marL="0" marR="0" rtl="0" algn="r">
+            <a:pPr marL="0" marR="0" lvl="0" indent="0" algn="r" rtl="0">
               <a:lnSpc>
                 <a:spcPct val="115000"/>
               </a:lnSpc>
@@ -10084,29 +10294,29 @@
               <a:buNone/>
             </a:pPr>
             <a:r>
-              <a:rPr lang="en-GB" sz="800">
-                <a:solidFill>
-                  <a:schemeClr val="dk1"/>
-                </a:solidFill>
-                <a:latin typeface="Quicksand"/>
-                <a:ea typeface="Quicksand"/>
+              <a:rPr lang="en-GB" sz="800" dirty="0">
+                <a:solidFill>
+                  <a:schemeClr val="dk1"/>
+                </a:solidFill>
+                <a:latin typeface="Segoe UI" panose="020B0502040204020203" pitchFamily="34" charset="0"/>
+                <a:ea typeface="等线" panose="02010600030101010101" pitchFamily="2" charset="-122"/>
                 <a:cs typeface="Quicksand"/>
                 <a:sym typeface="Quicksand"/>
               </a:rPr>
               <a:t>Year 1 - Technology around us</a:t>
             </a:r>
-            <a:endParaRPr sz="800">
+            <a:endParaRPr sz="800" dirty="0">
               <a:solidFill>
                 <a:schemeClr val="dk1"/>
               </a:solidFill>
-              <a:latin typeface="Quicksand"/>
-              <a:ea typeface="Quicksand"/>
+              <a:latin typeface="Segoe UI" panose="020B0502040204020203" pitchFamily="34" charset="0"/>
+              <a:ea typeface="等线" panose="02010600030101010101" pitchFamily="2" charset="-122"/>
               <a:cs typeface="Quicksand"/>
               <a:sym typeface="Quicksand"/>
             </a:endParaRPr>
           </a:p>
           <a:p>
-            <a:pPr indent="0" lvl="0" marL="0" marR="0" rtl="0" algn="r">
+            <a:pPr marL="0" marR="0" lvl="0" indent="0" algn="r" rtl="0">
               <a:lnSpc>
                 <a:spcPct val="115000"/>
               </a:lnSpc>
@@ -10119,29 +10329,29 @@
               <a:buNone/>
             </a:pPr>
             <a:r>
-              <a:rPr lang="en-GB" sz="800">
-                <a:solidFill>
-                  <a:schemeClr val="dk1"/>
-                </a:solidFill>
-                <a:latin typeface="Quicksand"/>
-                <a:ea typeface="Quicksand"/>
+              <a:rPr lang="en-GB" sz="800" dirty="0">
+                <a:solidFill>
+                  <a:schemeClr val="dk1"/>
+                </a:solidFill>
+                <a:latin typeface="Segoe UI" panose="020B0502040204020203" pitchFamily="34" charset="0"/>
+                <a:ea typeface="等线" panose="02010600030101010101" pitchFamily="2" charset="-122"/>
                 <a:cs typeface="Quicksand"/>
                 <a:sym typeface="Quicksand"/>
               </a:rPr>
               <a:t>Lesson 1 – Technology in our classroom</a:t>
             </a:r>
-            <a:endParaRPr sz="800">
+            <a:endParaRPr sz="800" dirty="0">
               <a:solidFill>
                 <a:schemeClr val="dk1"/>
               </a:solidFill>
-              <a:latin typeface="Quicksand"/>
-              <a:ea typeface="Quicksand"/>
+              <a:latin typeface="Segoe UI" panose="020B0502040204020203" pitchFamily="34" charset="0"/>
+              <a:ea typeface="等线" panose="02010600030101010101" pitchFamily="2" charset="-122"/>
               <a:cs typeface="Quicksand"/>
               <a:sym typeface="Quicksand"/>
             </a:endParaRPr>
           </a:p>
           <a:p>
-            <a:pPr indent="0" lvl="0" marL="0" marR="0" rtl="0" algn="r">
+            <a:pPr marL="0" marR="0" lvl="0" indent="0" algn="r" rtl="0">
               <a:lnSpc>
                 <a:spcPct val="115000"/>
               </a:lnSpc>
@@ -10154,17 +10364,17 @@
               <a:buNone/>
             </a:pPr>
             <a:r>
-              <a:rPr lang="en-GB" sz="800">
-                <a:latin typeface="Quicksand"/>
-                <a:ea typeface="Quicksand"/>
+              <a:rPr lang="en-GB" sz="800" dirty="0">
+                <a:latin typeface="Segoe UI" panose="020B0502040204020203" pitchFamily="34" charset="0"/>
+                <a:ea typeface="等线" panose="02010600030101010101" pitchFamily="2" charset="-122"/>
                 <a:cs typeface="Quicksand"/>
                 <a:sym typeface="Quicksand"/>
               </a:rPr>
               <a:t>Learner activity sheet</a:t>
             </a:r>
-            <a:endParaRPr sz="800">
-              <a:latin typeface="Quicksand"/>
-              <a:ea typeface="Quicksand"/>
+            <a:endParaRPr sz="800" dirty="0">
+              <a:latin typeface="Segoe UI" panose="020B0502040204020203" pitchFamily="34" charset="0"/>
+              <a:ea typeface="等线" panose="02010600030101010101" pitchFamily="2" charset="-122"/>
               <a:cs typeface="Quicksand"/>
               <a:sym typeface="Quicksand"/>
             </a:endParaRPr>
@@ -10191,12 +10401,12 @@
           </a:ln>
         </p:spPr>
         <p:txBody>
-          <a:bodyPr anchorCtr="0" anchor="t" bIns="91425" lIns="91425" spcFirstLastPara="1" rIns="91425" wrap="square" tIns="91425">
+          <a:bodyPr spcFirstLastPara="1" wrap="square" lIns="91425" tIns="91425" rIns="91425" bIns="91425" anchor="t" anchorCtr="0">
             <a:noAutofit/>
           </a:bodyPr>
           <a:lstStyle/>
           <a:p>
-            <a:pPr indent="0" lvl="0" marL="0" rtl="0" algn="l">
+            <a:pPr marL="0" lvl="0" indent="0" algn="l" rtl="0">
               <a:lnSpc>
                 <a:spcPct val="138000"/>
               </a:lnSpc>
@@ -10218,8 +10428,8 @@
                 <a:solidFill>
                   <a:srgbClr val="666666"/>
                 </a:solidFill>
-                <a:latin typeface="Quicksand"/>
-                <a:ea typeface="Quicksand"/>
+                <a:latin typeface="Segoe UI" panose="020B0502040204020203" pitchFamily="34" charset="0"/>
+                <a:ea typeface="等线" panose="02010600030101010101" pitchFamily="2" charset="-122"/>
                 <a:cs typeface="Quicksand"/>
                 <a:sym typeface="Quicksand"/>
               </a:rPr>
@@ -10230,14 +10440,14 @@
                 <a:solidFill>
                   <a:srgbClr val="0000FF"/>
                 </a:solidFill>
-                <a:latin typeface="Quicksand"/>
-                <a:ea typeface="Quicksand"/>
+                <a:latin typeface="Segoe UI" panose="020B0502040204020203" pitchFamily="34" charset="0"/>
+                <a:ea typeface="等线" panose="02010600030101010101" pitchFamily="2" charset="-122"/>
                 <a:cs typeface="Quicksand"/>
                 <a:sym typeface="Quicksand"/>
                 <a:hlinkClick r:id="rId4">
                   <a:extLst>
                     <a:ext uri="{A12FA001-AC4F-418D-AE19-62706E023703}">
-                      <ahyp:hlinkClr val="tx"/>
+                      <ahyp:hlinkClr xmlns:ahyp="http://schemas.microsoft.com/office/drawing/2018/hyperlinkcolor" val="tx"/>
                     </a:ext>
                   </a:extLst>
                 </a:hlinkClick>
@@ -10249,8 +10459,8 @@
                 <a:solidFill>
                   <a:srgbClr val="666666"/>
                 </a:solidFill>
-                <a:latin typeface="Quicksand"/>
-                <a:ea typeface="Quicksand"/>
+                <a:latin typeface="Segoe UI" panose="020B0502040204020203" pitchFamily="34" charset="0"/>
+                <a:ea typeface="等线" panose="02010600030101010101" pitchFamily="2" charset="-122"/>
                 <a:cs typeface="Quicksand"/>
                 <a:sym typeface="Quicksand"/>
               </a:rPr>
@@ -10260,14 +10470,14 @@
               <a:solidFill>
                 <a:srgbClr val="666666"/>
               </a:solidFill>
-              <a:latin typeface="Quicksand"/>
-              <a:ea typeface="Quicksand"/>
+              <a:latin typeface="Segoe UI" panose="020B0502040204020203" pitchFamily="34" charset="0"/>
+              <a:ea typeface="等线" panose="02010600030101010101" pitchFamily="2" charset="-122"/>
               <a:cs typeface="Quicksand"/>
               <a:sym typeface="Quicksand"/>
             </a:endParaRPr>
           </a:p>
           <a:p>
-            <a:pPr indent="0" lvl="0" marL="0" rtl="0" algn="l">
+            <a:pPr marL="0" lvl="0" indent="0" algn="l" rtl="0">
               <a:lnSpc>
                 <a:spcPct val="138000"/>
               </a:lnSpc>
@@ -10284,8 +10494,8 @@
                 <a:solidFill>
                   <a:srgbClr val="666666"/>
                 </a:solidFill>
-                <a:latin typeface="Quicksand"/>
-                <a:ea typeface="Quicksand"/>
+                <a:latin typeface="Segoe UI" panose="020B0502040204020203" pitchFamily="34" charset="0"/>
+                <a:ea typeface="等线" panose="02010600030101010101" pitchFamily="2" charset="-122"/>
                 <a:cs typeface="Quicksand"/>
                 <a:sym typeface="Quicksand"/>
               </a:rPr>
@@ -10296,14 +10506,14 @@
                 <a:solidFill>
                   <a:srgbClr val="0000FF"/>
                 </a:solidFill>
-                <a:latin typeface="Quicksand"/>
-                <a:ea typeface="Quicksand"/>
+                <a:latin typeface="Segoe UI" panose="020B0502040204020203" pitchFamily="34" charset="0"/>
+                <a:ea typeface="等线" panose="02010600030101010101" pitchFamily="2" charset="-122"/>
                 <a:cs typeface="Quicksand"/>
                 <a:sym typeface="Quicksand"/>
                 <a:hlinkClick r:id="rId5">
                   <a:extLst>
                     <a:ext uri="{A12FA001-AC4F-418D-AE19-62706E023703}">
-                      <ahyp:hlinkClr val="tx"/>
+                      <ahyp:hlinkClr xmlns:ahyp="http://schemas.microsoft.com/office/drawing/2018/hyperlinkcolor" val="tx"/>
                     </a:ext>
                   </a:extLst>
                 </a:hlinkClick>
@@ -10314,8 +10524,8 @@
               <a:solidFill>
                 <a:srgbClr val="666666"/>
               </a:solidFill>
-              <a:latin typeface="Quicksand"/>
-              <a:ea typeface="Quicksand"/>
+              <a:latin typeface="Segoe UI" panose="020B0502040204020203" pitchFamily="34" charset="0"/>
+              <a:ea typeface="等线" panose="02010600030101010101" pitchFamily="2" charset="-122"/>
               <a:cs typeface="Quicksand"/>
               <a:sym typeface="Quicksand"/>
             </a:endParaRPr>
@@ -10359,16 +10569,17 @@
 </file>
 
 <file path=ppt/slides/slide2.xml><?xml version="1.0" encoding="utf-8"?>
-<p:sld xmlns:a="http://schemas.openxmlformats.org/drawingml/2006/main" xmlns:r="http://schemas.openxmlformats.org/officeDocument/2006/relationships" xmlns:mc="http://schemas.openxmlformats.org/markup-compatibility/2006" xmlns:mv="urn:schemas-microsoft-com:mac:vml" xmlns:p="http://schemas.openxmlformats.org/presentationml/2006/main" xmlns:c="http://schemas.openxmlformats.org/drawingml/2006/chart" xmlns:dgm="http://schemas.openxmlformats.org/drawingml/2006/diagram" xmlns:o="urn:schemas-microsoft-com:office:office" xmlns:v="urn:schemas-microsoft-com:vml" xmlns:pvml="urn:schemas-microsoft-com:office:powerpoint" xmlns:com="http://schemas.openxmlformats.org/drawingml/2006/compatibility" xmlns:p14="http://schemas.microsoft.com/office/powerpoint/2010/main" xmlns:p15="http://schemas.microsoft.com/office/powerpoint/2012/main" xmlns:ahyp="http://schemas.microsoft.com/office/drawing/2018/hyperlinkcolor">
+<p:sld xmlns:a="http://schemas.openxmlformats.org/drawingml/2006/main" xmlns:r="http://schemas.openxmlformats.org/officeDocument/2006/relationships" xmlns:p="http://schemas.openxmlformats.org/presentationml/2006/main">
   <p:cSld>
     <p:bg>
       <p:bgPr>
         <a:noFill/>
+        <a:effectLst/>
       </p:bgPr>
     </p:bg>
     <p:spTree>
       <p:nvGrpSpPr>
-        <p:cNvPr id="82" name="Shape 82"/>
+        <p:cNvPr id="1" name="Shape 82"/>
         <p:cNvGrpSpPr/>
         <p:nvPr/>
       </p:nvGrpSpPr>
@@ -10395,14 +10606,14 @@
             <a:avLst/>
           </a:prstGeom>
           <a:noFill/>
-          <a:ln cap="flat" cmpd="sng" w="9525">
+          <a:ln w="9525" cap="flat" cmpd="sng">
             <a:solidFill>
               <a:schemeClr val="dk2"/>
             </a:solidFill>
             <a:prstDash val="solid"/>
             <a:round/>
-            <a:headEnd len="med" w="med" type="none"/>
-            <a:tailEnd len="med" w="med" type="none"/>
+            <a:headEnd type="none" w="med" len="med"/>
+            <a:tailEnd type="none" w="med" len="med"/>
           </a:ln>
         </p:spPr>
       </p:cxnSp>
@@ -10421,14 +10632,14 @@
             <a:avLst/>
           </a:prstGeom>
           <a:noFill/>
-          <a:ln cap="flat" cmpd="sng" w="9525">
+          <a:ln w="9525" cap="flat" cmpd="sng">
             <a:solidFill>
               <a:schemeClr val="dk2"/>
             </a:solidFill>
             <a:prstDash val="solid"/>
             <a:round/>
-            <a:headEnd len="med" w="med" type="none"/>
-            <a:tailEnd len="med" w="med" type="none"/>
+            <a:headEnd type="none" w="med" len="med"/>
+            <a:tailEnd type="none" w="med" len="med"/>
           </a:ln>
         </p:spPr>
       </p:cxnSp>
@@ -10447,14 +10658,14 @@
             <a:avLst/>
           </a:prstGeom>
           <a:noFill/>
-          <a:ln cap="flat" cmpd="sng" w="9525">
+          <a:ln w="9525" cap="flat" cmpd="sng">
             <a:solidFill>
               <a:schemeClr val="dk2"/>
             </a:solidFill>
             <a:prstDash val="solid"/>
             <a:round/>
-            <a:headEnd len="med" w="med" type="none"/>
-            <a:tailEnd len="med" w="med" type="none"/>
+            <a:headEnd type="none" w="med" len="med"/>
+            <a:tailEnd type="none" w="med" len="med"/>
           </a:ln>
         </p:spPr>
       </p:cxnSp>
@@ -10473,14 +10684,14 @@
             <a:avLst/>
           </a:prstGeom>
           <a:noFill/>
-          <a:ln cap="flat" cmpd="sng" w="9525">
+          <a:ln w="9525" cap="flat" cmpd="sng">
             <a:solidFill>
               <a:schemeClr val="dk2"/>
             </a:solidFill>
             <a:prstDash val="solid"/>
             <a:round/>
-            <a:headEnd len="med" w="med" type="none"/>
-            <a:tailEnd len="med" w="med" type="none"/>
+            <a:headEnd type="none" w="med" len="med"/>
+            <a:tailEnd type="none" w="med" len="med"/>
           </a:ln>
         </p:spPr>
       </p:cxnSp>
@@ -10499,14 +10710,14 @@
             <a:avLst/>
           </a:prstGeom>
           <a:noFill/>
-          <a:ln cap="flat" cmpd="sng" w="9525">
+          <a:ln w="9525" cap="flat" cmpd="sng">
             <a:solidFill>
               <a:schemeClr val="dk2"/>
             </a:solidFill>
             <a:prstDash val="solid"/>
             <a:round/>
-            <a:headEnd len="med" w="med" type="none"/>
-            <a:tailEnd len="med" w="med" type="none"/>
+            <a:headEnd type="none" w="med" len="med"/>
+            <a:tailEnd type="none" w="med" len="med"/>
           </a:ln>
         </p:spPr>
       </p:cxnSp>
@@ -10568,7 +10779,7 @@
       </p:pic>
       <p:pic>
         <p:nvPicPr>
-          <p:cNvPr descr="Glue, Pool, Adhesive, Fixed, A To Z Index" id="90" name="Google Shape;90;p14"/>
+          <p:cNvPr id="90" name="Google Shape;90;p14" descr="Glue, Pool, Adhesive, Fixed, A To Z Index"/>
           <p:cNvPicPr preferRelativeResize="0"/>
           <p:nvPr/>
         </p:nvPicPr>
@@ -10596,7 +10807,7 @@
       </p:pic>
       <p:pic>
         <p:nvPicPr>
-          <p:cNvPr descr="Computer, Desktop, Pc, Workstation" id="91" name="Google Shape;91;p14"/>
+          <p:cNvPr id="91" name="Google Shape;91;p14" descr="Computer, Desktop, Pc, Workstation"/>
           <p:cNvPicPr preferRelativeResize="0"/>
           <p:nvPr/>
         </p:nvPicPr>
@@ -10624,7 +10835,7 @@
       </p:pic>
       <p:pic>
         <p:nvPicPr>
-          <p:cNvPr descr="Tree, Forest, Trunk, Nature, Leaves, Branches, Organic" id="92" name="Google Shape;92;p14"/>
+          <p:cNvPr id="92" name="Google Shape;92;p14" descr="Tree, Forest, Trunk, Nature, Leaves, Branches, Organic"/>
           <p:cNvPicPr preferRelativeResize="0"/>
           <p:nvPr/>
         </p:nvPicPr>
@@ -10652,7 +10863,7 @@
       </p:pic>
       <p:pic>
         <p:nvPicPr>
-          <p:cNvPr descr="Flower, Water Lily, Lily, Lotus, Aquatic, Bloom" id="93" name="Google Shape;93;p14"/>
+          <p:cNvPr id="93" name="Google Shape;93;p14" descr="Flower, Water Lily, Lily, Lotus, Aquatic, Bloom"/>
           <p:cNvPicPr preferRelativeResize="0"/>
           <p:nvPr/>
         </p:nvPicPr>
@@ -10736,7 +10947,7 @@
       </p:pic>
       <p:pic>
         <p:nvPicPr>
-          <p:cNvPr descr="Dog, Hound, Mammal, Animal, Pet, Puppy, Cute, Canine" id="96" name="Google Shape;96;p14"/>
+          <p:cNvPr id="96" name="Google Shape;96;p14" descr="Dog, Hound, Mammal, Animal, Pet, Puppy, Cute, Canine"/>
           <p:cNvPicPr preferRelativeResize="0"/>
           <p:nvPr/>
         </p:nvPicPr>
@@ -10764,7 +10975,7 @@
       </p:pic>
       <p:pic>
         <p:nvPicPr>
-          <p:cNvPr descr="Cloud, Weather Forecast, Weather, Sky, Blue, White, Sun" id="97" name="Google Shape;97;p14"/>
+          <p:cNvPr id="97" name="Google Shape;97;p14" descr="Cloud, Weather Forecast, Weather, Sky, Blue, White, Sun"/>
           <p:cNvPicPr preferRelativeResize="0"/>
           <p:nvPr/>
         </p:nvPicPr>
@@ -10805,14 +11016,14 @@
             <a:avLst/>
           </a:prstGeom>
           <a:noFill/>
-          <a:ln cap="flat" cmpd="sng" w="9525">
+          <a:ln w="9525" cap="flat" cmpd="sng">
             <a:solidFill>
               <a:schemeClr val="dk2"/>
             </a:solidFill>
             <a:prstDash val="solid"/>
             <a:round/>
-            <a:headEnd len="med" w="med" type="none"/>
-            <a:tailEnd len="med" w="med" type="none"/>
+            <a:headEnd type="none" w="med" len="med"/>
+            <a:tailEnd type="none" w="med" len="med"/>
           </a:ln>
         </p:spPr>
       </p:cxnSp>
@@ -10831,14 +11042,14 @@
             <a:avLst/>
           </a:prstGeom>
           <a:noFill/>
-          <a:ln cap="flat" cmpd="sng" w="9525">
+          <a:ln w="9525" cap="flat" cmpd="sng">
             <a:solidFill>
               <a:schemeClr val="dk2"/>
             </a:solidFill>
             <a:prstDash val="solid"/>
             <a:round/>
-            <a:headEnd len="med" w="med" type="none"/>
-            <a:tailEnd len="med" w="med" type="none"/>
+            <a:headEnd type="none" w="med" len="med"/>
+            <a:tailEnd type="none" w="med" len="med"/>
           </a:ln>
         </p:spPr>
       </p:cxnSp>
@@ -10851,7 +11062,7 @@
 </file>
 
 <file path=ppt/theme/theme1.xml><?xml version="1.0" encoding="utf-8"?>
-<a:theme xmlns:a="http://schemas.openxmlformats.org/drawingml/2006/main" xmlns:r="http://schemas.openxmlformats.org/officeDocument/2006/relationships" name="RPF Curriculum Slides">
+<a:theme xmlns:a="http://schemas.openxmlformats.org/drawingml/2006/main" name="RPF Curriculum Slides">
   <a:themeElements>
     <a:clrScheme name="Simple Light">
       <a:dk1>
@@ -10891,76 +11102,16 @@
         <a:srgbClr val="0097A7"/>
       </a:folHlink>
     </a:clrScheme>
-    <a:fontScheme name="Office">
+    <a:fontScheme name="font">
       <a:majorFont>
-        <a:latin typeface="Arial"/>
-        <a:ea typeface=""/>
+        <a:latin typeface="Segoe UI"/>
+        <a:ea typeface="等线"/>
         <a:cs typeface=""/>
-        <a:font script="Jpan" typeface="ＭＳ Ｐゴシック"/>
-        <a:font script="Hang" typeface="맑은 고딕"/>
-        <a:font script="Hans" typeface="宋体"/>
-        <a:font script="Hant" typeface="新細明體"/>
-        <a:font script="Arab" typeface="Times New Roman"/>
-        <a:font script="Hebr" typeface="Times New Roman"/>
-        <a:font script="Thai" typeface="Angsana New"/>
-        <a:font script="Ethi" typeface="Nyala"/>
-        <a:font script="Beng" typeface="Vrinda"/>
-        <a:font script="Gujr" typeface="Shruti"/>
-        <a:font script="Khmr" typeface="MoolBoran"/>
-        <a:font script="Knda" typeface="Tunga"/>
-        <a:font script="Guru" typeface="Raavi"/>
-        <a:font script="Cans" typeface="Euphemia"/>
-        <a:font script="Cher" typeface="Plantagenet Cherokee"/>
-        <a:font script="Yiii" typeface="Microsoft Yi Baiti"/>
-        <a:font script="Tibt" typeface="Microsoft Himalaya"/>
-        <a:font script="Thaa" typeface="MV Boli"/>
-        <a:font script="Deva" typeface="Mangal"/>
-        <a:font script="Telu" typeface="Gautami"/>
-        <a:font script="Taml" typeface="Latha"/>
-        <a:font script="Syrc" typeface="Estrangelo Edessa"/>
-        <a:font script="Orya" typeface="Kalinga"/>
-        <a:font script="Mlym" typeface="Kartika"/>
-        <a:font script="Laoo" typeface="DokChampa"/>
-        <a:font script="Sinh" typeface="Iskoola Pota"/>
-        <a:font script="Mong" typeface="Mongolian Baiti"/>
-        <a:font script="Viet" typeface="Times New Roman"/>
-        <a:font script="Uigh" typeface="Microsoft Uighur"/>
-        <a:font script="Geor" typeface="Sylfaen"/>
       </a:majorFont>
       <a:minorFont>
-        <a:latin typeface="Arial"/>
-        <a:ea typeface=""/>
+        <a:latin typeface="Segoe UI"/>
+        <a:ea typeface="等线"/>
         <a:cs typeface=""/>
-        <a:font script="Jpan" typeface="ＭＳ Ｐゴシック"/>
-        <a:font script="Hang" typeface="맑은 고딕"/>
-        <a:font script="Hans" typeface="宋体"/>
-        <a:font script="Hant" typeface="新細明體"/>
-        <a:font script="Arab" typeface="Arial"/>
-        <a:font script="Hebr" typeface="Arial"/>
-        <a:font script="Thai" typeface="Cordia New"/>
-        <a:font script="Ethi" typeface="Nyala"/>
-        <a:font script="Beng" typeface="Vrinda"/>
-        <a:font script="Gujr" typeface="Shruti"/>
-        <a:font script="Khmr" typeface="DaunPenh"/>
-        <a:font script="Knda" typeface="Tunga"/>
-        <a:font script="Guru" typeface="Raavi"/>
-        <a:font script="Cans" typeface="Euphemia"/>
-        <a:font script="Cher" typeface="Plantagenet Cherokee"/>
-        <a:font script="Yiii" typeface="Microsoft Yi Baiti"/>
-        <a:font script="Tibt" typeface="Microsoft Himalaya"/>
-        <a:font script="Thaa" typeface="MV Boli"/>
-        <a:font script="Deva" typeface="Mangal"/>
-        <a:font script="Telu" typeface="Gautami"/>
-        <a:font script="Taml" typeface="Latha"/>
-        <a:font script="Syrc" typeface="Estrangelo Edessa"/>
-        <a:font script="Orya" typeface="Kalinga"/>
-        <a:font script="Mlym" typeface="Kartika"/>
-        <a:font script="Laoo" typeface="DokChampa"/>
-        <a:font script="Sinh" typeface="Iskoola Pota"/>
-        <a:font script="Mong" typeface="Mongolian Baiti"/>
-        <a:font script="Viet" typeface="Arial"/>
-        <a:font script="Uigh" typeface="Microsoft Uighur"/>
-        <a:font script="Geor" typeface="Sylfaen"/>
       </a:minorFont>
     </a:fontScheme>
     <a:fmtScheme name="Office">
@@ -11126,11 +11277,13 @@
       </a:bgFillStyleLst>
     </a:fmtScheme>
   </a:themeElements>
+  <a:objectDefaults/>
+  <a:extraClrSchemeLst/>
 </a:theme>
 </file>
 
 <file path=ppt/theme/theme2.xml><?xml version="1.0" encoding="utf-8"?>
-<a:theme xmlns:a="http://schemas.openxmlformats.org/drawingml/2006/main" xmlns:r="http://schemas.openxmlformats.org/officeDocument/2006/relationships">
+<a:theme xmlns:a="http://schemas.openxmlformats.org/drawingml/2006/main">
   <a:themeElements>
     <a:clrScheme name="Default">
       <a:dk1>
@@ -11405,5 +11558,7 @@
       </a:bgFillStyleLst>
     </a:fmtScheme>
   </a:themeElements>
+  <a:objectDefaults/>
+  <a:extraClrSchemeLst/>
 </a:theme>
 </file>